--- a/report/presentation.pptx
+++ b/report/presentation.pptx
@@ -5,7 +5,7 @@
     <p:sldMasterId id="2147483648" r:id="rId1"/>
   </p:sldMasterIdLst>
   <p:notesMasterIdLst>
-    <p:notesMasterId r:id="rId18"/>
+    <p:notesMasterId r:id="rId17"/>
   </p:notesMasterIdLst>
   <p:sldIdLst>
     <p:sldId id="256" r:id="rId2"/>
@@ -23,7 +23,6 @@
     <p:sldId id="270" r:id="rId14"/>
     <p:sldId id="269" r:id="rId15"/>
     <p:sldId id="271" r:id="rId16"/>
-    <p:sldId id="257" r:id="rId17"/>
   </p:sldIdLst>
   <p:sldSz cx="12192000" cy="6858000"/>
   <p:notesSz cx="6858000" cy="9144000"/>
@@ -122,6 +121,11 @@
       </a:defRPr>
     </a:lvl9pPr>
   </p:defaultTextStyle>
+  <p:extLst>
+    <p:ext uri="{EFAFB233-063F-42B5-8137-9DF3F51BA10A}">
+      <p15:sldGuideLst xmlns:p15="http://schemas.microsoft.com/office/powerpoint/2012/main"/>
+    </p:ext>
+  </p:extLst>
 </p:presentation>
 </file>
 
@@ -207,7 +211,7 @@
           <a:p>
             <a:fld id="{23CC9E94-B77C-5E44-BB36-CBF0411EAB81}" type="datetimeFigureOut">
               <a:rPr lang="en-AU" smtClean="0"/>
-              <a:t>28/11/17</a:t>
+              <a:t>30/11/17</a:t>
             </a:fld>
             <a:endParaRPr lang="en-AU"/>
           </a:p>
@@ -936,7 +940,7 @@
           <a:p>
             <a:fld id="{8909DC0E-1097-594E-BE65-184AE06C5E65}" type="datetimeFigureOut">
               <a:rPr lang="en-AU" smtClean="0"/>
-              <a:t>28/11/17</a:t>
+              <a:t>30/11/17</a:t>
             </a:fld>
             <a:endParaRPr lang="en-AU"/>
           </a:p>
@@ -1106,7 +1110,7 @@
           <a:p>
             <a:fld id="{8909DC0E-1097-594E-BE65-184AE06C5E65}" type="datetimeFigureOut">
               <a:rPr lang="en-AU" smtClean="0"/>
-              <a:t>28/11/17</a:t>
+              <a:t>30/11/17</a:t>
             </a:fld>
             <a:endParaRPr lang="en-AU"/>
           </a:p>
@@ -1286,7 +1290,7 @@
           <a:p>
             <a:fld id="{8909DC0E-1097-594E-BE65-184AE06C5E65}" type="datetimeFigureOut">
               <a:rPr lang="en-AU" smtClean="0"/>
-              <a:t>28/11/17</a:t>
+              <a:t>30/11/17</a:t>
             </a:fld>
             <a:endParaRPr lang="en-AU"/>
           </a:p>
@@ -1456,7 +1460,7 @@
           <a:p>
             <a:fld id="{8909DC0E-1097-594E-BE65-184AE06C5E65}" type="datetimeFigureOut">
               <a:rPr lang="en-AU" smtClean="0"/>
-              <a:t>28/11/17</a:t>
+              <a:t>30/11/17</a:t>
             </a:fld>
             <a:endParaRPr lang="en-AU"/>
           </a:p>
@@ -1702,7 +1706,7 @@
           <a:p>
             <a:fld id="{8909DC0E-1097-594E-BE65-184AE06C5E65}" type="datetimeFigureOut">
               <a:rPr lang="en-AU" smtClean="0"/>
-              <a:t>28/11/17</a:t>
+              <a:t>30/11/17</a:t>
             </a:fld>
             <a:endParaRPr lang="en-AU"/>
           </a:p>
@@ -1934,7 +1938,7 @@
           <a:p>
             <a:fld id="{8909DC0E-1097-594E-BE65-184AE06C5E65}" type="datetimeFigureOut">
               <a:rPr lang="en-AU" smtClean="0"/>
-              <a:t>28/11/17</a:t>
+              <a:t>30/11/17</a:t>
             </a:fld>
             <a:endParaRPr lang="en-AU"/>
           </a:p>
@@ -2301,7 +2305,7 @@
           <a:p>
             <a:fld id="{8909DC0E-1097-594E-BE65-184AE06C5E65}" type="datetimeFigureOut">
               <a:rPr lang="en-AU" smtClean="0"/>
-              <a:t>28/11/17</a:t>
+              <a:t>30/11/17</a:t>
             </a:fld>
             <a:endParaRPr lang="en-AU"/>
           </a:p>
@@ -2419,7 +2423,7 @@
           <a:p>
             <a:fld id="{8909DC0E-1097-594E-BE65-184AE06C5E65}" type="datetimeFigureOut">
               <a:rPr lang="en-AU" smtClean="0"/>
-              <a:t>28/11/17</a:t>
+              <a:t>30/11/17</a:t>
             </a:fld>
             <a:endParaRPr lang="en-AU"/>
           </a:p>
@@ -2514,7 +2518,7 @@
           <a:p>
             <a:fld id="{8909DC0E-1097-594E-BE65-184AE06C5E65}" type="datetimeFigureOut">
               <a:rPr lang="en-AU" smtClean="0"/>
-              <a:t>28/11/17</a:t>
+              <a:t>30/11/17</a:t>
             </a:fld>
             <a:endParaRPr lang="en-AU"/>
           </a:p>
@@ -2791,7 +2795,7 @@
           <a:p>
             <a:fld id="{8909DC0E-1097-594E-BE65-184AE06C5E65}" type="datetimeFigureOut">
               <a:rPr lang="en-AU" smtClean="0"/>
-              <a:t>28/11/17</a:t>
+              <a:t>30/11/17</a:t>
             </a:fld>
             <a:endParaRPr lang="en-AU"/>
           </a:p>
@@ -3044,7 +3048,7 @@
           <a:p>
             <a:fld id="{8909DC0E-1097-594E-BE65-184AE06C5E65}" type="datetimeFigureOut">
               <a:rPr lang="en-AU" smtClean="0"/>
-              <a:t>28/11/17</a:t>
+              <a:t>30/11/17</a:t>
             </a:fld>
             <a:endParaRPr lang="en-AU"/>
           </a:p>
@@ -3257,7 +3261,7 @@
           <a:p>
             <a:fld id="{8909DC0E-1097-594E-BE65-184AE06C5E65}" type="datetimeFigureOut">
               <a:rPr lang="en-AU" smtClean="0"/>
-              <a:t>28/11/17</a:t>
+              <a:t>30/11/17</a:t>
             </a:fld>
             <a:endParaRPr lang="en-AU"/>
           </a:p>
@@ -4155,1089 +4159,6 @@
     <p:extLst>
       <p:ext uri="{BB962C8B-B14F-4D97-AF65-F5344CB8AC3E}">
         <p14:creationId xmlns:p14="http://schemas.microsoft.com/office/powerpoint/2010/main" val="636601072"/>
-      </p:ext>
-    </p:extLst>
-  </p:cSld>
-  <p:clrMapOvr>
-    <a:masterClrMapping/>
-  </p:clrMapOvr>
-</p:sld>
-</file>
-
-<file path=ppt/slides/slide16.xml><?xml version="1.0" encoding="utf-8"?>
-<p:sld xmlns:a="http://schemas.openxmlformats.org/drawingml/2006/main" xmlns:r="http://schemas.openxmlformats.org/officeDocument/2006/relationships" xmlns:p="http://schemas.openxmlformats.org/presentationml/2006/main">
-  <p:cSld>
-    <p:spTree>
-      <p:nvGrpSpPr>
-        <p:cNvPr id="1" name=""/>
-        <p:cNvGrpSpPr/>
-        <p:nvPr/>
-      </p:nvGrpSpPr>
-      <p:grpSpPr>
-        <a:xfrm>
-          <a:off x="0" y="0"/>
-          <a:ext cx="0" cy="0"/>
-          <a:chOff x="0" y="0"/>
-          <a:chExt cx="0" cy="0"/>
-        </a:xfrm>
-      </p:grpSpPr>
-      <p:sp>
-        <p:nvSpPr>
-          <p:cNvPr id="4" name="Title 3"/>
-          <p:cNvSpPr>
-            <a:spLocks noGrp="1"/>
-          </p:cNvSpPr>
-          <p:nvPr>
-            <p:ph type="title"/>
-          </p:nvPr>
-        </p:nvSpPr>
-        <p:spPr/>
-        <p:txBody>
-          <a:bodyPr/>
-          <a:lstStyle/>
-          <a:p>
-            <a:r>
-              <a:rPr lang="en-AU" dirty="0" smtClean="0"/>
-              <a:t>Team Members</a:t>
-            </a:r>
-            <a:endParaRPr lang="en-AU" dirty="0"/>
-          </a:p>
-        </p:txBody>
-      </p:sp>
-      <p:graphicFrame>
-        <p:nvGraphicFramePr>
-          <p:cNvPr id="6" name="Content Placeholder 5"/>
-          <p:cNvGraphicFramePr>
-            <a:graphicFrameLocks noGrp="1"/>
-          </p:cNvGraphicFramePr>
-          <p:nvPr>
-            <p:ph idx="1"/>
-            <p:extLst>
-              <p:ext uri="{D42A27DB-BD31-4B8C-83A1-F6EECF244321}">
-                <p14:modId xmlns:p14="http://schemas.microsoft.com/office/powerpoint/2010/main" val="1179464547"/>
-              </p:ext>
-            </p:extLst>
-          </p:nvPr>
-        </p:nvGraphicFramePr>
-        <p:xfrm>
-          <a:off x="838200" y="2386361"/>
-          <a:ext cx="10515599" cy="2051825"/>
-        </p:xfrm>
-        <a:graphic>
-          <a:graphicData uri="http://schemas.openxmlformats.org/drawingml/2006/table">
-            <a:tbl>
-              <a:tblPr firstRow="1" firstCol="1" bandRow="1">
-                <a:tableStyleId>{5C22544A-7EE6-4342-B048-85BDC9FD1C3A}</a:tableStyleId>
-              </a:tblPr>
-              <a:tblGrid>
-                <a:gridCol w="523174"/>
-                <a:gridCol w="908403"/>
-                <a:gridCol w="1009336"/>
-                <a:gridCol w="1665404"/>
-                <a:gridCol w="1665404"/>
-                <a:gridCol w="2583900"/>
-                <a:gridCol w="2159978"/>
-              </a:tblGrid>
-              <a:tr h="557561">
-                <a:tc>
-                  <a:txBody>
-                    <a:bodyPr/>
-                    <a:lstStyle/>
-                    <a:p>
-                      <a:pPr algn="ctr">
-                        <a:lnSpc>
-                          <a:spcPct val="107000"/>
-                        </a:lnSpc>
-                        <a:spcAft>
-                          <a:spcPts val="0"/>
-                        </a:spcAft>
-                      </a:pPr>
-                      <a:r>
-                        <a:rPr lang="en-US" sz="1600" dirty="0">
-                          <a:effectLst/>
-                        </a:rPr>
-                        <a:t>No.</a:t>
-                      </a:r>
-                      <a:endParaRPr lang="en-GB" sz="1600" dirty="0">
-                        <a:effectLst/>
-                        <a:latin typeface="Calibri" charset="0"/>
-                        <a:ea typeface="Calibri" charset="0"/>
-                        <a:cs typeface="Times New Roman" charset="0"/>
-                      </a:endParaRPr>
-                    </a:p>
-                  </a:txBody>
-                  <a:tcPr marL="68580" marR="68580" marT="0" marB="0" anchor="ctr"/>
-                </a:tc>
-                <a:tc>
-                  <a:txBody>
-                    <a:bodyPr/>
-                    <a:lstStyle/>
-                    <a:p>
-                      <a:pPr algn="ctr">
-                        <a:lnSpc>
-                          <a:spcPct val="107000"/>
-                        </a:lnSpc>
-                        <a:spcAft>
-                          <a:spcPts val="0"/>
-                        </a:spcAft>
-                      </a:pPr>
-                      <a:r>
-                        <a:rPr lang="en-US" sz="1600">
-                          <a:effectLst/>
-                        </a:rPr>
-                        <a:t>Name</a:t>
-                      </a:r>
-                      <a:endParaRPr lang="en-GB" sz="1600">
-                        <a:effectLst/>
-                        <a:latin typeface="Calibri" charset="0"/>
-                        <a:ea typeface="Calibri" charset="0"/>
-                        <a:cs typeface="Times New Roman" charset="0"/>
-                      </a:endParaRPr>
-                    </a:p>
-                  </a:txBody>
-                  <a:tcPr marL="68580" marR="68580" marT="0" marB="0" anchor="ctr"/>
-                </a:tc>
-                <a:tc>
-                  <a:txBody>
-                    <a:bodyPr/>
-                    <a:lstStyle/>
-                    <a:p>
-                      <a:pPr algn="ctr">
-                        <a:lnSpc>
-                          <a:spcPct val="107000"/>
-                        </a:lnSpc>
-                        <a:spcAft>
-                          <a:spcPts val="0"/>
-                        </a:spcAft>
-                      </a:pPr>
-                      <a:r>
-                        <a:rPr lang="en-US" sz="1600" dirty="0">
-                          <a:effectLst/>
-                        </a:rPr>
-                        <a:t>Surname</a:t>
-                      </a:r>
-                      <a:endParaRPr lang="en-GB" sz="1600" dirty="0">
-                        <a:effectLst/>
-                        <a:latin typeface="Calibri" charset="0"/>
-                        <a:ea typeface="Calibri" charset="0"/>
-                        <a:cs typeface="Times New Roman" charset="0"/>
-                      </a:endParaRPr>
-                    </a:p>
-                  </a:txBody>
-                  <a:tcPr marL="68580" marR="68580" marT="0" marB="0" anchor="ctr"/>
-                </a:tc>
-                <a:tc>
-                  <a:txBody>
-                    <a:bodyPr/>
-                    <a:lstStyle/>
-                    <a:p>
-                      <a:pPr algn="ctr">
-                        <a:lnSpc>
-                          <a:spcPct val="107000"/>
-                        </a:lnSpc>
-                        <a:spcAft>
-                          <a:spcPts val="0"/>
-                        </a:spcAft>
-                      </a:pPr>
-                      <a:r>
-                        <a:rPr lang="en-GB" sz="1600" dirty="0" smtClean="0">
-                          <a:effectLst/>
-                          <a:latin typeface="Calibri" charset="0"/>
-                          <a:ea typeface="Calibri" charset="0"/>
-                          <a:cs typeface="Times New Roman" charset="0"/>
-                        </a:rPr>
-                        <a:t>SID</a:t>
-                      </a:r>
-                      <a:endParaRPr lang="en-GB" sz="1600" dirty="0">
-                        <a:effectLst/>
-                        <a:latin typeface="Calibri" charset="0"/>
-                        <a:ea typeface="Calibri" charset="0"/>
-                        <a:cs typeface="Times New Roman" charset="0"/>
-                      </a:endParaRPr>
-                    </a:p>
-                  </a:txBody>
-                  <a:tcPr marL="68580" marR="68580" marT="0" marB="0" anchor="ctr"/>
-                </a:tc>
-                <a:tc>
-                  <a:txBody>
-                    <a:bodyPr/>
-                    <a:lstStyle/>
-                    <a:p>
-                      <a:pPr algn="ctr">
-                        <a:lnSpc>
-                          <a:spcPct val="107000"/>
-                        </a:lnSpc>
-                        <a:spcAft>
-                          <a:spcPts val="0"/>
-                        </a:spcAft>
-                      </a:pPr>
-                      <a:r>
-                        <a:rPr lang="en-US" sz="1600" dirty="0">
-                          <a:effectLst/>
-                        </a:rPr>
-                        <a:t>QMUL college login</a:t>
-                      </a:r>
-                      <a:endParaRPr lang="en-GB" sz="1600" dirty="0">
-                        <a:effectLst/>
-                        <a:latin typeface="Calibri" charset="0"/>
-                        <a:ea typeface="Calibri" charset="0"/>
-                        <a:cs typeface="Times New Roman" charset="0"/>
-                      </a:endParaRPr>
-                    </a:p>
-                  </a:txBody>
-                  <a:tcPr marL="68580" marR="68580" marT="0" marB="0" anchor="ctr"/>
-                </a:tc>
-                <a:tc>
-                  <a:txBody>
-                    <a:bodyPr/>
-                    <a:lstStyle/>
-                    <a:p>
-                      <a:pPr algn="ctr">
-                        <a:lnSpc>
-                          <a:spcPct val="107000"/>
-                        </a:lnSpc>
-                        <a:spcAft>
-                          <a:spcPts val="0"/>
-                        </a:spcAft>
-                      </a:pPr>
-                      <a:r>
-                        <a:rPr lang="en-US" sz="1600" dirty="0">
-                          <a:effectLst/>
-                        </a:rPr>
-                        <a:t>Email address</a:t>
-                      </a:r>
-                      <a:endParaRPr lang="en-GB" sz="1600" dirty="0">
-                        <a:effectLst/>
-                        <a:latin typeface="Calibri" charset="0"/>
-                        <a:ea typeface="Calibri" charset="0"/>
-                        <a:cs typeface="Times New Roman" charset="0"/>
-                      </a:endParaRPr>
-                    </a:p>
-                  </a:txBody>
-                  <a:tcPr marL="68580" marR="68580" marT="0" marB="0" anchor="ctr"/>
-                </a:tc>
-                <a:tc>
-                  <a:txBody>
-                    <a:bodyPr/>
-                    <a:lstStyle/>
-                    <a:p>
-                      <a:pPr algn="ctr">
-                        <a:lnSpc>
-                          <a:spcPct val="107000"/>
-                        </a:lnSpc>
-                        <a:spcAft>
-                          <a:spcPts val="0"/>
-                        </a:spcAft>
-                      </a:pPr>
-                      <a:r>
-                        <a:rPr lang="en-GB" sz="1600" dirty="0" smtClean="0">
-                          <a:effectLst/>
-                          <a:latin typeface="Calibri" charset="0"/>
-                          <a:ea typeface="Calibri" charset="0"/>
-                          <a:cs typeface="Times New Roman" charset="0"/>
-                        </a:rPr>
-                        <a:t>Contribution</a:t>
-                      </a:r>
-                      <a:endParaRPr lang="en-GB" sz="1600" dirty="0">
-                        <a:effectLst/>
-                        <a:latin typeface="Calibri" charset="0"/>
-                        <a:ea typeface="Calibri" charset="0"/>
-                        <a:cs typeface="Times New Roman" charset="0"/>
-                      </a:endParaRPr>
-                    </a:p>
-                  </a:txBody>
-                  <a:tcPr marL="68580" marR="68580" marT="0" marB="0" anchor="ctr"/>
-                </a:tc>
-              </a:tr>
-              <a:tr h="373566">
-                <a:tc>
-                  <a:txBody>
-                    <a:bodyPr/>
-                    <a:lstStyle/>
-                    <a:p>
-                      <a:pPr algn="ctr">
-                        <a:lnSpc>
-                          <a:spcPct val="107000"/>
-                        </a:lnSpc>
-                        <a:spcAft>
-                          <a:spcPts val="0"/>
-                        </a:spcAft>
-                      </a:pPr>
-                      <a:r>
-                        <a:rPr lang="en-US" sz="1600" dirty="0">
-                          <a:effectLst/>
-                        </a:rPr>
-                        <a:t>1</a:t>
-                      </a:r>
-                      <a:endParaRPr lang="en-GB" sz="1600" dirty="0">
-                        <a:effectLst/>
-                        <a:latin typeface="Calibri" charset="0"/>
-                        <a:ea typeface="Calibri" charset="0"/>
-                        <a:cs typeface="Times New Roman" charset="0"/>
-                      </a:endParaRPr>
-                    </a:p>
-                  </a:txBody>
-                  <a:tcPr marL="68580" marR="68580" marT="0" marB="0" anchor="ctr"/>
-                </a:tc>
-                <a:tc>
-                  <a:txBody>
-                    <a:bodyPr/>
-                    <a:lstStyle/>
-                    <a:p>
-                      <a:pPr algn="ctr">
-                        <a:lnSpc>
-                          <a:spcPct val="107000"/>
-                        </a:lnSpc>
-                        <a:spcAft>
-                          <a:spcPts val="0"/>
-                        </a:spcAft>
-                      </a:pPr>
-                      <a:r>
-                        <a:rPr lang="en-US" sz="1600" dirty="0">
-                          <a:effectLst/>
-                        </a:rPr>
-                        <a:t>Vincey</a:t>
-                      </a:r>
-                      <a:endParaRPr lang="en-GB" sz="1600" dirty="0">
-                        <a:effectLst/>
-                        <a:latin typeface="Calibri" charset="0"/>
-                        <a:ea typeface="Calibri" charset="0"/>
-                        <a:cs typeface="Times New Roman" charset="0"/>
-                      </a:endParaRPr>
-                    </a:p>
-                  </a:txBody>
-                  <a:tcPr marL="68580" marR="68580" marT="0" marB="0" anchor="ctr"/>
-                </a:tc>
-                <a:tc>
-                  <a:txBody>
-                    <a:bodyPr/>
-                    <a:lstStyle/>
-                    <a:p>
-                      <a:pPr algn="ctr">
-                        <a:lnSpc>
-                          <a:spcPct val="107000"/>
-                        </a:lnSpc>
-                        <a:spcAft>
-                          <a:spcPts val="0"/>
-                        </a:spcAft>
-                      </a:pPr>
-                      <a:r>
-                        <a:rPr lang="en-US" sz="1600">
-                          <a:effectLst/>
-                        </a:rPr>
-                        <a:t>Au</a:t>
-                      </a:r>
-                      <a:endParaRPr lang="en-GB" sz="1600">
-                        <a:effectLst/>
-                        <a:latin typeface="Calibri" charset="0"/>
-                        <a:ea typeface="Calibri" charset="0"/>
-                        <a:cs typeface="Times New Roman" charset="0"/>
-                      </a:endParaRPr>
-                    </a:p>
-                  </a:txBody>
-                  <a:tcPr marL="68580" marR="68580" marT="0" marB="0" anchor="ctr"/>
-                </a:tc>
-                <a:tc>
-                  <a:txBody>
-                    <a:bodyPr/>
-                    <a:lstStyle/>
-                    <a:p>
-                      <a:pPr algn="ctr">
-                        <a:lnSpc>
-                          <a:spcPct val="107000"/>
-                        </a:lnSpc>
-                        <a:spcAft>
-                          <a:spcPts val="0"/>
-                        </a:spcAft>
-                      </a:pPr>
-                      <a:r>
-                        <a:rPr lang="en-GB" sz="1600" dirty="0" smtClean="0">
-                          <a:effectLst/>
-                          <a:latin typeface="Calibri" charset="0"/>
-                          <a:ea typeface="Calibri" charset="0"/>
-                          <a:cs typeface="Times New Roman" charset="0"/>
-                        </a:rPr>
-                        <a:t>170770282</a:t>
-                      </a:r>
-                      <a:endParaRPr lang="en-GB" sz="1600" dirty="0">
-                        <a:effectLst/>
-                        <a:latin typeface="Calibri" charset="0"/>
-                        <a:ea typeface="Calibri" charset="0"/>
-                        <a:cs typeface="Times New Roman" charset="0"/>
-                      </a:endParaRPr>
-                    </a:p>
-                  </a:txBody>
-                  <a:tcPr marL="68580" marR="68580" marT="0" marB="0" anchor="ctr"/>
-                </a:tc>
-                <a:tc>
-                  <a:txBody>
-                    <a:bodyPr/>
-                    <a:lstStyle/>
-                    <a:p>
-                      <a:pPr algn="ctr">
-                        <a:lnSpc>
-                          <a:spcPct val="107000"/>
-                        </a:lnSpc>
-                        <a:spcAft>
-                          <a:spcPts val="0"/>
-                        </a:spcAft>
-                      </a:pPr>
-                      <a:r>
-                        <a:rPr lang="en-US" sz="1600" dirty="0">
-                          <a:effectLst/>
-                        </a:rPr>
-                        <a:t>cb17338</a:t>
-                      </a:r>
-                      <a:endParaRPr lang="en-GB" sz="1600" dirty="0">
-                        <a:effectLst/>
-                        <a:latin typeface="Calibri" charset="0"/>
-                        <a:ea typeface="Calibri" charset="0"/>
-                        <a:cs typeface="Times New Roman" charset="0"/>
-                      </a:endParaRPr>
-                    </a:p>
-                  </a:txBody>
-                  <a:tcPr marL="68580" marR="68580" marT="0" marB="0" anchor="ctr"/>
-                </a:tc>
-                <a:tc>
-                  <a:txBody>
-                    <a:bodyPr/>
-                    <a:lstStyle/>
-                    <a:p>
-                      <a:pPr algn="ctr">
-                        <a:lnSpc>
-                          <a:spcPct val="107000"/>
-                        </a:lnSpc>
-                        <a:spcAft>
-                          <a:spcPts val="0"/>
-                        </a:spcAft>
-                      </a:pPr>
-                      <a:r>
-                        <a:rPr lang="en-US" sz="1600">
-                          <a:effectLst/>
-                        </a:rPr>
-                        <a:t>v.w.au@stu17.qmul.ac.uk</a:t>
-                      </a:r>
-                      <a:endParaRPr lang="en-GB" sz="1600">
-                        <a:effectLst/>
-                        <a:latin typeface="Calibri" charset="0"/>
-                        <a:ea typeface="Calibri" charset="0"/>
-                        <a:cs typeface="Times New Roman" charset="0"/>
-                      </a:endParaRPr>
-                    </a:p>
-                  </a:txBody>
-                  <a:tcPr marL="68580" marR="68580" marT="0" marB="0" anchor="ctr"/>
-                </a:tc>
-                <a:tc>
-                  <a:txBody>
-                    <a:bodyPr/>
-                    <a:lstStyle/>
-                    <a:p>
-                      <a:pPr algn="ctr">
-                        <a:lnSpc>
-                          <a:spcPct val="107000"/>
-                        </a:lnSpc>
-                        <a:spcAft>
-                          <a:spcPts val="0"/>
-                        </a:spcAft>
-                      </a:pPr>
-                      <a:endParaRPr lang="en-GB" sz="1600">
-                        <a:effectLst/>
-                        <a:latin typeface="Calibri" charset="0"/>
-                        <a:ea typeface="Calibri" charset="0"/>
-                        <a:cs typeface="Times New Roman" charset="0"/>
-                      </a:endParaRPr>
-                    </a:p>
-                  </a:txBody>
-                  <a:tcPr marL="68580" marR="68580" marT="0" marB="0" anchor="ctr"/>
-                </a:tc>
-              </a:tr>
-              <a:tr h="373566">
-                <a:tc>
-                  <a:txBody>
-                    <a:bodyPr/>
-                    <a:lstStyle/>
-                    <a:p>
-                      <a:pPr algn="ctr">
-                        <a:lnSpc>
-                          <a:spcPct val="107000"/>
-                        </a:lnSpc>
-                        <a:spcAft>
-                          <a:spcPts val="0"/>
-                        </a:spcAft>
-                      </a:pPr>
-                      <a:r>
-                        <a:rPr lang="en-US" sz="1600">
-                          <a:effectLst/>
-                        </a:rPr>
-                        <a:t>2</a:t>
-                      </a:r>
-                      <a:endParaRPr lang="en-GB" sz="1600">
-                        <a:effectLst/>
-                        <a:latin typeface="Calibri" charset="0"/>
-                        <a:ea typeface="Calibri" charset="0"/>
-                        <a:cs typeface="Times New Roman" charset="0"/>
-                      </a:endParaRPr>
-                    </a:p>
-                  </a:txBody>
-                  <a:tcPr marL="68580" marR="68580" marT="0" marB="0" anchor="ctr"/>
-                </a:tc>
-                <a:tc>
-                  <a:txBody>
-                    <a:bodyPr/>
-                    <a:lstStyle/>
-                    <a:p>
-                      <a:pPr algn="ctr">
-                        <a:lnSpc>
-                          <a:spcPct val="107000"/>
-                        </a:lnSpc>
-                        <a:spcAft>
-                          <a:spcPts val="0"/>
-                        </a:spcAft>
-                      </a:pPr>
-                      <a:r>
-                        <a:rPr lang="en-US" sz="1600">
-                          <a:effectLst/>
-                        </a:rPr>
-                        <a:t>Mark</a:t>
-                      </a:r>
-                      <a:endParaRPr lang="en-GB" sz="1600">
-                        <a:effectLst/>
-                        <a:latin typeface="Calibri" charset="0"/>
-                        <a:ea typeface="Calibri" charset="0"/>
-                        <a:cs typeface="Times New Roman" charset="0"/>
-                      </a:endParaRPr>
-                    </a:p>
-                  </a:txBody>
-                  <a:tcPr marL="68580" marR="68580" marT="0" marB="0" anchor="ctr"/>
-                </a:tc>
-                <a:tc>
-                  <a:txBody>
-                    <a:bodyPr/>
-                    <a:lstStyle/>
-                    <a:p>
-                      <a:pPr algn="ctr">
-                        <a:lnSpc>
-                          <a:spcPct val="107000"/>
-                        </a:lnSpc>
-                        <a:spcAft>
-                          <a:spcPts val="0"/>
-                        </a:spcAft>
-                      </a:pPr>
-                      <a:r>
-                        <a:rPr lang="en-US" sz="1600">
-                          <a:effectLst/>
-                        </a:rPr>
-                        <a:t>Brown</a:t>
-                      </a:r>
-                      <a:endParaRPr lang="en-GB" sz="1600">
-                        <a:effectLst/>
-                        <a:latin typeface="Calibri" charset="0"/>
-                        <a:ea typeface="Calibri" charset="0"/>
-                        <a:cs typeface="Times New Roman" charset="0"/>
-                      </a:endParaRPr>
-                    </a:p>
-                  </a:txBody>
-                  <a:tcPr marL="68580" marR="68580" marT="0" marB="0" anchor="ctr"/>
-                </a:tc>
-                <a:tc>
-                  <a:txBody>
-                    <a:bodyPr/>
-                    <a:lstStyle/>
-                    <a:p>
-                      <a:pPr algn="ctr">
-                        <a:lnSpc>
-                          <a:spcPct val="107000"/>
-                        </a:lnSpc>
-                        <a:spcAft>
-                          <a:spcPts val="800"/>
-                        </a:spcAft>
-                      </a:pPr>
-                      <a:endParaRPr lang="en-GB" sz="1600" dirty="0">
-                        <a:effectLst/>
-                        <a:latin typeface="Calibri" charset="0"/>
-                        <a:ea typeface="Calibri" charset="0"/>
-                        <a:cs typeface="Times New Roman" charset="0"/>
-                      </a:endParaRPr>
-                    </a:p>
-                  </a:txBody>
-                  <a:tcPr marL="68580" marR="68580" marT="0" marB="0" anchor="ctr"/>
-                </a:tc>
-                <a:tc>
-                  <a:txBody>
-                    <a:bodyPr/>
-                    <a:lstStyle/>
-                    <a:p>
-                      <a:pPr algn="ctr">
-                        <a:lnSpc>
-                          <a:spcPct val="107000"/>
-                        </a:lnSpc>
-                        <a:spcAft>
-                          <a:spcPts val="800"/>
-                        </a:spcAft>
-                      </a:pPr>
-                      <a:r>
-                        <a:rPr lang="en-US" sz="1600" dirty="0">
-                          <a:effectLst/>
-                        </a:rPr>
-                        <a:t>ec17531</a:t>
-                      </a:r>
-                      <a:endParaRPr lang="en-GB" sz="1600" dirty="0">
-                        <a:effectLst/>
-                        <a:latin typeface="Calibri" charset="0"/>
-                        <a:ea typeface="Calibri" charset="0"/>
-                        <a:cs typeface="Times New Roman" charset="0"/>
-                      </a:endParaRPr>
-                    </a:p>
-                  </a:txBody>
-                  <a:tcPr marL="68580" marR="68580" marT="0" marB="0" anchor="ctr"/>
-                </a:tc>
-                <a:tc>
-                  <a:txBody>
-                    <a:bodyPr/>
-                    <a:lstStyle/>
-                    <a:p>
-                      <a:pPr algn="ctr">
-                        <a:lnSpc>
-                          <a:spcPct val="107000"/>
-                        </a:lnSpc>
-                        <a:spcAft>
-                          <a:spcPts val="0"/>
-                        </a:spcAft>
-                      </a:pPr>
-                      <a:r>
-                        <a:rPr lang="en-US" sz="1600">
-                          <a:effectLst/>
-                        </a:rPr>
-                        <a:t>ec17531@qmul.ac.uk</a:t>
-                      </a:r>
-                      <a:endParaRPr lang="en-GB" sz="1600">
-                        <a:effectLst/>
-                        <a:latin typeface="Calibri" charset="0"/>
-                        <a:ea typeface="Calibri" charset="0"/>
-                        <a:cs typeface="Times New Roman" charset="0"/>
-                      </a:endParaRPr>
-                    </a:p>
-                  </a:txBody>
-                  <a:tcPr marL="68580" marR="68580" marT="0" marB="0" anchor="ctr"/>
-                </a:tc>
-                <a:tc>
-                  <a:txBody>
-                    <a:bodyPr/>
-                    <a:lstStyle/>
-                    <a:p>
-                      <a:pPr algn="ctr">
-                        <a:lnSpc>
-                          <a:spcPct val="107000"/>
-                        </a:lnSpc>
-                        <a:spcAft>
-                          <a:spcPts val="0"/>
-                        </a:spcAft>
-                      </a:pPr>
-                      <a:endParaRPr lang="en-GB" sz="1600">
-                        <a:effectLst/>
-                        <a:latin typeface="Calibri" charset="0"/>
-                        <a:ea typeface="Calibri" charset="0"/>
-                        <a:cs typeface="Times New Roman" charset="0"/>
-                      </a:endParaRPr>
-                    </a:p>
-                  </a:txBody>
-                  <a:tcPr marL="68580" marR="68580" marT="0" marB="0" anchor="ctr"/>
-                </a:tc>
-              </a:tr>
-              <a:tr h="373566">
-                <a:tc>
-                  <a:txBody>
-                    <a:bodyPr/>
-                    <a:lstStyle/>
-                    <a:p>
-                      <a:pPr algn="ctr">
-                        <a:lnSpc>
-                          <a:spcPct val="107000"/>
-                        </a:lnSpc>
-                        <a:spcAft>
-                          <a:spcPts val="0"/>
-                        </a:spcAft>
-                      </a:pPr>
-                      <a:r>
-                        <a:rPr lang="en-US" sz="1600">
-                          <a:effectLst/>
-                        </a:rPr>
-                        <a:t>3</a:t>
-                      </a:r>
-                      <a:endParaRPr lang="en-GB" sz="1600">
-                        <a:effectLst/>
-                        <a:latin typeface="Calibri" charset="0"/>
-                        <a:ea typeface="Calibri" charset="0"/>
-                        <a:cs typeface="Times New Roman" charset="0"/>
-                      </a:endParaRPr>
-                    </a:p>
-                  </a:txBody>
-                  <a:tcPr marL="68580" marR="68580" marT="0" marB="0" anchor="ctr"/>
-                </a:tc>
-                <a:tc>
-                  <a:txBody>
-                    <a:bodyPr/>
-                    <a:lstStyle/>
-                    <a:p>
-                      <a:pPr algn="ctr">
-                        <a:lnSpc>
-                          <a:spcPct val="107000"/>
-                        </a:lnSpc>
-                        <a:spcAft>
-                          <a:spcPts val="0"/>
-                        </a:spcAft>
-                      </a:pPr>
-                      <a:r>
-                        <a:rPr lang="en-US" sz="1600">
-                          <a:effectLst/>
-                        </a:rPr>
-                        <a:t>Karla </a:t>
-                      </a:r>
-                      <a:endParaRPr lang="en-GB" sz="1600">
-                        <a:effectLst/>
-                        <a:latin typeface="Calibri" charset="0"/>
-                        <a:ea typeface="Calibri" charset="0"/>
-                        <a:cs typeface="Times New Roman" charset="0"/>
-                      </a:endParaRPr>
-                    </a:p>
-                  </a:txBody>
-                  <a:tcPr marL="68580" marR="68580" marT="0" marB="0" anchor="ctr"/>
-                </a:tc>
-                <a:tc>
-                  <a:txBody>
-                    <a:bodyPr/>
-                    <a:lstStyle/>
-                    <a:p>
-                      <a:pPr algn="ctr">
-                        <a:lnSpc>
-                          <a:spcPct val="107000"/>
-                        </a:lnSpc>
-                        <a:spcAft>
-                          <a:spcPts val="0"/>
-                        </a:spcAft>
-                      </a:pPr>
-                      <a:r>
-                        <a:rPr lang="en-US" sz="1600">
-                          <a:effectLst/>
-                        </a:rPr>
-                        <a:t>Geron</a:t>
-                      </a:r>
-                      <a:endParaRPr lang="en-GB" sz="1600">
-                        <a:effectLst/>
-                        <a:latin typeface="Calibri" charset="0"/>
-                        <a:ea typeface="Calibri" charset="0"/>
-                        <a:cs typeface="Times New Roman" charset="0"/>
-                      </a:endParaRPr>
-                    </a:p>
-                  </a:txBody>
-                  <a:tcPr marL="68580" marR="68580" marT="0" marB="0" anchor="ctr"/>
-                </a:tc>
-                <a:tc>
-                  <a:txBody>
-                    <a:bodyPr/>
-                    <a:lstStyle/>
-                    <a:p>
-                      <a:pPr algn="ctr">
-                        <a:lnSpc>
-                          <a:spcPct val="107000"/>
-                        </a:lnSpc>
-                        <a:spcAft>
-                          <a:spcPts val="0"/>
-                        </a:spcAft>
-                      </a:pPr>
-                      <a:endParaRPr lang="en-GB" sz="1600">
-                        <a:effectLst/>
-                        <a:latin typeface="Calibri" charset="0"/>
-                        <a:ea typeface="Calibri" charset="0"/>
-                        <a:cs typeface="Times New Roman" charset="0"/>
-                      </a:endParaRPr>
-                    </a:p>
-                  </a:txBody>
-                  <a:tcPr marL="68580" marR="68580" marT="0" marB="0" anchor="ctr"/>
-                </a:tc>
-                <a:tc>
-                  <a:txBody>
-                    <a:bodyPr/>
-                    <a:lstStyle/>
-                    <a:p>
-                      <a:pPr algn="ctr">
-                        <a:lnSpc>
-                          <a:spcPct val="107000"/>
-                        </a:lnSpc>
-                        <a:spcAft>
-                          <a:spcPts val="0"/>
-                        </a:spcAft>
-                      </a:pPr>
-                      <a:r>
-                        <a:rPr lang="en-US" sz="1600">
-                          <a:effectLst/>
-                        </a:rPr>
-                        <a:t>ez16026</a:t>
-                      </a:r>
-                      <a:endParaRPr lang="en-GB" sz="1600">
-                        <a:effectLst/>
-                        <a:latin typeface="Calibri" charset="0"/>
-                        <a:ea typeface="Calibri" charset="0"/>
-                        <a:cs typeface="Times New Roman" charset="0"/>
-                      </a:endParaRPr>
-                    </a:p>
-                  </a:txBody>
-                  <a:tcPr marL="68580" marR="68580" marT="0" marB="0" anchor="ctr"/>
-                </a:tc>
-                <a:tc>
-                  <a:txBody>
-                    <a:bodyPr/>
-                    <a:lstStyle/>
-                    <a:p>
-                      <a:pPr algn="ctr">
-                        <a:lnSpc>
-                          <a:spcPct val="107000"/>
-                        </a:lnSpc>
-                        <a:spcAft>
-                          <a:spcPts val="0"/>
-                        </a:spcAft>
-                      </a:pPr>
-                      <a:r>
-                        <a:rPr lang="en-US" sz="1600">
-                          <a:effectLst/>
-                        </a:rPr>
-                        <a:t>k.geron@se16.qmul.ac.uk</a:t>
-                      </a:r>
-                      <a:endParaRPr lang="en-GB" sz="1600">
-                        <a:effectLst/>
-                        <a:latin typeface="Calibri" charset="0"/>
-                        <a:ea typeface="Calibri" charset="0"/>
-                        <a:cs typeface="Times New Roman" charset="0"/>
-                      </a:endParaRPr>
-                    </a:p>
-                  </a:txBody>
-                  <a:tcPr marL="68580" marR="68580" marT="0" marB="0" anchor="ctr"/>
-                </a:tc>
-                <a:tc>
-                  <a:txBody>
-                    <a:bodyPr/>
-                    <a:lstStyle/>
-                    <a:p>
-                      <a:pPr algn="ctr">
-                        <a:lnSpc>
-                          <a:spcPct val="107000"/>
-                        </a:lnSpc>
-                        <a:spcAft>
-                          <a:spcPts val="0"/>
-                        </a:spcAft>
-                      </a:pPr>
-                      <a:endParaRPr lang="en-GB" sz="1600">
-                        <a:effectLst/>
-                        <a:latin typeface="Calibri" charset="0"/>
-                        <a:ea typeface="Calibri" charset="0"/>
-                        <a:cs typeface="Times New Roman" charset="0"/>
-                      </a:endParaRPr>
-                    </a:p>
-                  </a:txBody>
-                  <a:tcPr marL="68580" marR="68580" marT="0" marB="0" anchor="ctr"/>
-                </a:tc>
-              </a:tr>
-              <a:tr h="373566">
-                <a:tc>
-                  <a:txBody>
-                    <a:bodyPr/>
-                    <a:lstStyle/>
-                    <a:p>
-                      <a:pPr algn="ctr">
-                        <a:lnSpc>
-                          <a:spcPct val="107000"/>
-                        </a:lnSpc>
-                        <a:spcAft>
-                          <a:spcPts val="0"/>
-                        </a:spcAft>
-                      </a:pPr>
-                      <a:r>
-                        <a:rPr lang="en-US" sz="1600">
-                          <a:effectLst/>
-                        </a:rPr>
-                        <a:t>4</a:t>
-                      </a:r>
-                      <a:endParaRPr lang="en-GB" sz="1600">
-                        <a:effectLst/>
-                        <a:latin typeface="Calibri" charset="0"/>
-                        <a:ea typeface="Calibri" charset="0"/>
-                        <a:cs typeface="Times New Roman" charset="0"/>
-                      </a:endParaRPr>
-                    </a:p>
-                  </a:txBody>
-                  <a:tcPr marL="68580" marR="68580" marT="0" marB="0" anchor="ctr"/>
-                </a:tc>
-                <a:tc>
-                  <a:txBody>
-                    <a:bodyPr/>
-                    <a:lstStyle/>
-                    <a:p>
-                      <a:pPr algn="ctr">
-                        <a:lnSpc>
-                          <a:spcPct val="107000"/>
-                        </a:lnSpc>
-                        <a:spcAft>
-                          <a:spcPts val="0"/>
-                        </a:spcAft>
-                      </a:pPr>
-                      <a:r>
-                        <a:rPr lang="en-US" sz="1600">
-                          <a:effectLst/>
-                        </a:rPr>
-                        <a:t>Nimah</a:t>
-                      </a:r>
-                      <a:endParaRPr lang="en-GB" sz="1600">
-                        <a:effectLst/>
-                        <a:latin typeface="Calibri" charset="0"/>
-                        <a:ea typeface="Calibri" charset="0"/>
-                        <a:cs typeface="Times New Roman" charset="0"/>
-                      </a:endParaRPr>
-                    </a:p>
-                  </a:txBody>
-                  <a:tcPr marL="68580" marR="68580" marT="0" marB="0" anchor="ctr"/>
-                </a:tc>
-                <a:tc>
-                  <a:txBody>
-                    <a:bodyPr/>
-                    <a:lstStyle/>
-                    <a:p>
-                      <a:pPr algn="ctr">
-                        <a:lnSpc>
-                          <a:spcPct val="107000"/>
-                        </a:lnSpc>
-                        <a:spcAft>
-                          <a:spcPts val="0"/>
-                        </a:spcAft>
-                      </a:pPr>
-                      <a:r>
-                        <a:rPr lang="en-US" sz="1600">
-                          <a:effectLst/>
-                        </a:rPr>
-                        <a:t>Murshed</a:t>
-                      </a:r>
-                      <a:endParaRPr lang="en-GB" sz="1600">
-                        <a:effectLst/>
-                        <a:latin typeface="Calibri" charset="0"/>
-                        <a:ea typeface="Calibri" charset="0"/>
-                        <a:cs typeface="Times New Roman" charset="0"/>
-                      </a:endParaRPr>
-                    </a:p>
-                  </a:txBody>
-                  <a:tcPr marL="68580" marR="68580" marT="0" marB="0" anchor="ctr"/>
-                </a:tc>
-                <a:tc>
-                  <a:txBody>
-                    <a:bodyPr/>
-                    <a:lstStyle/>
-                    <a:p>
-                      <a:pPr algn="ctr">
-                        <a:lnSpc>
-                          <a:spcPct val="107000"/>
-                        </a:lnSpc>
-                        <a:spcAft>
-                          <a:spcPts val="0"/>
-                        </a:spcAft>
-                      </a:pPr>
-                      <a:endParaRPr lang="en-GB" sz="1600" dirty="0">
-                        <a:effectLst/>
-                        <a:latin typeface="Calibri" charset="0"/>
-                        <a:ea typeface="Calibri" charset="0"/>
-                        <a:cs typeface="Times New Roman" charset="0"/>
-                      </a:endParaRPr>
-                    </a:p>
-                  </a:txBody>
-                  <a:tcPr marL="68580" marR="68580" marT="0" marB="0" anchor="ctr"/>
-                </a:tc>
-                <a:tc>
-                  <a:txBody>
-                    <a:bodyPr/>
-                    <a:lstStyle/>
-                    <a:p>
-                      <a:pPr algn="ctr">
-                        <a:lnSpc>
-                          <a:spcPct val="107000"/>
-                        </a:lnSpc>
-                        <a:spcAft>
-                          <a:spcPts val="0"/>
-                        </a:spcAft>
-                      </a:pPr>
-                      <a:r>
-                        <a:rPr lang="en-US" sz="1600" dirty="0">
-                          <a:effectLst/>
-                        </a:rPr>
-                        <a:t>ec16103</a:t>
-                      </a:r>
-                      <a:endParaRPr lang="en-GB" sz="1600" dirty="0">
-                        <a:effectLst/>
-                        <a:latin typeface="Calibri" charset="0"/>
-                        <a:ea typeface="Calibri" charset="0"/>
-                        <a:cs typeface="Times New Roman" charset="0"/>
-                      </a:endParaRPr>
-                    </a:p>
-                  </a:txBody>
-                  <a:tcPr marL="68580" marR="68580" marT="0" marB="0" anchor="ctr"/>
-                </a:tc>
-                <a:tc>
-                  <a:txBody>
-                    <a:bodyPr/>
-                    <a:lstStyle/>
-                    <a:p>
-                      <a:pPr algn="ctr">
-                        <a:lnSpc>
-                          <a:spcPct val="107000"/>
-                        </a:lnSpc>
-                        <a:spcAft>
-                          <a:spcPts val="0"/>
-                        </a:spcAft>
-                      </a:pPr>
-                      <a:r>
-                        <a:rPr lang="en-US" sz="1600" dirty="0">
-                          <a:effectLst/>
-                        </a:rPr>
-                        <a:t>Nimah_08_m@hotmail.co.uk</a:t>
-                      </a:r>
-                      <a:endParaRPr lang="en-GB" sz="1600" dirty="0">
-                        <a:effectLst/>
-                        <a:latin typeface="Calibri" charset="0"/>
-                        <a:ea typeface="Calibri" charset="0"/>
-                        <a:cs typeface="Times New Roman" charset="0"/>
-                      </a:endParaRPr>
-                    </a:p>
-                  </a:txBody>
-                  <a:tcPr marL="68580" marR="68580" marT="0" marB="0" anchor="ctr"/>
-                </a:tc>
-                <a:tc>
-                  <a:txBody>
-                    <a:bodyPr/>
-                    <a:lstStyle/>
-                    <a:p>
-                      <a:pPr algn="ctr">
-                        <a:lnSpc>
-                          <a:spcPct val="107000"/>
-                        </a:lnSpc>
-                        <a:spcAft>
-                          <a:spcPts val="0"/>
-                        </a:spcAft>
-                      </a:pPr>
-                      <a:endParaRPr lang="en-GB" sz="1600" dirty="0">
-                        <a:effectLst/>
-                        <a:latin typeface="Calibri" charset="0"/>
-                        <a:ea typeface="Calibri" charset="0"/>
-                        <a:cs typeface="Times New Roman" charset="0"/>
-                      </a:endParaRPr>
-                    </a:p>
-                  </a:txBody>
-                  <a:tcPr marL="68580" marR="68580" marT="0" marB="0" anchor="ctr"/>
-                </a:tc>
-              </a:tr>
-            </a:tbl>
-          </a:graphicData>
-        </a:graphic>
-      </p:graphicFrame>
-    </p:spTree>
-    <p:extLst>
-      <p:ext uri="{BB962C8B-B14F-4D97-AF65-F5344CB8AC3E}">
-        <p14:creationId xmlns:p14="http://schemas.microsoft.com/office/powerpoint/2010/main" val="210648086"/>
       </p:ext>
     </p:extLst>
   </p:cSld>

--- a/report/presentation.pptx
+++ b/report/presentation.pptx
@@ -5,7 +5,7 @@
     <p:sldMasterId id="2147483648" r:id="rId1"/>
   </p:sldMasterIdLst>
   <p:notesMasterIdLst>
-    <p:notesMasterId r:id="rId17"/>
+    <p:notesMasterId r:id="rId19"/>
   </p:notesMasterIdLst>
   <p:sldIdLst>
     <p:sldId id="256" r:id="rId2"/>
@@ -15,14 +15,16 @@
     <p:sldId id="258" r:id="rId6"/>
     <p:sldId id="259" r:id="rId7"/>
     <p:sldId id="263" r:id="rId8"/>
-    <p:sldId id="264" r:id="rId9"/>
-    <p:sldId id="265" r:id="rId10"/>
-    <p:sldId id="266" r:id="rId11"/>
-    <p:sldId id="267" r:id="rId12"/>
-    <p:sldId id="268" r:id="rId13"/>
-    <p:sldId id="270" r:id="rId14"/>
-    <p:sldId id="269" r:id="rId15"/>
-    <p:sldId id="271" r:id="rId16"/>
+    <p:sldId id="273" r:id="rId9"/>
+    <p:sldId id="264" r:id="rId10"/>
+    <p:sldId id="265" r:id="rId11"/>
+    <p:sldId id="272" r:id="rId12"/>
+    <p:sldId id="266" r:id="rId13"/>
+    <p:sldId id="267" r:id="rId14"/>
+    <p:sldId id="268" r:id="rId15"/>
+    <p:sldId id="270" r:id="rId16"/>
+    <p:sldId id="269" r:id="rId17"/>
+    <p:sldId id="271" r:id="rId18"/>
   </p:sldIdLst>
   <p:sldSz cx="12192000" cy="6858000"/>
   <p:notesSz cx="6858000" cy="9144000"/>
@@ -123,7 +125,18 @@
   </p:defaultTextStyle>
   <p:extLst>
     <p:ext uri="{EFAFB233-063F-42B5-8137-9DF3F51BA10A}">
-      <p15:sldGuideLst xmlns:p15="http://schemas.microsoft.com/office/powerpoint/2012/main"/>
+      <p15:sldGuideLst xmlns:p15="http://schemas.microsoft.com/office/powerpoint/2012/main">
+        <p15:guide id="1" orient="horz" pos="2160" userDrawn="1">
+          <p15:clr>
+            <a:srgbClr val="A4A3A4"/>
+          </p15:clr>
+        </p15:guide>
+        <p15:guide id="2" pos="3840" userDrawn="1">
+          <p15:clr>
+            <a:srgbClr val="A4A3A4"/>
+          </p15:clr>
+        </p15:guide>
+      </p15:sldGuideLst>
     </p:ext>
   </p:extLst>
 </p:presentation>
@@ -211,7 +224,7 @@
           <a:p>
             <a:fld id="{23CC9E94-B77C-5E44-BB36-CBF0411EAB81}" type="datetimeFigureOut">
               <a:rPr lang="en-AU" smtClean="0"/>
-              <a:t>30/11/17</a:t>
+              <a:t>12/12/17</a:t>
             </a:fld>
             <a:endParaRPr lang="en-AU"/>
           </a:p>
@@ -523,155 +536,7 @@
           <a:bodyPr/>
           <a:lstStyle/>
           <a:p>
-            <a:pPr marL="0" marR="0" indent="0" algn="l" defTabSz="914400" rtl="0" eaLnBrk="1" fontAlgn="auto" latinLnBrk="0" hangingPunct="1">
-              <a:lnSpc>
-                <a:spcPct val="100000"/>
-              </a:lnSpc>
-              <a:spcBef>
-                <a:spcPts val="0"/>
-              </a:spcBef>
-              <a:spcAft>
-                <a:spcPts val="0"/>
-              </a:spcAft>
-              <a:buClrTx/>
-              <a:buSzTx/>
-              <a:buFontTx/>
-              <a:buNone/>
-              <a:tabLst/>
-              <a:defRPr/>
-            </a:pPr>
-            <a:r>
-              <a:rPr lang="en-US" sz="1200" kern="1200" dirty="0" smtClean="0">
-                <a:solidFill>
-                  <a:schemeClr val="tx1"/>
-                </a:solidFill>
-                <a:effectLst/>
-                <a:latin typeface="+mn-lt"/>
-                <a:ea typeface="+mn-ea"/>
-                <a:cs typeface="+mn-cs"/>
-              </a:rPr>
-              <a:t>Based on this analysis, </a:t>
-            </a:r>
-            <a:r>
-              <a:rPr lang="en-US" sz="1200" i="1" kern="1200" dirty="0" err="1" smtClean="0">
-                <a:solidFill>
-                  <a:schemeClr val="tx1"/>
-                </a:solidFill>
-                <a:effectLst/>
-                <a:latin typeface="+mn-lt"/>
-                <a:ea typeface="+mn-ea"/>
-                <a:cs typeface="+mn-cs"/>
-              </a:rPr>
-              <a:t>int</a:t>
-            </a:r>
-            <a:r>
-              <a:rPr lang="en-US" sz="1200" i="1" kern="1200" dirty="0" smtClean="0">
-                <a:solidFill>
-                  <a:schemeClr val="tx1"/>
-                </a:solidFill>
-                <a:effectLst/>
-                <a:latin typeface="+mn-lt"/>
-                <a:ea typeface="+mn-ea"/>
-                <a:cs typeface="+mn-cs"/>
-              </a:rPr>
-              <a:t> </a:t>
-            </a:r>
-            <a:r>
-              <a:rPr lang="en-US" sz="1200" i="1" kern="1200" dirty="0" err="1" smtClean="0">
-                <a:solidFill>
-                  <a:schemeClr val="tx1"/>
-                </a:solidFill>
-                <a:effectLst/>
-                <a:latin typeface="+mn-lt"/>
-                <a:ea typeface="+mn-ea"/>
-                <a:cs typeface="+mn-cs"/>
-              </a:rPr>
-              <a:t>elligence</a:t>
-            </a:r>
-            <a:r>
-              <a:rPr lang="en-US" sz="1200" i="1" kern="1200" dirty="0" smtClean="0">
-                <a:solidFill>
-                  <a:schemeClr val="tx1"/>
-                </a:solidFill>
-                <a:effectLst/>
-                <a:latin typeface="+mn-lt"/>
-                <a:ea typeface="+mn-ea"/>
-                <a:cs typeface="+mn-cs"/>
-              </a:rPr>
-              <a:t>;</a:t>
-            </a:r>
-            <a:r>
-              <a:rPr lang="en-US" sz="1200" kern="1200" dirty="0" smtClean="0">
-                <a:solidFill>
-                  <a:schemeClr val="tx1"/>
-                </a:solidFill>
-                <a:effectLst/>
-                <a:latin typeface="+mn-lt"/>
-                <a:ea typeface="+mn-ea"/>
-                <a:cs typeface="+mn-cs"/>
-              </a:rPr>
-              <a:t> should target a niche market, different from both Khan Academy and MOOCs. Therefore, </a:t>
-            </a:r>
-            <a:r>
-              <a:rPr lang="en-US" sz="1200" i="1" kern="1200" dirty="0" err="1" smtClean="0">
-                <a:solidFill>
-                  <a:schemeClr val="tx1"/>
-                </a:solidFill>
-                <a:effectLst/>
-                <a:latin typeface="+mn-lt"/>
-                <a:ea typeface="+mn-ea"/>
-                <a:cs typeface="+mn-cs"/>
-              </a:rPr>
-              <a:t>int</a:t>
-            </a:r>
-            <a:r>
-              <a:rPr lang="en-US" sz="1200" i="1" kern="1200" dirty="0" smtClean="0">
-                <a:solidFill>
-                  <a:schemeClr val="tx1"/>
-                </a:solidFill>
-                <a:effectLst/>
-                <a:latin typeface="+mn-lt"/>
-                <a:ea typeface="+mn-ea"/>
-                <a:cs typeface="+mn-cs"/>
-              </a:rPr>
-              <a:t> </a:t>
-            </a:r>
-            <a:r>
-              <a:rPr lang="en-US" sz="1200" i="1" kern="1200" dirty="0" err="1" smtClean="0">
-                <a:solidFill>
-                  <a:schemeClr val="tx1"/>
-                </a:solidFill>
-                <a:effectLst/>
-                <a:latin typeface="+mn-lt"/>
-                <a:ea typeface="+mn-ea"/>
-                <a:cs typeface="+mn-cs"/>
-              </a:rPr>
-              <a:t>elligence’s</a:t>
-            </a:r>
-            <a:r>
-              <a:rPr lang="en-US" sz="1200" kern="1200" dirty="0" smtClean="0">
-                <a:solidFill>
-                  <a:schemeClr val="tx1"/>
-                </a:solidFill>
-                <a:effectLst/>
-                <a:latin typeface="+mn-lt"/>
-                <a:ea typeface="+mn-ea"/>
-                <a:cs typeface="+mn-cs"/>
-              </a:rPr>
-              <a:t> target audience are males aged 15-24 who are either current students, or from low socioeconomic backgrounds in varying levels of employment.  Specifically, the latter group will have little to no experience, and are looking to upskill technically, perhaps for a career change. </a:t>
-            </a:r>
-            <a:endParaRPr lang="en-GB" sz="1200" kern="1200" dirty="0" smtClean="0">
-              <a:solidFill>
-                <a:schemeClr val="tx1"/>
-              </a:solidFill>
-              <a:effectLst/>
-              <a:latin typeface="+mn-lt"/>
-              <a:ea typeface="+mn-ea"/>
-              <a:cs typeface="+mn-cs"/>
-            </a:endParaRPr>
-          </a:p>
-          <a:p>
-            <a:endParaRPr lang="en-AU" dirty="0"/>
+            <a:endParaRPr lang="en-US" dirty="0"/>
           </a:p>
         </p:txBody>
       </p:sp>
@@ -692,7 +557,7 @@
           <a:p>
             <a:fld id="{E13DAC05-6C41-784E-9625-DE5F92EAAE5C}" type="slidenum">
               <a:rPr lang="en-AU" smtClean="0"/>
-              <a:t>6</a:t>
+              <a:t>1</a:t>
             </a:fld>
             <a:endParaRPr lang="en-AU"/>
           </a:p>
@@ -701,7 +566,7 @@
     </p:spTree>
     <p:extLst>
       <p:ext uri="{BB962C8B-B14F-4D97-AF65-F5344CB8AC3E}">
-        <p14:creationId xmlns:p14="http://schemas.microsoft.com/office/powerpoint/2010/main" val="742483926"/>
+        <p14:creationId xmlns:p14="http://schemas.microsoft.com/office/powerpoint/2010/main" val="1377184672"/>
       </p:ext>
     </p:extLst>
   </p:cSld>
@@ -755,21 +620,570 @@
           <a:bodyPr/>
           <a:lstStyle/>
           <a:p>
-            <a:r>
-              <a:rPr lang="en-AU" dirty="0" smtClean="0"/>
-              <a:t>Colour</a:t>
-            </a:r>
-            <a:r>
-              <a:rPr lang="en-AU" baseline="0" dirty="0" smtClean="0"/>
-              <a:t> blind test</a:t>
-            </a:r>
-          </a:p>
-          <a:p>
-            <a:r>
-              <a:rPr lang="en-AU" baseline="0" dirty="0" smtClean="0"/>
-              <a:t>Mobile test</a:t>
-            </a:r>
+            <a:endParaRPr lang="en-US" dirty="0"/>
+          </a:p>
+        </p:txBody>
+      </p:sp>
+      <p:sp>
+        <p:nvSpPr>
+          <p:cNvPr id="4" name="Slide Number Placeholder 3"/>
+          <p:cNvSpPr>
+            <a:spLocks noGrp="1"/>
+          </p:cNvSpPr>
+          <p:nvPr>
+            <p:ph type="sldNum" sz="quarter" idx="10"/>
+          </p:nvPr>
+        </p:nvSpPr>
+        <p:spPr/>
+        <p:txBody>
+          <a:bodyPr/>
+          <a:lstStyle/>
+          <a:p>
+            <a:fld id="{E13DAC05-6C41-784E-9625-DE5F92EAAE5C}" type="slidenum">
+              <a:rPr lang="en-AU" smtClean="0"/>
+              <a:t>4</a:t>
+            </a:fld>
+            <a:endParaRPr lang="en-AU"/>
+          </a:p>
+        </p:txBody>
+      </p:sp>
+    </p:spTree>
+    <p:extLst>
+      <p:ext uri="{BB962C8B-B14F-4D97-AF65-F5344CB8AC3E}">
+        <p14:creationId xmlns:p14="http://schemas.microsoft.com/office/powerpoint/2010/main" val="1723225258"/>
+      </p:ext>
+    </p:extLst>
+  </p:cSld>
+  <p:clrMapOvr>
+    <a:masterClrMapping/>
+  </p:clrMapOvr>
+</p:notes>
+</file>
+
+<file path=ppt/notesSlides/notesSlide3.xml><?xml version="1.0" encoding="utf-8"?>
+<p:notes xmlns:a="http://schemas.openxmlformats.org/drawingml/2006/main" xmlns:r="http://schemas.openxmlformats.org/officeDocument/2006/relationships" xmlns:p="http://schemas.openxmlformats.org/presentationml/2006/main">
+  <p:cSld>
+    <p:spTree>
+      <p:nvGrpSpPr>
+        <p:cNvPr id="1" name=""/>
+        <p:cNvGrpSpPr/>
+        <p:nvPr/>
+      </p:nvGrpSpPr>
+      <p:grpSpPr>
+        <a:xfrm>
+          <a:off x="0" y="0"/>
+          <a:ext cx="0" cy="0"/>
+          <a:chOff x="0" y="0"/>
+          <a:chExt cx="0" cy="0"/>
+        </a:xfrm>
+      </p:grpSpPr>
+      <p:sp>
+        <p:nvSpPr>
+          <p:cNvPr id="2" name="Slide Image Placeholder 1"/>
+          <p:cNvSpPr>
+            <a:spLocks noGrp="1" noRot="1" noChangeAspect="1"/>
+          </p:cNvSpPr>
+          <p:nvPr>
+            <p:ph type="sldImg"/>
+          </p:nvPr>
+        </p:nvSpPr>
+        <p:spPr/>
+      </p:sp>
+      <p:sp>
+        <p:nvSpPr>
+          <p:cNvPr id="3" name="Notes Placeholder 2"/>
+          <p:cNvSpPr>
+            <a:spLocks noGrp="1"/>
+          </p:cNvSpPr>
+          <p:nvPr>
+            <p:ph type="body" idx="1"/>
+          </p:nvPr>
+        </p:nvSpPr>
+        <p:spPr/>
+        <p:txBody>
+          <a:bodyPr/>
+          <a:lstStyle/>
+          <a:p>
+            <a:pPr lvl="0" fontAlgn="base"/>
+            <a:r>
+              <a:rPr lang="en-GB" dirty="0" smtClean="0"/>
+              <a:t>Attract and retain users</a:t>
+            </a:r>
+            <a:endParaRPr lang="en-GB" sz="3200" dirty="0" smtClean="0"/>
+          </a:p>
+          <a:p>
+            <a:pPr lvl="1" fontAlgn="base"/>
+            <a:r>
+              <a:rPr lang="en-GB" dirty="0" smtClean="0"/>
+              <a:t>Improve product awareness by 25% in the first 6 months of launching</a:t>
+            </a:r>
+            <a:endParaRPr lang="en-GB" sz="2800" dirty="0" smtClean="0"/>
+          </a:p>
+          <a:p>
+            <a:pPr lvl="1" fontAlgn="base"/>
+            <a:r>
+              <a:rPr lang="en-GB" dirty="0" smtClean="0"/>
+              <a:t>Increase website sign up conversion rate by 5%</a:t>
+            </a:r>
+            <a:endParaRPr lang="en-GB" sz="2800" dirty="0" smtClean="0"/>
+          </a:p>
+          <a:p>
+            <a:pPr lvl="1" fontAlgn="base"/>
+            <a:r>
+              <a:rPr lang="en-GB" dirty="0" smtClean="0"/>
+              <a:t>Increase website traffic by 20%</a:t>
+            </a:r>
+            <a:endParaRPr lang="en-GB" sz="2800" dirty="0" smtClean="0"/>
+          </a:p>
+          <a:p>
+            <a:pPr lvl="0" fontAlgn="base"/>
+            <a:r>
+              <a:rPr lang="en-GB" dirty="0" smtClean="0"/>
+              <a:t>Provide a seamless and cohesive learning experience for users</a:t>
+            </a:r>
+            <a:endParaRPr lang="en-GB" sz="3200" dirty="0" smtClean="0"/>
+          </a:p>
+          <a:p>
+            <a:pPr lvl="1" fontAlgn="base"/>
+            <a:r>
+              <a:rPr lang="en-GB" dirty="0" smtClean="0"/>
+              <a:t>Have a Net Promoter Score of 75 in the first 3 months of launching</a:t>
+            </a:r>
+            <a:endParaRPr lang="en-GB" sz="2800" dirty="0" smtClean="0"/>
+          </a:p>
+          <a:p>
+            <a:pPr lvl="1" fontAlgn="base"/>
+            <a:r>
+              <a:rPr lang="en-GB" dirty="0" smtClean="0"/>
+              <a:t>Improve course completion rates by 20%   </a:t>
+            </a:r>
+            <a:endParaRPr lang="en-GB" sz="2800" dirty="0" smtClean="0"/>
+          </a:p>
+          <a:p>
+            <a:endParaRPr lang="en-US" dirty="0"/>
+          </a:p>
+        </p:txBody>
+      </p:sp>
+      <p:sp>
+        <p:nvSpPr>
+          <p:cNvPr id="4" name="Slide Number Placeholder 3"/>
+          <p:cNvSpPr>
+            <a:spLocks noGrp="1"/>
+          </p:cNvSpPr>
+          <p:nvPr>
+            <p:ph type="sldNum" sz="quarter" idx="10"/>
+          </p:nvPr>
+        </p:nvSpPr>
+        <p:spPr/>
+        <p:txBody>
+          <a:bodyPr/>
+          <a:lstStyle/>
+          <a:p>
+            <a:fld id="{E13DAC05-6C41-784E-9625-DE5F92EAAE5C}" type="slidenum">
+              <a:rPr lang="en-AU" smtClean="0"/>
+              <a:t>5</a:t>
+            </a:fld>
+            <a:endParaRPr lang="en-AU"/>
+          </a:p>
+        </p:txBody>
+      </p:sp>
+    </p:spTree>
+    <p:extLst>
+      <p:ext uri="{BB962C8B-B14F-4D97-AF65-F5344CB8AC3E}">
+        <p14:creationId xmlns:p14="http://schemas.microsoft.com/office/powerpoint/2010/main" val="1993964917"/>
+      </p:ext>
+    </p:extLst>
+  </p:cSld>
+  <p:clrMapOvr>
+    <a:masterClrMapping/>
+  </p:clrMapOvr>
+</p:notes>
+</file>
+
+<file path=ppt/notesSlides/notesSlide4.xml><?xml version="1.0" encoding="utf-8"?>
+<p:notes xmlns:a="http://schemas.openxmlformats.org/drawingml/2006/main" xmlns:r="http://schemas.openxmlformats.org/officeDocument/2006/relationships" xmlns:p="http://schemas.openxmlformats.org/presentationml/2006/main">
+  <p:cSld>
+    <p:spTree>
+      <p:nvGrpSpPr>
+        <p:cNvPr id="1" name=""/>
+        <p:cNvGrpSpPr/>
+        <p:nvPr/>
+      </p:nvGrpSpPr>
+      <p:grpSpPr>
+        <a:xfrm>
+          <a:off x="0" y="0"/>
+          <a:ext cx="0" cy="0"/>
+          <a:chOff x="0" y="0"/>
+          <a:chExt cx="0" cy="0"/>
+        </a:xfrm>
+      </p:grpSpPr>
+      <p:sp>
+        <p:nvSpPr>
+          <p:cNvPr id="2" name="Slide Image Placeholder 1"/>
+          <p:cNvSpPr>
+            <a:spLocks noGrp="1" noRot="1" noChangeAspect="1"/>
+          </p:cNvSpPr>
+          <p:nvPr>
+            <p:ph type="sldImg"/>
+          </p:nvPr>
+        </p:nvSpPr>
+        <p:spPr/>
+      </p:sp>
+      <p:sp>
+        <p:nvSpPr>
+          <p:cNvPr id="3" name="Notes Placeholder 2"/>
+          <p:cNvSpPr>
+            <a:spLocks noGrp="1"/>
+          </p:cNvSpPr>
+          <p:nvPr>
+            <p:ph type="body" idx="1"/>
+          </p:nvPr>
+        </p:nvSpPr>
+        <p:spPr/>
+        <p:txBody>
+          <a:bodyPr/>
+          <a:lstStyle/>
+          <a:p>
+            <a:pPr marL="0" marR="0" indent="0" algn="l" defTabSz="914400" rtl="0" eaLnBrk="1" fontAlgn="auto" latinLnBrk="0" hangingPunct="1">
+              <a:lnSpc>
+                <a:spcPct val="100000"/>
+              </a:lnSpc>
+              <a:spcBef>
+                <a:spcPts val="0"/>
+              </a:spcBef>
+              <a:spcAft>
+                <a:spcPts val="0"/>
+              </a:spcAft>
+              <a:buClrTx/>
+              <a:buSzTx/>
+              <a:buFontTx/>
+              <a:buNone/>
+              <a:tabLst/>
+              <a:defRPr/>
+            </a:pPr>
+            <a:r>
+              <a:rPr lang="en-US" sz="1200" kern="1200" dirty="0" smtClean="0">
+                <a:solidFill>
+                  <a:schemeClr val="tx1"/>
+                </a:solidFill>
+                <a:effectLst/>
+                <a:latin typeface="+mn-lt"/>
+                <a:ea typeface="+mn-ea"/>
+                <a:cs typeface="+mn-cs"/>
+              </a:rPr>
+              <a:t>Based on this analysis, </a:t>
+            </a:r>
+            <a:r>
+              <a:rPr lang="en-US" sz="1200" i="1" kern="1200" dirty="0" err="1" smtClean="0">
+                <a:solidFill>
+                  <a:schemeClr val="tx1"/>
+                </a:solidFill>
+                <a:effectLst/>
+                <a:latin typeface="+mn-lt"/>
+                <a:ea typeface="+mn-ea"/>
+                <a:cs typeface="+mn-cs"/>
+              </a:rPr>
+              <a:t>int</a:t>
+            </a:r>
+            <a:r>
+              <a:rPr lang="en-US" sz="1200" i="1" kern="1200" dirty="0" smtClean="0">
+                <a:solidFill>
+                  <a:schemeClr val="tx1"/>
+                </a:solidFill>
+                <a:effectLst/>
+                <a:latin typeface="+mn-lt"/>
+                <a:ea typeface="+mn-ea"/>
+                <a:cs typeface="+mn-cs"/>
+              </a:rPr>
+              <a:t> </a:t>
+            </a:r>
+            <a:r>
+              <a:rPr lang="en-US" sz="1200" i="1" kern="1200" dirty="0" err="1" smtClean="0">
+                <a:solidFill>
+                  <a:schemeClr val="tx1"/>
+                </a:solidFill>
+                <a:effectLst/>
+                <a:latin typeface="+mn-lt"/>
+                <a:ea typeface="+mn-ea"/>
+                <a:cs typeface="+mn-cs"/>
+              </a:rPr>
+              <a:t>elligence</a:t>
+            </a:r>
+            <a:r>
+              <a:rPr lang="en-US" sz="1200" i="1" kern="1200" dirty="0" smtClean="0">
+                <a:solidFill>
+                  <a:schemeClr val="tx1"/>
+                </a:solidFill>
+                <a:effectLst/>
+                <a:latin typeface="+mn-lt"/>
+                <a:ea typeface="+mn-ea"/>
+                <a:cs typeface="+mn-cs"/>
+              </a:rPr>
+              <a:t>;</a:t>
+            </a:r>
+            <a:r>
+              <a:rPr lang="en-US" sz="1200" kern="1200" dirty="0" smtClean="0">
+                <a:solidFill>
+                  <a:schemeClr val="tx1"/>
+                </a:solidFill>
+                <a:effectLst/>
+                <a:latin typeface="+mn-lt"/>
+                <a:ea typeface="+mn-ea"/>
+                <a:cs typeface="+mn-cs"/>
+              </a:rPr>
+              <a:t> should target a niche market, different from both Khan Academy and MOOCs. Therefore, </a:t>
+            </a:r>
+            <a:r>
+              <a:rPr lang="en-US" sz="1200" i="1" kern="1200" dirty="0" err="1" smtClean="0">
+                <a:solidFill>
+                  <a:schemeClr val="tx1"/>
+                </a:solidFill>
+                <a:effectLst/>
+                <a:latin typeface="+mn-lt"/>
+                <a:ea typeface="+mn-ea"/>
+                <a:cs typeface="+mn-cs"/>
+              </a:rPr>
+              <a:t>int</a:t>
+            </a:r>
+            <a:r>
+              <a:rPr lang="en-US" sz="1200" i="1" kern="1200" dirty="0" smtClean="0">
+                <a:solidFill>
+                  <a:schemeClr val="tx1"/>
+                </a:solidFill>
+                <a:effectLst/>
+                <a:latin typeface="+mn-lt"/>
+                <a:ea typeface="+mn-ea"/>
+                <a:cs typeface="+mn-cs"/>
+              </a:rPr>
+              <a:t> </a:t>
+            </a:r>
+            <a:r>
+              <a:rPr lang="en-US" sz="1200" i="1" kern="1200" dirty="0" err="1" smtClean="0">
+                <a:solidFill>
+                  <a:schemeClr val="tx1"/>
+                </a:solidFill>
+                <a:effectLst/>
+                <a:latin typeface="+mn-lt"/>
+                <a:ea typeface="+mn-ea"/>
+                <a:cs typeface="+mn-cs"/>
+              </a:rPr>
+              <a:t>elligence’s</a:t>
+            </a:r>
+            <a:r>
+              <a:rPr lang="en-US" sz="1200" kern="1200" dirty="0" smtClean="0">
+                <a:solidFill>
+                  <a:schemeClr val="tx1"/>
+                </a:solidFill>
+                <a:effectLst/>
+                <a:latin typeface="+mn-lt"/>
+                <a:ea typeface="+mn-ea"/>
+                <a:cs typeface="+mn-cs"/>
+              </a:rPr>
+              <a:t> target audience are males aged 15-24 who are either current students, or from low socioeconomic backgrounds in varying levels of employment.  Specifically, the latter group will have little to no experience, and are looking to upskill technically, perhaps for a career change. </a:t>
+            </a:r>
+            <a:endParaRPr lang="en-GB" sz="1200" kern="1200" dirty="0" smtClean="0">
+              <a:solidFill>
+                <a:schemeClr val="tx1"/>
+              </a:solidFill>
+              <a:effectLst/>
+              <a:latin typeface="+mn-lt"/>
+              <a:ea typeface="+mn-ea"/>
+              <a:cs typeface="+mn-cs"/>
+            </a:endParaRPr>
+          </a:p>
+          <a:p>
             <a:endParaRPr lang="en-AU" dirty="0"/>
+          </a:p>
+        </p:txBody>
+      </p:sp>
+      <p:sp>
+        <p:nvSpPr>
+          <p:cNvPr id="4" name="Slide Number Placeholder 3"/>
+          <p:cNvSpPr>
+            <a:spLocks noGrp="1"/>
+          </p:cNvSpPr>
+          <p:nvPr>
+            <p:ph type="sldNum" sz="quarter" idx="10"/>
+          </p:nvPr>
+        </p:nvSpPr>
+        <p:spPr/>
+        <p:txBody>
+          <a:bodyPr/>
+          <a:lstStyle/>
+          <a:p>
+            <a:fld id="{E13DAC05-6C41-784E-9625-DE5F92EAAE5C}" type="slidenum">
+              <a:rPr lang="en-AU" smtClean="0"/>
+              <a:t>6</a:t>
+            </a:fld>
+            <a:endParaRPr lang="en-AU"/>
+          </a:p>
+        </p:txBody>
+      </p:sp>
+    </p:spTree>
+    <p:extLst>
+      <p:ext uri="{BB962C8B-B14F-4D97-AF65-F5344CB8AC3E}">
+        <p14:creationId xmlns:p14="http://schemas.microsoft.com/office/powerpoint/2010/main" val="742483926"/>
+      </p:ext>
+    </p:extLst>
+  </p:cSld>
+  <p:clrMapOvr>
+    <a:masterClrMapping/>
+  </p:clrMapOvr>
+</p:notes>
+</file>
+
+<file path=ppt/notesSlides/notesSlide5.xml><?xml version="1.0" encoding="utf-8"?>
+<p:notes xmlns:a="http://schemas.openxmlformats.org/drawingml/2006/main" xmlns:r="http://schemas.openxmlformats.org/officeDocument/2006/relationships" xmlns:p="http://schemas.openxmlformats.org/presentationml/2006/main">
+  <p:cSld>
+    <p:spTree>
+      <p:nvGrpSpPr>
+        <p:cNvPr id="1" name=""/>
+        <p:cNvGrpSpPr/>
+        <p:nvPr/>
+      </p:nvGrpSpPr>
+      <p:grpSpPr>
+        <a:xfrm>
+          <a:off x="0" y="0"/>
+          <a:ext cx="0" cy="0"/>
+          <a:chOff x="0" y="0"/>
+          <a:chExt cx="0" cy="0"/>
+        </a:xfrm>
+      </p:grpSpPr>
+      <p:sp>
+        <p:nvSpPr>
+          <p:cNvPr id="2" name="Slide Image Placeholder 1"/>
+          <p:cNvSpPr>
+            <a:spLocks noGrp="1" noRot="1" noChangeAspect="1"/>
+          </p:cNvSpPr>
+          <p:nvPr>
+            <p:ph type="sldImg"/>
+          </p:nvPr>
+        </p:nvSpPr>
+        <p:spPr/>
+      </p:sp>
+      <p:sp>
+        <p:nvSpPr>
+          <p:cNvPr id="3" name="Notes Placeholder 2"/>
+          <p:cNvSpPr>
+            <a:spLocks noGrp="1"/>
+          </p:cNvSpPr>
+          <p:nvPr>
+            <p:ph type="body" idx="1"/>
+          </p:nvPr>
+        </p:nvSpPr>
+        <p:spPr/>
+        <p:txBody>
+          <a:bodyPr/>
+          <a:lstStyle/>
+          <a:p>
+            <a:r>
+              <a:rPr lang="en-US" baseline="0" dirty="0" err="1" smtClean="0"/>
+              <a:t>Nav</a:t>
+            </a:r>
+            <a:r>
+              <a:rPr lang="en-US" baseline="0" dirty="0" smtClean="0"/>
+              <a:t> bar </a:t>
+            </a:r>
+          </a:p>
+          <a:p>
+            <a:r>
+              <a:rPr lang="en-US" baseline="0" dirty="0" smtClean="0"/>
+              <a:t>Popping hover</a:t>
+            </a:r>
+          </a:p>
+          <a:p>
+            <a:r>
+              <a:rPr lang="en-US" dirty="0" smtClean="0"/>
+              <a:t>Testimonials</a:t>
+            </a:r>
+            <a:endParaRPr lang="en-US" baseline="0" dirty="0" smtClean="0"/>
+          </a:p>
+          <a:p>
+            <a:endParaRPr lang="en-US" dirty="0"/>
+          </a:p>
+        </p:txBody>
+      </p:sp>
+      <p:sp>
+        <p:nvSpPr>
+          <p:cNvPr id="4" name="Slide Number Placeholder 3"/>
+          <p:cNvSpPr>
+            <a:spLocks noGrp="1"/>
+          </p:cNvSpPr>
+          <p:nvPr>
+            <p:ph type="sldNum" sz="quarter" idx="10"/>
+          </p:nvPr>
+        </p:nvSpPr>
+        <p:spPr/>
+        <p:txBody>
+          <a:bodyPr/>
+          <a:lstStyle/>
+          <a:p>
+            <a:fld id="{E13DAC05-6C41-784E-9625-DE5F92EAAE5C}" type="slidenum">
+              <a:rPr lang="en-AU" smtClean="0"/>
+              <a:t>7</a:t>
+            </a:fld>
+            <a:endParaRPr lang="en-AU"/>
+          </a:p>
+        </p:txBody>
+      </p:sp>
+    </p:spTree>
+    <p:extLst>
+      <p:ext uri="{BB962C8B-B14F-4D97-AF65-F5344CB8AC3E}">
+        <p14:creationId xmlns:p14="http://schemas.microsoft.com/office/powerpoint/2010/main" val="1802078923"/>
+      </p:ext>
+    </p:extLst>
+  </p:cSld>
+  <p:clrMapOvr>
+    <a:masterClrMapping/>
+  </p:clrMapOvr>
+</p:notes>
+</file>
+
+<file path=ppt/notesSlides/notesSlide6.xml><?xml version="1.0" encoding="utf-8"?>
+<p:notes xmlns:a="http://schemas.openxmlformats.org/drawingml/2006/main" xmlns:r="http://schemas.openxmlformats.org/officeDocument/2006/relationships" xmlns:p="http://schemas.openxmlformats.org/presentationml/2006/main">
+  <p:cSld>
+    <p:spTree>
+      <p:nvGrpSpPr>
+        <p:cNvPr id="1" name=""/>
+        <p:cNvGrpSpPr/>
+        <p:nvPr/>
+      </p:nvGrpSpPr>
+      <p:grpSpPr>
+        <a:xfrm>
+          <a:off x="0" y="0"/>
+          <a:ext cx="0" cy="0"/>
+          <a:chOff x="0" y="0"/>
+          <a:chExt cx="0" cy="0"/>
+        </a:xfrm>
+      </p:grpSpPr>
+      <p:sp>
+        <p:nvSpPr>
+          <p:cNvPr id="2" name="Slide Image Placeholder 1"/>
+          <p:cNvSpPr>
+            <a:spLocks noGrp="1" noRot="1" noChangeAspect="1"/>
+          </p:cNvSpPr>
+          <p:nvPr>
+            <p:ph type="sldImg"/>
+          </p:nvPr>
+        </p:nvSpPr>
+        <p:spPr/>
+      </p:sp>
+      <p:sp>
+        <p:nvSpPr>
+          <p:cNvPr id="3" name="Notes Placeholder 2"/>
+          <p:cNvSpPr>
+            <a:spLocks noGrp="1"/>
+          </p:cNvSpPr>
+          <p:nvPr>
+            <p:ph type="body" idx="1"/>
+          </p:nvPr>
+        </p:nvSpPr>
+        <p:spPr/>
+        <p:txBody>
+          <a:bodyPr/>
+          <a:lstStyle/>
+          <a:p>
+            <a:endParaRPr lang="en-US" dirty="0"/>
           </a:p>
         </p:txBody>
       </p:sp>
@@ -799,7 +1213,368 @@
     </p:spTree>
     <p:extLst>
       <p:ext uri="{BB962C8B-B14F-4D97-AF65-F5344CB8AC3E}">
+        <p14:creationId xmlns:p14="http://schemas.microsoft.com/office/powerpoint/2010/main" val="1526610886"/>
+      </p:ext>
+    </p:extLst>
+  </p:cSld>
+  <p:clrMapOvr>
+    <a:masterClrMapping/>
+  </p:clrMapOvr>
+</p:notes>
+</file>
+
+<file path=ppt/notesSlides/notesSlide7.xml><?xml version="1.0" encoding="utf-8"?>
+<p:notes xmlns:a="http://schemas.openxmlformats.org/drawingml/2006/main" xmlns:r="http://schemas.openxmlformats.org/officeDocument/2006/relationships" xmlns:p="http://schemas.openxmlformats.org/presentationml/2006/main">
+  <p:cSld>
+    <p:spTree>
+      <p:nvGrpSpPr>
+        <p:cNvPr id="1" name=""/>
+        <p:cNvGrpSpPr/>
+        <p:nvPr/>
+      </p:nvGrpSpPr>
+      <p:grpSpPr>
+        <a:xfrm>
+          <a:off x="0" y="0"/>
+          <a:ext cx="0" cy="0"/>
+          <a:chOff x="0" y="0"/>
+          <a:chExt cx="0" cy="0"/>
+        </a:xfrm>
+      </p:grpSpPr>
+      <p:sp>
+        <p:nvSpPr>
+          <p:cNvPr id="2" name="Slide Image Placeholder 1"/>
+          <p:cNvSpPr>
+            <a:spLocks noGrp="1" noRot="1" noChangeAspect="1"/>
+          </p:cNvSpPr>
+          <p:nvPr>
+            <p:ph type="sldImg"/>
+          </p:nvPr>
+        </p:nvSpPr>
+        <p:spPr/>
+      </p:sp>
+      <p:sp>
+        <p:nvSpPr>
+          <p:cNvPr id="3" name="Notes Placeholder 2"/>
+          <p:cNvSpPr>
+            <a:spLocks noGrp="1"/>
+          </p:cNvSpPr>
+          <p:nvPr>
+            <p:ph type="body" idx="1"/>
+          </p:nvPr>
+        </p:nvSpPr>
+        <p:spPr/>
+        <p:txBody>
+          <a:bodyPr/>
+          <a:lstStyle/>
+          <a:p>
+            <a:r>
+              <a:rPr lang="en-US" sz="1200" kern="1200" dirty="0" smtClean="0">
+                <a:solidFill>
+                  <a:schemeClr val="tx1"/>
+                </a:solidFill>
+                <a:effectLst/>
+                <a:latin typeface="+mn-lt"/>
+                <a:ea typeface="+mn-ea"/>
+                <a:cs typeface="+mn-cs"/>
+              </a:rPr>
+              <a:t>In terms of typography, one sans serif font was chosen for all text elements to maximize</a:t>
+            </a:r>
+          </a:p>
+          <a:p>
+            <a:r>
+              <a:rPr lang="en-US" sz="1200" kern="1200" dirty="0" smtClean="0">
+                <a:solidFill>
+                  <a:schemeClr val="tx1"/>
+                </a:solidFill>
+                <a:effectLst/>
+                <a:latin typeface="+mn-lt"/>
+                <a:ea typeface="+mn-ea"/>
+                <a:cs typeface="+mn-cs"/>
+              </a:rPr>
+              <a:t>clarity and effect. San Francisco for mac systems, and the fallback Helvetica </a:t>
+            </a:r>
+            <a:r>
+              <a:rPr lang="en-US" sz="1200" kern="1200" dirty="0" err="1" smtClean="0">
+                <a:solidFill>
+                  <a:schemeClr val="tx1"/>
+                </a:solidFill>
+                <a:effectLst/>
+                <a:latin typeface="+mn-lt"/>
+                <a:ea typeface="+mn-ea"/>
+                <a:cs typeface="+mn-cs"/>
+              </a:rPr>
+              <a:t>Neue</a:t>
+            </a:r>
+            <a:r>
+              <a:rPr lang="en-US" sz="1200" kern="1200" dirty="0" smtClean="0">
+                <a:solidFill>
+                  <a:schemeClr val="tx1"/>
+                </a:solidFill>
+                <a:effectLst/>
+                <a:latin typeface="+mn-lt"/>
+                <a:ea typeface="+mn-ea"/>
+                <a:cs typeface="+mn-cs"/>
+              </a:rPr>
+              <a:t> for windows,</a:t>
+            </a:r>
+          </a:p>
+          <a:p>
+            <a:endParaRPr lang="en-US" dirty="0"/>
+          </a:p>
+        </p:txBody>
+      </p:sp>
+      <p:sp>
+        <p:nvSpPr>
+          <p:cNvPr id="4" name="Slide Number Placeholder 3"/>
+          <p:cNvSpPr>
+            <a:spLocks noGrp="1"/>
+          </p:cNvSpPr>
+          <p:nvPr>
+            <p:ph type="sldNum" sz="quarter" idx="10"/>
+          </p:nvPr>
+        </p:nvSpPr>
+        <p:spPr/>
+        <p:txBody>
+          <a:bodyPr/>
+          <a:lstStyle/>
+          <a:p>
+            <a:fld id="{E13DAC05-6C41-784E-9625-DE5F92EAAE5C}" type="slidenum">
+              <a:rPr lang="en-AU" smtClean="0"/>
+              <a:t>11</a:t>
+            </a:fld>
+            <a:endParaRPr lang="en-AU"/>
+          </a:p>
+        </p:txBody>
+      </p:sp>
+    </p:spTree>
+    <p:extLst>
+      <p:ext uri="{BB962C8B-B14F-4D97-AF65-F5344CB8AC3E}">
+        <p14:creationId xmlns:p14="http://schemas.microsoft.com/office/powerpoint/2010/main" val="1863395746"/>
+      </p:ext>
+    </p:extLst>
+  </p:cSld>
+  <p:clrMapOvr>
+    <a:masterClrMapping/>
+  </p:clrMapOvr>
+</p:notes>
+</file>
+
+<file path=ppt/notesSlides/notesSlide8.xml><?xml version="1.0" encoding="utf-8"?>
+<p:notes xmlns:a="http://schemas.openxmlformats.org/drawingml/2006/main" xmlns:r="http://schemas.openxmlformats.org/officeDocument/2006/relationships" xmlns:p="http://schemas.openxmlformats.org/presentationml/2006/main">
+  <p:cSld>
+    <p:spTree>
+      <p:nvGrpSpPr>
+        <p:cNvPr id="1" name=""/>
+        <p:cNvGrpSpPr/>
+        <p:nvPr/>
+      </p:nvGrpSpPr>
+      <p:grpSpPr>
+        <a:xfrm>
+          <a:off x="0" y="0"/>
+          <a:ext cx="0" cy="0"/>
+          <a:chOff x="0" y="0"/>
+          <a:chExt cx="0" cy="0"/>
+        </a:xfrm>
+      </p:grpSpPr>
+      <p:sp>
+        <p:nvSpPr>
+          <p:cNvPr id="2" name="Slide Image Placeholder 1"/>
+          <p:cNvSpPr>
+            <a:spLocks noGrp="1" noRot="1" noChangeAspect="1"/>
+          </p:cNvSpPr>
+          <p:nvPr>
+            <p:ph type="sldImg"/>
+          </p:nvPr>
+        </p:nvSpPr>
+        <p:spPr/>
+      </p:sp>
+      <p:sp>
+        <p:nvSpPr>
+          <p:cNvPr id="3" name="Notes Placeholder 2"/>
+          <p:cNvSpPr>
+            <a:spLocks noGrp="1"/>
+          </p:cNvSpPr>
+          <p:nvPr>
+            <p:ph type="body" idx="1"/>
+          </p:nvPr>
+        </p:nvSpPr>
+        <p:spPr/>
+        <p:txBody>
+          <a:bodyPr/>
+          <a:lstStyle/>
+          <a:p>
+            <a:r>
+              <a:rPr lang="en-AU" dirty="0" smtClean="0"/>
+              <a:t>Colour</a:t>
+            </a:r>
+            <a:r>
+              <a:rPr lang="en-AU" baseline="0" dirty="0" smtClean="0"/>
+              <a:t> blind test</a:t>
+            </a:r>
+          </a:p>
+          <a:p>
+            <a:r>
+              <a:rPr lang="en-AU" baseline="0" dirty="0" smtClean="0"/>
+              <a:t>Mobile </a:t>
+            </a:r>
+            <a:r>
+              <a:rPr lang="en-AU" baseline="0" dirty="0" smtClean="0"/>
+              <a:t>test</a:t>
+            </a:r>
+          </a:p>
+          <a:p>
+            <a:r>
+              <a:rPr lang="en-AU" baseline="0" dirty="0" smtClean="0"/>
+              <a:t>Normans 10 heuristic rules</a:t>
+            </a:r>
+            <a:endParaRPr lang="en-AU" dirty="0"/>
+          </a:p>
+        </p:txBody>
+      </p:sp>
+      <p:sp>
+        <p:nvSpPr>
+          <p:cNvPr id="4" name="Slide Number Placeholder 3"/>
+          <p:cNvSpPr>
+            <a:spLocks noGrp="1"/>
+          </p:cNvSpPr>
+          <p:nvPr>
+            <p:ph type="sldNum" sz="quarter" idx="10"/>
+          </p:nvPr>
+        </p:nvSpPr>
+        <p:spPr/>
+        <p:txBody>
+          <a:bodyPr/>
+          <a:lstStyle/>
+          <a:p>
+            <a:fld id="{E13DAC05-6C41-784E-9625-DE5F92EAAE5C}" type="slidenum">
+              <a:rPr lang="en-AU" smtClean="0"/>
+              <a:t>12</a:t>
+            </a:fld>
+            <a:endParaRPr lang="en-AU"/>
+          </a:p>
+        </p:txBody>
+      </p:sp>
+    </p:spTree>
+    <p:extLst>
+      <p:ext uri="{BB962C8B-B14F-4D97-AF65-F5344CB8AC3E}">
         <p14:creationId xmlns:p14="http://schemas.microsoft.com/office/powerpoint/2010/main" val="667034710"/>
+      </p:ext>
+    </p:extLst>
+  </p:cSld>
+  <p:clrMapOvr>
+    <a:masterClrMapping/>
+  </p:clrMapOvr>
+</p:notes>
+</file>
+
+<file path=ppt/notesSlides/notesSlide9.xml><?xml version="1.0" encoding="utf-8"?>
+<p:notes xmlns:a="http://schemas.openxmlformats.org/drawingml/2006/main" xmlns:r="http://schemas.openxmlformats.org/officeDocument/2006/relationships" xmlns:p="http://schemas.openxmlformats.org/presentationml/2006/main">
+  <p:cSld>
+    <p:spTree>
+      <p:nvGrpSpPr>
+        <p:cNvPr id="1" name=""/>
+        <p:cNvGrpSpPr/>
+        <p:nvPr/>
+      </p:nvGrpSpPr>
+      <p:grpSpPr>
+        <a:xfrm>
+          <a:off x="0" y="0"/>
+          <a:ext cx="0" cy="0"/>
+          <a:chOff x="0" y="0"/>
+          <a:chExt cx="0" cy="0"/>
+        </a:xfrm>
+      </p:grpSpPr>
+      <p:sp>
+        <p:nvSpPr>
+          <p:cNvPr id="2" name="Slide Image Placeholder 1"/>
+          <p:cNvSpPr>
+            <a:spLocks noGrp="1" noRot="1" noChangeAspect="1"/>
+          </p:cNvSpPr>
+          <p:nvPr>
+            <p:ph type="sldImg"/>
+          </p:nvPr>
+        </p:nvSpPr>
+        <p:spPr/>
+      </p:sp>
+      <p:sp>
+        <p:nvSpPr>
+          <p:cNvPr id="3" name="Notes Placeholder 2"/>
+          <p:cNvSpPr>
+            <a:spLocks noGrp="1"/>
+          </p:cNvSpPr>
+          <p:nvPr>
+            <p:ph type="body" idx="1"/>
+          </p:nvPr>
+        </p:nvSpPr>
+        <p:spPr/>
+        <p:txBody>
+          <a:bodyPr/>
+          <a:lstStyle/>
+          <a:p>
+            <a:r>
+              <a:rPr lang="en-US" dirty="0" smtClean="0"/>
+              <a:t>Modal </a:t>
+            </a:r>
+            <a:r>
+              <a:rPr lang="mr-IN" baseline="0" dirty="0" smtClean="0"/>
+              <a:t>–</a:t>
+            </a:r>
+            <a:r>
+              <a:rPr lang="en-US" baseline="0" dirty="0" smtClean="0"/>
+              <a:t> </a:t>
+            </a:r>
+            <a:r>
+              <a:rPr lang="en-US" baseline="0" dirty="0" err="1" smtClean="0"/>
+              <a:t>Vincey</a:t>
+            </a:r>
+            <a:endParaRPr lang="en-US" dirty="0" smtClean="0"/>
+          </a:p>
+          <a:p>
+            <a:r>
+              <a:rPr lang="en-US" dirty="0" smtClean="0"/>
+              <a:t>Responsive </a:t>
+            </a:r>
+            <a:r>
+              <a:rPr lang="mr-IN" dirty="0" smtClean="0"/>
+              <a:t>–</a:t>
+            </a:r>
+            <a:r>
+              <a:rPr lang="en-US" baseline="0" dirty="0" smtClean="0"/>
+              <a:t> mark</a:t>
+            </a:r>
+          </a:p>
+          <a:p>
+            <a:endParaRPr lang="en-US" dirty="0"/>
+          </a:p>
+        </p:txBody>
+      </p:sp>
+      <p:sp>
+        <p:nvSpPr>
+          <p:cNvPr id="4" name="Slide Number Placeholder 3"/>
+          <p:cNvSpPr>
+            <a:spLocks noGrp="1"/>
+          </p:cNvSpPr>
+          <p:nvPr>
+            <p:ph type="sldNum" sz="quarter" idx="10"/>
+          </p:nvPr>
+        </p:nvSpPr>
+        <p:spPr/>
+        <p:txBody>
+          <a:bodyPr/>
+          <a:lstStyle/>
+          <a:p>
+            <a:fld id="{E13DAC05-6C41-784E-9625-DE5F92EAAE5C}" type="slidenum">
+              <a:rPr lang="en-AU" smtClean="0"/>
+              <a:t>13</a:t>
+            </a:fld>
+            <a:endParaRPr lang="en-AU"/>
+          </a:p>
+        </p:txBody>
+      </p:sp>
+    </p:spTree>
+    <p:extLst>
+      <p:ext uri="{BB962C8B-B14F-4D97-AF65-F5344CB8AC3E}">
+        <p14:creationId xmlns:p14="http://schemas.microsoft.com/office/powerpoint/2010/main" val="1863325339"/>
       </p:ext>
     </p:extLst>
   </p:cSld>
@@ -940,7 +1715,7 @@
           <a:p>
             <a:fld id="{8909DC0E-1097-594E-BE65-184AE06C5E65}" type="datetimeFigureOut">
               <a:rPr lang="en-AU" smtClean="0"/>
-              <a:t>30/11/17</a:t>
+              <a:t>12/12/17</a:t>
             </a:fld>
             <a:endParaRPr lang="en-AU"/>
           </a:p>
@@ -1110,7 +1885,7 @@
           <a:p>
             <a:fld id="{8909DC0E-1097-594E-BE65-184AE06C5E65}" type="datetimeFigureOut">
               <a:rPr lang="en-AU" smtClean="0"/>
-              <a:t>30/11/17</a:t>
+              <a:t>12/12/17</a:t>
             </a:fld>
             <a:endParaRPr lang="en-AU"/>
           </a:p>
@@ -1290,7 +2065,7 @@
           <a:p>
             <a:fld id="{8909DC0E-1097-594E-BE65-184AE06C5E65}" type="datetimeFigureOut">
               <a:rPr lang="en-AU" smtClean="0"/>
-              <a:t>30/11/17</a:t>
+              <a:t>12/12/17</a:t>
             </a:fld>
             <a:endParaRPr lang="en-AU"/>
           </a:p>
@@ -1460,7 +2235,7 @@
           <a:p>
             <a:fld id="{8909DC0E-1097-594E-BE65-184AE06C5E65}" type="datetimeFigureOut">
               <a:rPr lang="en-AU" smtClean="0"/>
-              <a:t>30/11/17</a:t>
+              <a:t>12/12/17</a:t>
             </a:fld>
             <a:endParaRPr lang="en-AU"/>
           </a:p>
@@ -1706,7 +2481,7 @@
           <a:p>
             <a:fld id="{8909DC0E-1097-594E-BE65-184AE06C5E65}" type="datetimeFigureOut">
               <a:rPr lang="en-AU" smtClean="0"/>
-              <a:t>30/11/17</a:t>
+              <a:t>12/12/17</a:t>
             </a:fld>
             <a:endParaRPr lang="en-AU"/>
           </a:p>
@@ -1938,7 +2713,7 @@
           <a:p>
             <a:fld id="{8909DC0E-1097-594E-BE65-184AE06C5E65}" type="datetimeFigureOut">
               <a:rPr lang="en-AU" smtClean="0"/>
-              <a:t>30/11/17</a:t>
+              <a:t>12/12/17</a:t>
             </a:fld>
             <a:endParaRPr lang="en-AU"/>
           </a:p>
@@ -2305,7 +3080,7 @@
           <a:p>
             <a:fld id="{8909DC0E-1097-594E-BE65-184AE06C5E65}" type="datetimeFigureOut">
               <a:rPr lang="en-AU" smtClean="0"/>
-              <a:t>30/11/17</a:t>
+              <a:t>12/12/17</a:t>
             </a:fld>
             <a:endParaRPr lang="en-AU"/>
           </a:p>
@@ -2423,7 +3198,7 @@
           <a:p>
             <a:fld id="{8909DC0E-1097-594E-BE65-184AE06C5E65}" type="datetimeFigureOut">
               <a:rPr lang="en-AU" smtClean="0"/>
-              <a:t>30/11/17</a:t>
+              <a:t>12/12/17</a:t>
             </a:fld>
             <a:endParaRPr lang="en-AU"/>
           </a:p>
@@ -2518,7 +3293,7 @@
           <a:p>
             <a:fld id="{8909DC0E-1097-594E-BE65-184AE06C5E65}" type="datetimeFigureOut">
               <a:rPr lang="en-AU" smtClean="0"/>
-              <a:t>30/11/17</a:t>
+              <a:t>12/12/17</a:t>
             </a:fld>
             <a:endParaRPr lang="en-AU"/>
           </a:p>
@@ -2795,7 +3570,7 @@
           <a:p>
             <a:fld id="{8909DC0E-1097-594E-BE65-184AE06C5E65}" type="datetimeFigureOut">
               <a:rPr lang="en-AU" smtClean="0"/>
-              <a:t>30/11/17</a:t>
+              <a:t>12/12/17</a:t>
             </a:fld>
             <a:endParaRPr lang="en-AU"/>
           </a:p>
@@ -3048,7 +3823,7 @@
           <a:p>
             <a:fld id="{8909DC0E-1097-594E-BE65-184AE06C5E65}" type="datetimeFigureOut">
               <a:rPr lang="en-AU" smtClean="0"/>
-              <a:t>30/11/17</a:t>
+              <a:t>12/12/17</a:t>
             </a:fld>
             <a:endParaRPr lang="en-AU"/>
           </a:p>
@@ -3261,7 +4036,7 @@
           <a:p>
             <a:fld id="{8909DC0E-1097-594E-BE65-184AE06C5E65}" type="datetimeFigureOut">
               <a:rPr lang="en-AU" smtClean="0"/>
-              <a:t>30/11/17</a:t>
+              <a:t>12/12/17</a:t>
             </a:fld>
             <a:endParaRPr lang="en-AU"/>
           </a:p>
@@ -3652,6 +4427,23 @@
 <file path=ppt/slides/slide1.xml><?xml version="1.0" encoding="utf-8"?>
 <p:sld xmlns:a="http://schemas.openxmlformats.org/drawingml/2006/main" xmlns:r="http://schemas.openxmlformats.org/officeDocument/2006/relationships" xmlns:p="http://schemas.openxmlformats.org/presentationml/2006/main">
   <p:cSld>
+    <p:bg>
+      <p:bgPr>
+        <a:gradFill flip="none" rotWithShape="1">
+          <a:gsLst>
+            <a:gs pos="0">
+              <a:srgbClr val="7AD665"/>
+            </a:gs>
+            <a:gs pos="99000">
+              <a:srgbClr val="69B558"/>
+            </a:gs>
+          </a:gsLst>
+          <a:lin ang="2700000" scaled="1"/>
+          <a:tileRect/>
+        </a:gradFill>
+        <a:effectLst/>
+      </p:bgPr>
+    </p:bg>
     <p:spTree>
       <p:nvGrpSpPr>
         <p:cNvPr id="1" name=""/>
@@ -3676,28 +4468,68 @@
             <p:ph type="ctrTitle"/>
           </p:nvPr>
         </p:nvSpPr>
-        <p:spPr/>
+        <p:spPr>
+          <a:xfrm>
+            <a:off x="1509932" y="3440594"/>
+            <a:ext cx="9144000" cy="1019981"/>
+          </a:xfrm>
+        </p:spPr>
         <p:txBody>
           <a:bodyPr/>
           <a:lstStyle/>
           <a:p>
             <a:r>
-              <a:rPr lang="en-AU" dirty="0" err="1" smtClean="0"/>
+              <a:rPr lang="en-AU" dirty="0" err="1" smtClean="0">
+                <a:solidFill>
+                  <a:schemeClr val="bg1"/>
+                </a:solidFill>
+                <a:latin typeface="SF UI Display Medium" charset="0"/>
+                <a:ea typeface="SF UI Display Medium" charset="0"/>
+                <a:cs typeface="SF UI Display Medium" charset="0"/>
+              </a:rPr>
               <a:t>int</a:t>
             </a:r>
             <a:r>
-              <a:rPr lang="en-AU" dirty="0" smtClean="0"/>
+              <a:rPr lang="en-AU" dirty="0" smtClean="0">
+                <a:solidFill>
+                  <a:schemeClr val="bg1"/>
+                </a:solidFill>
+                <a:latin typeface="SF UI Display Medium" charset="0"/>
+                <a:ea typeface="SF UI Display Medium" charset="0"/>
+                <a:cs typeface="SF UI Display Medium" charset="0"/>
+              </a:rPr>
               <a:t> </a:t>
             </a:r>
             <a:r>
-              <a:rPr lang="en-AU" dirty="0" err="1" smtClean="0"/>
+              <a:rPr lang="en-AU" dirty="0" err="1" smtClean="0">
+                <a:solidFill>
+                  <a:schemeClr val="bg1"/>
+                </a:solidFill>
+                <a:latin typeface="SF UI Display Medium" charset="0"/>
+                <a:ea typeface="SF UI Display Medium" charset="0"/>
+                <a:cs typeface="SF UI Display Medium" charset="0"/>
+              </a:rPr>
               <a:t>elligence</a:t>
             </a:r>
             <a:r>
-              <a:rPr lang="en-AU" dirty="0" smtClean="0"/>
+              <a:rPr lang="en-AU" dirty="0" smtClean="0">
+                <a:solidFill>
+                  <a:schemeClr val="bg1"/>
+                </a:solidFill>
+                <a:latin typeface="SF UI Display Medium" charset="0"/>
+                <a:ea typeface="SF UI Display Medium" charset="0"/>
+                <a:cs typeface="SF UI Display Medium" charset="0"/>
+              </a:rPr>
               <a:t>;</a:t>
             </a:r>
-            <a:endParaRPr lang="en-AU" dirty="0"/>
+            <a:endParaRPr lang="en-AU" dirty="0">
+              <a:solidFill>
+                <a:schemeClr val="bg1"/>
+              </a:solidFill>
+              <a:latin typeface="SF UI Display Medium" charset="0"/>
+              <a:ea typeface="SF UI Display Medium" charset="0"/>
+              <a:cs typeface="SF UI Display Medium" charset="0"/>
+            </a:endParaRPr>
           </a:p>
         </p:txBody>
       </p:sp>
@@ -3711,18 +4543,60 @@
             <p:ph type="subTitle" idx="1"/>
           </p:nvPr>
         </p:nvSpPr>
-        <p:spPr/>
+        <p:spPr>
+          <a:xfrm>
+            <a:off x="1509932" y="4552651"/>
+            <a:ext cx="9144000" cy="449457"/>
+          </a:xfrm>
+        </p:spPr>
         <p:txBody>
           <a:bodyPr/>
           <a:lstStyle/>
           <a:p>
             <a:r>
-              <a:rPr lang="en-AU" dirty="0" smtClean="0"/>
+              <a:rPr lang="en-AU" dirty="0" smtClean="0">
+                <a:solidFill>
+                  <a:schemeClr val="bg1"/>
+                </a:solidFill>
+                <a:latin typeface="SF UI Display Light" charset="0"/>
+                <a:ea typeface="SF UI Display Light" charset="0"/>
+                <a:cs typeface="SF UI Display Light" charset="0"/>
+              </a:rPr>
               <a:t>Group 4</a:t>
             </a:r>
           </a:p>
         </p:txBody>
       </p:sp>
+      <p:pic>
+        <p:nvPicPr>
+          <p:cNvPr id="6" name="Picture 5"/>
+          <p:cNvPicPr>
+            <a:picLocks noChangeAspect="1"/>
+          </p:cNvPicPr>
+          <p:nvPr/>
+        </p:nvPicPr>
+        <p:blipFill>
+          <a:blip r:embed="rId3">
+            <a:extLst>
+              <a:ext uri="{28A0092B-C50C-407E-A947-70E740481C1C}">
+                <a14:useLocalDpi xmlns:a14="http://schemas.microsoft.com/office/drawing/2010/main" val="0"/>
+              </a:ext>
+            </a:extLst>
+          </a:blip>
+          <a:stretch>
+            <a:fillRect/>
+          </a:stretch>
+        </p:blipFill>
+        <p:spPr>
+          <a:xfrm>
+            <a:off x="4786126" y="1625096"/>
+            <a:ext cx="2591612" cy="1723422"/>
+          </a:xfrm>
+          <a:prstGeom prst="rect">
+            <a:avLst/>
+          </a:prstGeom>
+        </p:spPr>
+      </p:pic>
     </p:spTree>
     <p:extLst>
       <p:ext uri="{BB962C8B-B14F-4D97-AF65-F5344CB8AC3E}">
@@ -3733,12 +4607,27 @@
   <p:clrMapOvr>
     <a:masterClrMapping/>
   </p:clrMapOvr>
+  <p:timing>
+    <p:tnLst>
+      <p:par>
+        <p:cTn id="1" dur="indefinite" restart="never" nodeType="tmRoot"/>
+      </p:par>
+    </p:tnLst>
+  </p:timing>
 </p:sld>
 </file>
 
 <file path=ppt/slides/slide10.xml><?xml version="1.0" encoding="utf-8"?>
 <p:sld xmlns:a="http://schemas.openxmlformats.org/drawingml/2006/main" xmlns:r="http://schemas.openxmlformats.org/officeDocument/2006/relationships" xmlns:p="http://schemas.openxmlformats.org/presentationml/2006/main">
   <p:cSld>
+    <p:bg>
+      <p:bgPr>
+        <a:solidFill>
+          <a:srgbClr val="FAFAFA"/>
+        </a:solidFill>
+        <a:effectLst/>
+      </p:bgPr>
+    </p:bg>
     <p:spTree>
       <p:nvGrpSpPr>
         <p:cNvPr id="1" name=""/>
@@ -3755,56 +4644,621 @@
       </p:grpSpPr>
       <p:sp>
         <p:nvSpPr>
-          <p:cNvPr id="2" name="Title 1"/>
-          <p:cNvSpPr>
-            <a:spLocks noGrp="1"/>
-          </p:cNvSpPr>
-          <p:nvPr>
-            <p:ph type="title"/>
-          </p:nvPr>
-        </p:nvSpPr>
-        <p:spPr/>
-        <p:txBody>
-          <a:bodyPr/>
+          <p:cNvPr id="10" name="Rectangle 9"/>
+          <p:cNvSpPr/>
+          <p:nvPr/>
+        </p:nvSpPr>
+        <p:spPr>
+          <a:xfrm>
+            <a:off x="0" y="0"/>
+            <a:ext cx="4054262" cy="6858000"/>
+          </a:xfrm>
+          <a:prstGeom prst="rect">
+            <a:avLst/>
+          </a:prstGeom>
+          <a:solidFill>
+            <a:srgbClr val="69B558"/>
+          </a:solidFill>
+          <a:ln>
+            <a:noFill/>
+          </a:ln>
+        </p:spPr>
+        <p:style>
+          <a:lnRef idx="2">
+            <a:schemeClr val="accent1">
+              <a:shade val="50000"/>
+            </a:schemeClr>
+          </a:lnRef>
+          <a:fillRef idx="1">
+            <a:schemeClr val="accent1"/>
+          </a:fillRef>
+          <a:effectRef idx="0">
+            <a:schemeClr val="accent1"/>
+          </a:effectRef>
+          <a:fontRef idx="minor">
+            <a:schemeClr val="lt1"/>
+          </a:fontRef>
+        </p:style>
+        <p:txBody>
+          <a:bodyPr rtlCol="0" anchor="ctr"/>
           <a:lstStyle/>
           <a:p>
-            <a:r>
-              <a:rPr lang="en-AU" dirty="0" smtClean="0"/>
-              <a:t>Usability Evaluation</a:t>
-            </a:r>
-            <a:endParaRPr lang="en-AU" dirty="0"/>
-          </a:p>
-        </p:txBody>
-      </p:sp>
-      <p:sp>
-        <p:nvSpPr>
-          <p:cNvPr id="3" name="Content Placeholder 2"/>
-          <p:cNvSpPr>
-            <a:spLocks noGrp="1"/>
-          </p:cNvSpPr>
-          <p:nvPr>
-            <p:ph idx="1"/>
-          </p:nvPr>
-        </p:nvSpPr>
-        <p:spPr/>
-        <p:txBody>
-          <a:bodyPr/>
+            <a:pPr algn="ctr"/>
+            <a:endParaRPr lang="en-US"/>
+          </a:p>
+        </p:txBody>
+      </p:sp>
+      <p:sp>
+        <p:nvSpPr>
+          <p:cNvPr id="11" name="Rectangle 10"/>
+          <p:cNvSpPr/>
+          <p:nvPr/>
+        </p:nvSpPr>
+        <p:spPr>
+          <a:xfrm>
+            <a:off x="4054262" y="0"/>
+            <a:ext cx="4083476" cy="6858000"/>
+          </a:xfrm>
+          <a:prstGeom prst="rect">
+            <a:avLst/>
+          </a:prstGeom>
+          <a:solidFill>
+            <a:srgbClr val="3C3C3C"/>
+          </a:solidFill>
+          <a:ln>
+            <a:noFill/>
+          </a:ln>
+        </p:spPr>
+        <p:style>
+          <a:lnRef idx="2">
+            <a:schemeClr val="accent1">
+              <a:shade val="50000"/>
+            </a:schemeClr>
+          </a:lnRef>
+          <a:fillRef idx="1">
+            <a:schemeClr val="accent1"/>
+          </a:fillRef>
+          <a:effectRef idx="0">
+            <a:schemeClr val="accent1"/>
+          </a:effectRef>
+          <a:fontRef idx="minor">
+            <a:schemeClr val="lt1"/>
+          </a:fontRef>
+        </p:style>
+        <p:txBody>
+          <a:bodyPr rtlCol="0" anchor="ctr"/>
           <a:lstStyle/>
           <a:p>
-            <a:endParaRPr lang="en-AU"/>
+            <a:pPr algn="ctr"/>
+            <a:endParaRPr lang="en-US"/>
+          </a:p>
+        </p:txBody>
+      </p:sp>
+      <p:sp>
+        <p:nvSpPr>
+          <p:cNvPr id="12" name="Rectangle 11"/>
+          <p:cNvSpPr/>
+          <p:nvPr/>
+        </p:nvSpPr>
+        <p:spPr>
+          <a:xfrm>
+            <a:off x="8137738" y="-1"/>
+            <a:ext cx="4054262" cy="6858001"/>
+          </a:xfrm>
+          <a:prstGeom prst="rect">
+            <a:avLst/>
+          </a:prstGeom>
+          <a:solidFill>
+            <a:srgbClr val="FAFAFA"/>
+          </a:solidFill>
+          <a:ln>
+            <a:noFill/>
+          </a:ln>
+        </p:spPr>
+        <p:style>
+          <a:lnRef idx="2">
+            <a:schemeClr val="accent1">
+              <a:shade val="50000"/>
+            </a:schemeClr>
+          </a:lnRef>
+          <a:fillRef idx="1">
+            <a:schemeClr val="accent1"/>
+          </a:fillRef>
+          <a:effectRef idx="0">
+            <a:schemeClr val="accent1"/>
+          </a:effectRef>
+          <a:fontRef idx="minor">
+            <a:schemeClr val="lt1"/>
+          </a:fontRef>
+        </p:style>
+        <p:txBody>
+          <a:bodyPr rtlCol="0" anchor="ctr"/>
+          <a:lstStyle/>
+          <a:p>
+            <a:pPr algn="ctr"/>
+            <a:endParaRPr lang="en-US"/>
+          </a:p>
+        </p:txBody>
+      </p:sp>
+      <p:sp>
+        <p:nvSpPr>
+          <p:cNvPr id="14" name="Title 3"/>
+          <p:cNvSpPr txBox="1">
+            <a:spLocks/>
+          </p:cNvSpPr>
+          <p:nvPr/>
+        </p:nvSpPr>
+        <p:spPr>
+          <a:xfrm>
+            <a:off x="390331" y="352926"/>
+            <a:ext cx="3215171" cy="6112041"/>
+          </a:xfrm>
+          <a:prstGeom prst="rect">
+            <a:avLst/>
+          </a:prstGeom>
+        </p:spPr>
+        <p:txBody>
+          <a:bodyPr vert="horz" lIns="91440" tIns="45720" rIns="91440" bIns="45720" rtlCol="0" anchor="ctr">
+            <a:normAutofit fontScale="97500"/>
+          </a:bodyPr>
+          <a:lstStyle>
+            <a:lvl1pPr algn="l" defTabSz="914400" rtl="0" eaLnBrk="1" latinLnBrk="0" hangingPunct="1">
+              <a:lnSpc>
+                <a:spcPct val="90000"/>
+              </a:lnSpc>
+              <a:spcBef>
+                <a:spcPct val="0"/>
+              </a:spcBef>
+              <a:buNone/>
+              <a:defRPr sz="4400" kern="1200">
+                <a:solidFill>
+                  <a:schemeClr val="tx1"/>
+                </a:solidFill>
+                <a:latin typeface="+mj-lt"/>
+                <a:ea typeface="+mj-ea"/>
+                <a:cs typeface="+mj-cs"/>
+              </a:defRPr>
+            </a:lvl1pPr>
+          </a:lstStyle>
+          <a:p>
+            <a:pPr>
+              <a:lnSpc>
+                <a:spcPct val="100000"/>
+              </a:lnSpc>
+              <a:spcAft>
+                <a:spcPts val="600"/>
+              </a:spcAft>
+            </a:pPr>
+            <a:r>
+              <a:rPr lang="en-US" sz="4100" b="1" dirty="0" smtClean="0">
+                <a:solidFill>
+                  <a:srgbClr val="FAFAFA"/>
+                </a:solidFill>
+                <a:latin typeface="SF UI Display Semibold" charset="0"/>
+                <a:ea typeface="SF UI Display Semibold" charset="0"/>
+                <a:cs typeface="SF UI Display Semibold" charset="0"/>
+              </a:rPr>
+              <a:t>Green</a:t>
+            </a:r>
+          </a:p>
+          <a:p>
+            <a:pPr>
+              <a:lnSpc>
+                <a:spcPct val="100000"/>
+              </a:lnSpc>
+              <a:spcAft>
+                <a:spcPts val="600"/>
+              </a:spcAft>
+            </a:pPr>
+            <a:r>
+              <a:rPr lang="en-US" sz="2900" dirty="0" smtClean="0">
+                <a:solidFill>
+                  <a:srgbClr val="FAFAFA"/>
+                </a:solidFill>
+                <a:latin typeface="SF UI Display" charset="0"/>
+                <a:ea typeface="SF UI Display" charset="0"/>
+                <a:cs typeface="SF UI Display" charset="0"/>
+              </a:rPr>
+              <a:t>#</a:t>
+            </a:r>
+            <a:r>
+              <a:rPr lang="ru-RU" sz="2900" dirty="0">
+                <a:solidFill>
+                  <a:srgbClr val="FAFAFA"/>
+                </a:solidFill>
+                <a:latin typeface="SF UI Display" charset="0"/>
+                <a:ea typeface="SF UI Display" charset="0"/>
+                <a:cs typeface="SF UI Display" charset="0"/>
+              </a:rPr>
+              <a:t>69B558</a:t>
+            </a:r>
+            <a:endParaRPr lang="en-US" sz="2900" dirty="0" smtClean="0">
+              <a:solidFill>
+                <a:srgbClr val="FAFAFA"/>
+              </a:solidFill>
+              <a:latin typeface="SF UI Display" charset="0"/>
+              <a:ea typeface="SF UI Display" charset="0"/>
+              <a:cs typeface="SF UI Display" charset="0"/>
+            </a:endParaRPr>
+          </a:p>
+          <a:p>
+            <a:pPr>
+              <a:lnSpc>
+                <a:spcPct val="100000"/>
+              </a:lnSpc>
+              <a:spcAft>
+                <a:spcPts val="600"/>
+              </a:spcAft>
+            </a:pPr>
+            <a:r>
+              <a:rPr lang="en-US" sz="2900" dirty="0" err="1">
+                <a:solidFill>
+                  <a:srgbClr val="FAFAFA"/>
+                </a:solidFill>
+                <a:latin typeface="SF UI Display" charset="0"/>
+                <a:ea typeface="SF UI Display" charset="0"/>
+                <a:cs typeface="SF UI Display" charset="0"/>
+              </a:rPr>
+              <a:t>r</a:t>
+            </a:r>
+            <a:r>
+              <a:rPr lang="en-US" sz="2900" dirty="0" err="1" smtClean="0">
+                <a:solidFill>
+                  <a:srgbClr val="FAFAFA"/>
+                </a:solidFill>
+                <a:latin typeface="SF UI Display" charset="0"/>
+                <a:ea typeface="SF UI Display" charset="0"/>
+                <a:cs typeface="SF UI Display" charset="0"/>
+              </a:rPr>
+              <a:t>gb</a:t>
+            </a:r>
+            <a:r>
+              <a:rPr lang="en-US" sz="2900" dirty="0" smtClean="0">
+                <a:solidFill>
+                  <a:srgbClr val="FAFAFA"/>
+                </a:solidFill>
+                <a:latin typeface="SF UI Display" charset="0"/>
+                <a:ea typeface="SF UI Display" charset="0"/>
+                <a:cs typeface="SF UI Display" charset="0"/>
+              </a:rPr>
+              <a:t> (105,181,88)</a:t>
+            </a:r>
+            <a:endParaRPr lang="en-US" sz="2900" dirty="0">
+              <a:solidFill>
+                <a:srgbClr val="FAFAFA"/>
+              </a:solidFill>
+              <a:latin typeface="SF UI Display" charset="0"/>
+              <a:ea typeface="SF UI Display" charset="0"/>
+              <a:cs typeface="SF UI Display" charset="0"/>
+            </a:endParaRPr>
+          </a:p>
+        </p:txBody>
+      </p:sp>
+      <p:sp>
+        <p:nvSpPr>
+          <p:cNvPr id="15" name="Title 3"/>
+          <p:cNvSpPr txBox="1">
+            <a:spLocks/>
+          </p:cNvSpPr>
+          <p:nvPr/>
+        </p:nvSpPr>
+        <p:spPr>
+          <a:xfrm>
+            <a:off x="4473807" y="389020"/>
+            <a:ext cx="3215171" cy="6112041"/>
+          </a:xfrm>
+          <a:prstGeom prst="rect">
+            <a:avLst/>
+          </a:prstGeom>
+        </p:spPr>
+        <p:txBody>
+          <a:bodyPr vert="horz" lIns="91440" tIns="45720" rIns="91440" bIns="45720" rtlCol="0" anchor="ctr">
+            <a:normAutofit fontScale="97500"/>
+          </a:bodyPr>
+          <a:lstStyle>
+            <a:lvl1pPr algn="l" defTabSz="914400" rtl="0" eaLnBrk="1" latinLnBrk="0" hangingPunct="1">
+              <a:lnSpc>
+                <a:spcPct val="90000"/>
+              </a:lnSpc>
+              <a:spcBef>
+                <a:spcPct val="0"/>
+              </a:spcBef>
+              <a:buNone/>
+              <a:defRPr sz="4400" kern="1200">
+                <a:solidFill>
+                  <a:schemeClr val="tx1"/>
+                </a:solidFill>
+                <a:latin typeface="+mj-lt"/>
+                <a:ea typeface="+mj-ea"/>
+                <a:cs typeface="+mj-cs"/>
+              </a:defRPr>
+            </a:lvl1pPr>
+          </a:lstStyle>
+          <a:p>
+            <a:pPr>
+              <a:lnSpc>
+                <a:spcPct val="100000"/>
+              </a:lnSpc>
+              <a:spcAft>
+                <a:spcPts val="600"/>
+              </a:spcAft>
+            </a:pPr>
+            <a:r>
+              <a:rPr lang="en-US" sz="4100" b="1" dirty="0" smtClean="0">
+                <a:solidFill>
+                  <a:srgbClr val="FAFAFA"/>
+                </a:solidFill>
+                <a:latin typeface="SF UI Display Semibold" charset="0"/>
+                <a:ea typeface="SF UI Display Semibold" charset="0"/>
+                <a:cs typeface="SF UI Display Semibold" charset="0"/>
+              </a:rPr>
+              <a:t>Deep Grey</a:t>
+            </a:r>
+          </a:p>
+          <a:p>
+            <a:pPr>
+              <a:lnSpc>
+                <a:spcPct val="100000"/>
+              </a:lnSpc>
+              <a:spcAft>
+                <a:spcPts val="600"/>
+              </a:spcAft>
+            </a:pPr>
+            <a:r>
+              <a:rPr lang="en-US" sz="2900" dirty="0" smtClean="0">
+                <a:solidFill>
+                  <a:srgbClr val="FAFAFA"/>
+                </a:solidFill>
+                <a:latin typeface="SF UI Display" charset="0"/>
+                <a:ea typeface="SF UI Display" charset="0"/>
+                <a:cs typeface="SF UI Display" charset="0"/>
+              </a:rPr>
+              <a:t>#</a:t>
+            </a:r>
+            <a:r>
+              <a:rPr lang="en-GB" sz="2900" dirty="0" smtClean="0">
+                <a:solidFill>
+                  <a:srgbClr val="FAFAFA"/>
+                </a:solidFill>
+                <a:latin typeface="SF UI Display" charset="0"/>
+                <a:ea typeface="SF UI Display" charset="0"/>
+                <a:cs typeface="SF UI Display" charset="0"/>
+              </a:rPr>
+              <a:t>3C3C3C</a:t>
+            </a:r>
+            <a:endParaRPr lang="en-US" sz="2900" dirty="0" smtClean="0">
+              <a:solidFill>
+                <a:srgbClr val="FAFAFA"/>
+              </a:solidFill>
+              <a:latin typeface="SF UI Display" charset="0"/>
+              <a:ea typeface="SF UI Display" charset="0"/>
+              <a:cs typeface="SF UI Display" charset="0"/>
+            </a:endParaRPr>
+          </a:p>
+          <a:p>
+            <a:pPr>
+              <a:lnSpc>
+                <a:spcPct val="100000"/>
+              </a:lnSpc>
+              <a:spcAft>
+                <a:spcPts val="600"/>
+              </a:spcAft>
+            </a:pPr>
+            <a:r>
+              <a:rPr lang="en-US" sz="2900" dirty="0" err="1">
+                <a:solidFill>
+                  <a:srgbClr val="FAFAFA"/>
+                </a:solidFill>
+                <a:latin typeface="SF UI Display" charset="0"/>
+                <a:ea typeface="SF UI Display" charset="0"/>
+                <a:cs typeface="SF UI Display" charset="0"/>
+              </a:rPr>
+              <a:t>r</a:t>
+            </a:r>
+            <a:r>
+              <a:rPr lang="en-US" sz="2900" dirty="0" err="1" smtClean="0">
+                <a:solidFill>
+                  <a:srgbClr val="FAFAFA"/>
+                </a:solidFill>
+                <a:latin typeface="SF UI Display" charset="0"/>
+                <a:ea typeface="SF UI Display" charset="0"/>
+                <a:cs typeface="SF UI Display" charset="0"/>
+              </a:rPr>
+              <a:t>gb</a:t>
+            </a:r>
+            <a:r>
+              <a:rPr lang="en-US" sz="2900" dirty="0" smtClean="0">
+                <a:solidFill>
+                  <a:srgbClr val="FAFAFA"/>
+                </a:solidFill>
+                <a:latin typeface="SF UI Display" charset="0"/>
+                <a:ea typeface="SF UI Display" charset="0"/>
+                <a:cs typeface="SF UI Display" charset="0"/>
+              </a:rPr>
+              <a:t> (60,60,60)</a:t>
+            </a:r>
+            <a:endParaRPr lang="en-US" sz="2900" dirty="0">
+              <a:solidFill>
+                <a:srgbClr val="FAFAFA"/>
+              </a:solidFill>
+              <a:latin typeface="SF UI Display" charset="0"/>
+              <a:ea typeface="SF UI Display" charset="0"/>
+              <a:cs typeface="SF UI Display" charset="0"/>
+            </a:endParaRPr>
+          </a:p>
+        </p:txBody>
+      </p:sp>
+      <p:sp>
+        <p:nvSpPr>
+          <p:cNvPr id="16" name="Title 3"/>
+          <p:cNvSpPr txBox="1">
+            <a:spLocks/>
+          </p:cNvSpPr>
+          <p:nvPr/>
+        </p:nvSpPr>
+        <p:spPr>
+          <a:xfrm>
+            <a:off x="8557283" y="389019"/>
+            <a:ext cx="3352799" cy="6112041"/>
+          </a:xfrm>
+          <a:prstGeom prst="rect">
+            <a:avLst/>
+          </a:prstGeom>
+        </p:spPr>
+        <p:txBody>
+          <a:bodyPr vert="horz" lIns="91440" tIns="45720" rIns="91440" bIns="45720" rtlCol="0" anchor="ctr">
+            <a:normAutofit fontScale="97500"/>
+          </a:bodyPr>
+          <a:lstStyle>
+            <a:lvl1pPr algn="l" defTabSz="914400" rtl="0" eaLnBrk="1" latinLnBrk="0" hangingPunct="1">
+              <a:lnSpc>
+                <a:spcPct val="90000"/>
+              </a:lnSpc>
+              <a:spcBef>
+                <a:spcPct val="0"/>
+              </a:spcBef>
+              <a:buNone/>
+              <a:defRPr sz="4400" kern="1200">
+                <a:solidFill>
+                  <a:schemeClr val="tx1"/>
+                </a:solidFill>
+                <a:latin typeface="+mj-lt"/>
+                <a:ea typeface="+mj-ea"/>
+                <a:cs typeface="+mj-cs"/>
+              </a:defRPr>
+            </a:lvl1pPr>
+          </a:lstStyle>
+          <a:p>
+            <a:pPr>
+              <a:lnSpc>
+                <a:spcPct val="100000"/>
+              </a:lnSpc>
+              <a:spcAft>
+                <a:spcPts val="600"/>
+              </a:spcAft>
+            </a:pPr>
+            <a:r>
+              <a:rPr lang="en-US" sz="4100" b="1" dirty="0" smtClean="0">
+                <a:solidFill>
+                  <a:srgbClr val="3C3C3C"/>
+                </a:solidFill>
+                <a:latin typeface="SF UI Display Semibold" charset="0"/>
+                <a:ea typeface="SF UI Display Semibold" charset="0"/>
+                <a:cs typeface="SF UI Display Semibold" charset="0"/>
+              </a:rPr>
+              <a:t>Off White</a:t>
+            </a:r>
+          </a:p>
+          <a:p>
+            <a:pPr>
+              <a:lnSpc>
+                <a:spcPct val="100000"/>
+              </a:lnSpc>
+              <a:spcAft>
+                <a:spcPts val="600"/>
+              </a:spcAft>
+            </a:pPr>
+            <a:r>
+              <a:rPr lang="en-US" sz="2900" dirty="0" smtClean="0">
+                <a:solidFill>
+                  <a:srgbClr val="3C3C3C"/>
+                </a:solidFill>
+                <a:latin typeface="SF UI Display" charset="0"/>
+                <a:ea typeface="SF UI Display" charset="0"/>
+                <a:cs typeface="SF UI Display" charset="0"/>
+              </a:rPr>
+              <a:t>#</a:t>
+            </a:r>
+            <a:r>
+              <a:rPr lang="en-GB" sz="2900" dirty="0" smtClean="0">
+                <a:solidFill>
+                  <a:srgbClr val="3C3C3C"/>
+                </a:solidFill>
+                <a:latin typeface="SF UI Display" charset="0"/>
+                <a:ea typeface="SF UI Display" charset="0"/>
+                <a:cs typeface="SF UI Display" charset="0"/>
+              </a:rPr>
+              <a:t>FAFAFA</a:t>
+            </a:r>
+            <a:endParaRPr lang="en-US" sz="2900" dirty="0" smtClean="0">
+              <a:solidFill>
+                <a:srgbClr val="3C3C3C"/>
+              </a:solidFill>
+              <a:latin typeface="SF UI Display" charset="0"/>
+              <a:ea typeface="SF UI Display" charset="0"/>
+              <a:cs typeface="SF UI Display" charset="0"/>
+            </a:endParaRPr>
+          </a:p>
+          <a:p>
+            <a:pPr>
+              <a:lnSpc>
+                <a:spcPct val="100000"/>
+              </a:lnSpc>
+              <a:spcAft>
+                <a:spcPts val="600"/>
+              </a:spcAft>
+            </a:pPr>
+            <a:r>
+              <a:rPr lang="en-US" sz="2900" dirty="0" err="1">
+                <a:solidFill>
+                  <a:srgbClr val="3C3C3C"/>
+                </a:solidFill>
+                <a:latin typeface="SF UI Display" charset="0"/>
+                <a:ea typeface="SF UI Display" charset="0"/>
+                <a:cs typeface="SF UI Display" charset="0"/>
+              </a:rPr>
+              <a:t>r</a:t>
+            </a:r>
+            <a:r>
+              <a:rPr lang="en-US" sz="2900" dirty="0" err="1" smtClean="0">
+                <a:solidFill>
+                  <a:srgbClr val="3C3C3C"/>
+                </a:solidFill>
+                <a:latin typeface="SF UI Display" charset="0"/>
+                <a:ea typeface="SF UI Display" charset="0"/>
+                <a:cs typeface="SF UI Display" charset="0"/>
+              </a:rPr>
+              <a:t>gb</a:t>
+            </a:r>
+            <a:r>
+              <a:rPr lang="en-US" sz="2900" dirty="0" smtClean="0">
+                <a:solidFill>
+                  <a:srgbClr val="3C3C3C"/>
+                </a:solidFill>
+                <a:latin typeface="SF UI Display" charset="0"/>
+                <a:ea typeface="SF UI Display" charset="0"/>
+                <a:cs typeface="SF UI Display" charset="0"/>
+              </a:rPr>
+              <a:t> (250,250,250)</a:t>
+            </a:r>
+            <a:endParaRPr lang="en-US" sz="2900" dirty="0">
+              <a:solidFill>
+                <a:srgbClr val="3C3C3C"/>
+              </a:solidFill>
+              <a:latin typeface="SF UI Display" charset="0"/>
+              <a:ea typeface="SF UI Display" charset="0"/>
+              <a:cs typeface="SF UI Display" charset="0"/>
+            </a:endParaRPr>
           </a:p>
         </p:txBody>
       </p:sp>
     </p:spTree>
     <p:extLst>
       <p:ext uri="{BB962C8B-B14F-4D97-AF65-F5344CB8AC3E}">
-        <p14:creationId xmlns:p14="http://schemas.microsoft.com/office/powerpoint/2010/main" val="788402235"/>
+        <p14:creationId xmlns:p14="http://schemas.microsoft.com/office/powerpoint/2010/main" val="1069125012"/>
       </p:ext>
     </p:extLst>
   </p:cSld>
   <p:clrMapOvr>
     <a:masterClrMapping/>
   </p:clrMapOvr>
+  <p:timing>
+    <p:tnLst>
+      <p:par>
+        <p:cTn id="1" dur="indefinite" restart="never" nodeType="tmRoot"/>
+      </p:par>
+    </p:tnLst>
+  </p:timing>
 </p:sld>
 </file>
 
@@ -3827,56 +5281,588 @@
       </p:grpSpPr>
       <p:sp>
         <p:nvSpPr>
-          <p:cNvPr id="2" name="Title 1"/>
-          <p:cNvSpPr>
-            <a:spLocks noGrp="1"/>
-          </p:cNvSpPr>
-          <p:nvPr>
-            <p:ph type="title"/>
-          </p:nvPr>
-        </p:nvSpPr>
-        <p:spPr/>
-        <p:txBody>
-          <a:bodyPr/>
+          <p:cNvPr id="16" name="Title 3"/>
+          <p:cNvSpPr txBox="1">
+            <a:spLocks/>
+          </p:cNvSpPr>
+          <p:nvPr/>
+        </p:nvSpPr>
+        <p:spPr>
+          <a:xfrm>
+            <a:off x="6096000" y="766010"/>
+            <a:ext cx="6096000" cy="2662990"/>
+          </a:xfrm>
+          <a:prstGeom prst="rect">
+            <a:avLst/>
+          </a:prstGeom>
+        </p:spPr>
+        <p:txBody>
+          <a:bodyPr vert="horz" lIns="91440" tIns="45720" rIns="91440" bIns="45720" rtlCol="0" anchor="ctr">
+            <a:normAutofit fontScale="97500"/>
+          </a:bodyPr>
+          <a:lstStyle>
+            <a:lvl1pPr algn="l" defTabSz="914400" rtl="0" eaLnBrk="1" latinLnBrk="0" hangingPunct="1">
+              <a:lnSpc>
+                <a:spcPct val="90000"/>
+              </a:lnSpc>
+              <a:spcBef>
+                <a:spcPct val="0"/>
+              </a:spcBef>
+              <a:buNone/>
+              <a:defRPr sz="4400" kern="1200">
+                <a:solidFill>
+                  <a:schemeClr val="tx1"/>
+                </a:solidFill>
+                <a:latin typeface="+mj-lt"/>
+                <a:ea typeface="+mj-ea"/>
+                <a:cs typeface="+mj-cs"/>
+              </a:defRPr>
+            </a:lvl1pPr>
+          </a:lstStyle>
+          <a:p>
+            <a:pPr>
+              <a:lnSpc>
+                <a:spcPct val="100000"/>
+              </a:lnSpc>
+              <a:spcAft>
+                <a:spcPts val="600"/>
+              </a:spcAft>
+            </a:pPr>
+            <a:r>
+              <a:rPr lang="en-GB" sz="3700" b="1" dirty="0" smtClean="0">
+                <a:solidFill>
+                  <a:srgbClr val="3C3C3C"/>
+                </a:solidFill>
+                <a:latin typeface="Helvetica Neue" charset="0"/>
+                <a:ea typeface="Helvetica Neue" charset="0"/>
+                <a:cs typeface="Helvetica Neue" charset="0"/>
+              </a:rPr>
+              <a:t>Heading 1 </a:t>
+            </a:r>
+            <a:r>
+              <a:rPr lang="mr-IN" sz="3700" b="1" dirty="0" smtClean="0">
+                <a:solidFill>
+                  <a:srgbClr val="3C3C3C"/>
+                </a:solidFill>
+                <a:latin typeface="Helvetica Neue" charset="0"/>
+                <a:ea typeface="Helvetica Neue" charset="0"/>
+                <a:cs typeface="Helvetica Neue" charset="0"/>
+              </a:rPr>
+              <a:t>–</a:t>
+            </a:r>
+            <a:r>
+              <a:rPr lang="en-GB" sz="3700" b="1" dirty="0" smtClean="0">
+                <a:solidFill>
+                  <a:srgbClr val="3C3C3C"/>
+                </a:solidFill>
+                <a:latin typeface="Helvetica Neue" charset="0"/>
+                <a:ea typeface="Helvetica Neue" charset="0"/>
+                <a:cs typeface="Helvetica Neue" charset="0"/>
+              </a:rPr>
+              <a:t> 36px Bold</a:t>
+            </a:r>
+            <a:endParaRPr lang="en-GB" sz="3700" b="1" dirty="0">
+              <a:solidFill>
+                <a:srgbClr val="3C3C3C"/>
+              </a:solidFill>
+              <a:latin typeface="Helvetica Neue" charset="0"/>
+              <a:ea typeface="Helvetica Neue" charset="0"/>
+              <a:cs typeface="Helvetica Neue" charset="0"/>
+            </a:endParaRPr>
+          </a:p>
+          <a:p>
+            <a:pPr>
+              <a:lnSpc>
+                <a:spcPct val="100000"/>
+              </a:lnSpc>
+              <a:spcAft>
+                <a:spcPts val="600"/>
+              </a:spcAft>
+            </a:pPr>
+            <a:r>
+              <a:rPr lang="en-GB" sz="2500" dirty="0" smtClean="0">
+                <a:solidFill>
+                  <a:srgbClr val="3C3C3C"/>
+                </a:solidFill>
+                <a:latin typeface="Helvetica Neue Medium" charset="0"/>
+                <a:ea typeface="Helvetica Neue Medium" charset="0"/>
+                <a:cs typeface="Helvetica Neue Medium" charset="0"/>
+              </a:rPr>
+              <a:t>Heading 2- 24px </a:t>
+            </a:r>
+            <a:r>
+              <a:rPr lang="en-GB" sz="2500" dirty="0">
+                <a:solidFill>
+                  <a:srgbClr val="3C3C3C"/>
+                </a:solidFill>
+                <a:latin typeface="Helvetica Neue Medium" charset="0"/>
+                <a:ea typeface="Helvetica Neue Medium" charset="0"/>
+                <a:cs typeface="Helvetica Neue Medium" charset="0"/>
+              </a:rPr>
+              <a:t>Medium</a:t>
+            </a:r>
+          </a:p>
+          <a:p>
+            <a:pPr>
+              <a:lnSpc>
+                <a:spcPct val="100000"/>
+              </a:lnSpc>
+              <a:spcAft>
+                <a:spcPts val="600"/>
+              </a:spcAft>
+            </a:pPr>
+            <a:r>
+              <a:rPr lang="en-GB" sz="1800" dirty="0" smtClean="0">
+                <a:solidFill>
+                  <a:srgbClr val="3C3C3C"/>
+                </a:solidFill>
+                <a:latin typeface="Helvetica Neue Medium" charset="0"/>
+                <a:ea typeface="Helvetica Neue Medium" charset="0"/>
+                <a:cs typeface="Helvetica Neue Medium" charset="0"/>
+              </a:rPr>
+              <a:t>Heading 3 </a:t>
+            </a:r>
+            <a:r>
+              <a:rPr lang="mr-IN" sz="1800" dirty="0" smtClean="0">
+                <a:solidFill>
+                  <a:srgbClr val="3C3C3C"/>
+                </a:solidFill>
+                <a:latin typeface="Helvetica Neue Medium" charset="0"/>
+                <a:ea typeface="Helvetica Neue Medium" charset="0"/>
+                <a:cs typeface="Helvetica Neue Medium" charset="0"/>
+              </a:rPr>
+              <a:t>–</a:t>
+            </a:r>
+            <a:r>
+              <a:rPr lang="en-GB" sz="1800" dirty="0" smtClean="0">
+                <a:solidFill>
+                  <a:srgbClr val="3C3C3C"/>
+                </a:solidFill>
+                <a:latin typeface="Helvetica Neue Medium" charset="0"/>
+                <a:ea typeface="Helvetica Neue Medium" charset="0"/>
+                <a:cs typeface="Helvetica Neue Medium" charset="0"/>
+              </a:rPr>
+              <a:t> 18px Medium</a:t>
+            </a:r>
+            <a:endParaRPr lang="en-US" sz="5400" dirty="0" smtClean="0">
+              <a:solidFill>
+                <a:srgbClr val="3C3C3C"/>
+              </a:solidFill>
+              <a:latin typeface="Helvetica Neue Medium" charset="0"/>
+              <a:ea typeface="Helvetica Neue Medium" charset="0"/>
+              <a:cs typeface="Helvetica Neue Medium" charset="0"/>
+            </a:endParaRPr>
+          </a:p>
+          <a:p>
+            <a:pPr>
+              <a:lnSpc>
+                <a:spcPct val="100000"/>
+              </a:lnSpc>
+              <a:spcAft>
+                <a:spcPts val="600"/>
+              </a:spcAft>
+            </a:pPr>
+            <a:r>
+              <a:rPr lang="en-GB" sz="1400" dirty="0" smtClean="0">
+                <a:solidFill>
+                  <a:srgbClr val="3C3C3C"/>
+                </a:solidFill>
+                <a:latin typeface="Helvetica Neue" charset="0"/>
+                <a:ea typeface="Helvetica Neue" charset="0"/>
+                <a:cs typeface="Helvetica Neue" charset="0"/>
+              </a:rPr>
+              <a:t>Paragraph </a:t>
+            </a:r>
+            <a:r>
+              <a:rPr lang="mr-IN" sz="1400" dirty="0" smtClean="0">
+                <a:solidFill>
+                  <a:srgbClr val="3C3C3C"/>
+                </a:solidFill>
+                <a:latin typeface="Helvetica Neue" charset="0"/>
+                <a:ea typeface="Helvetica Neue" charset="0"/>
+                <a:cs typeface="Helvetica Neue" charset="0"/>
+              </a:rPr>
+              <a:t>–</a:t>
+            </a:r>
+            <a:r>
+              <a:rPr lang="en-GB" sz="1400" dirty="0" smtClean="0">
+                <a:solidFill>
+                  <a:srgbClr val="3C3C3C"/>
+                </a:solidFill>
+                <a:latin typeface="Helvetica Neue" charset="0"/>
+                <a:ea typeface="Helvetica Neue" charset="0"/>
+                <a:cs typeface="Helvetica Neue" charset="0"/>
+              </a:rPr>
+              <a:t> 14px Regular</a:t>
+            </a:r>
+            <a:endParaRPr lang="en-GB" sz="1400" dirty="0">
+              <a:solidFill>
+                <a:srgbClr val="3C3C3C"/>
+              </a:solidFill>
+              <a:latin typeface="Helvetica Neue" charset="0"/>
+              <a:ea typeface="Helvetica Neue" charset="0"/>
+              <a:cs typeface="Helvetica Neue" charset="0"/>
+            </a:endParaRPr>
+          </a:p>
+        </p:txBody>
+      </p:sp>
+      <p:sp>
+        <p:nvSpPr>
+          <p:cNvPr id="2" name="Rectangle 1"/>
+          <p:cNvSpPr/>
+          <p:nvPr/>
+        </p:nvSpPr>
+        <p:spPr>
+          <a:xfrm>
+            <a:off x="753980" y="1743562"/>
+            <a:ext cx="3759362" cy="707886"/>
+          </a:xfrm>
+          <a:prstGeom prst="rect">
+            <a:avLst/>
+          </a:prstGeom>
+        </p:spPr>
+        <p:txBody>
+          <a:bodyPr wrap="none">
+            <a:spAutoFit/>
+          </a:bodyPr>
           <a:lstStyle/>
           <a:p>
-            <a:r>
-              <a:rPr lang="en-AU" dirty="0" smtClean="0"/>
-              <a:t>Other cool features</a:t>
-            </a:r>
-            <a:endParaRPr lang="en-AU" dirty="0"/>
-          </a:p>
-        </p:txBody>
-      </p:sp>
-      <p:sp>
-        <p:nvSpPr>
-          <p:cNvPr id="3" name="Content Placeholder 2"/>
-          <p:cNvSpPr>
-            <a:spLocks noGrp="1"/>
-          </p:cNvSpPr>
-          <p:nvPr>
-            <p:ph idx="1"/>
-          </p:nvPr>
-        </p:nvSpPr>
-        <p:spPr/>
-        <p:txBody>
-          <a:bodyPr/>
+            <a:pPr>
+              <a:lnSpc>
+                <a:spcPct val="100000"/>
+              </a:lnSpc>
+              <a:spcAft>
+                <a:spcPts val="600"/>
+              </a:spcAft>
+            </a:pPr>
+            <a:r>
+              <a:rPr lang="en-GB" sz="4000" dirty="0">
+                <a:solidFill>
+                  <a:srgbClr val="3C3C3C"/>
+                </a:solidFill>
+                <a:latin typeface="Helvetica Neue Medium" charset="0"/>
+                <a:ea typeface="Helvetica Neue Medium" charset="0"/>
+                <a:cs typeface="Helvetica Neue Medium" charset="0"/>
+              </a:rPr>
+              <a:t>Helvetica </a:t>
+            </a:r>
+            <a:r>
+              <a:rPr lang="en-GB" sz="4000" dirty="0" err="1">
+                <a:solidFill>
+                  <a:srgbClr val="3C3C3C"/>
+                </a:solidFill>
+                <a:latin typeface="Helvetica Neue Medium" charset="0"/>
+                <a:ea typeface="Helvetica Neue Medium" charset="0"/>
+                <a:cs typeface="Helvetica Neue Medium" charset="0"/>
+              </a:rPr>
+              <a:t>Neue</a:t>
+            </a:r>
+            <a:endParaRPr lang="en-GB" sz="4000" dirty="0">
+              <a:solidFill>
+                <a:srgbClr val="3C3C3C"/>
+              </a:solidFill>
+              <a:latin typeface="Helvetica Neue Medium" charset="0"/>
+              <a:ea typeface="Helvetica Neue Medium" charset="0"/>
+              <a:cs typeface="Helvetica Neue Medium" charset="0"/>
+            </a:endParaRPr>
+          </a:p>
+        </p:txBody>
+      </p:sp>
+      <p:sp>
+        <p:nvSpPr>
+          <p:cNvPr id="9" name="Title 3"/>
+          <p:cNvSpPr txBox="1">
+            <a:spLocks/>
+          </p:cNvSpPr>
+          <p:nvPr/>
+        </p:nvSpPr>
+        <p:spPr>
+          <a:xfrm>
+            <a:off x="6096000" y="3429000"/>
+            <a:ext cx="6096000" cy="2662990"/>
+          </a:xfrm>
+          <a:prstGeom prst="rect">
+            <a:avLst/>
+          </a:prstGeom>
+        </p:spPr>
+        <p:txBody>
+          <a:bodyPr vert="horz" lIns="91440" tIns="45720" rIns="91440" bIns="45720" rtlCol="0" anchor="ctr">
+            <a:normAutofit fontScale="97500"/>
+          </a:bodyPr>
+          <a:lstStyle>
+            <a:lvl1pPr algn="l" defTabSz="914400" rtl="0" eaLnBrk="1" latinLnBrk="0" hangingPunct="1">
+              <a:lnSpc>
+                <a:spcPct val="90000"/>
+              </a:lnSpc>
+              <a:spcBef>
+                <a:spcPct val="0"/>
+              </a:spcBef>
+              <a:buNone/>
+              <a:defRPr sz="4400" kern="1200">
+                <a:solidFill>
+                  <a:schemeClr val="tx1"/>
+                </a:solidFill>
+                <a:latin typeface="+mj-lt"/>
+                <a:ea typeface="+mj-ea"/>
+                <a:cs typeface="+mj-cs"/>
+              </a:defRPr>
+            </a:lvl1pPr>
+          </a:lstStyle>
+          <a:p>
+            <a:pPr>
+              <a:lnSpc>
+                <a:spcPct val="100000"/>
+              </a:lnSpc>
+              <a:spcAft>
+                <a:spcPts val="600"/>
+              </a:spcAft>
+            </a:pPr>
+            <a:r>
+              <a:rPr lang="en-GB" sz="3700" b="1" dirty="0" smtClean="0">
+                <a:solidFill>
+                  <a:srgbClr val="3C3C3C"/>
+                </a:solidFill>
+                <a:latin typeface="SF UI Text" charset="0"/>
+                <a:ea typeface="SF UI Text" charset="0"/>
+                <a:cs typeface="SF UI Text" charset="0"/>
+              </a:rPr>
+              <a:t>Heading 1 </a:t>
+            </a:r>
+            <a:r>
+              <a:rPr lang="mr-IN" sz="3700" b="1" dirty="0" smtClean="0">
+                <a:solidFill>
+                  <a:srgbClr val="3C3C3C"/>
+                </a:solidFill>
+                <a:latin typeface="SF UI Text" charset="0"/>
+                <a:ea typeface="SF UI Text" charset="0"/>
+                <a:cs typeface="SF UI Text" charset="0"/>
+              </a:rPr>
+              <a:t>–</a:t>
+            </a:r>
+            <a:r>
+              <a:rPr lang="en-GB" sz="3700" b="1" dirty="0" smtClean="0">
+                <a:solidFill>
+                  <a:srgbClr val="3C3C3C"/>
+                </a:solidFill>
+                <a:latin typeface="SF UI Text" charset="0"/>
+                <a:ea typeface="SF UI Text" charset="0"/>
+                <a:cs typeface="SF UI Text" charset="0"/>
+              </a:rPr>
+              <a:t> 36px Bold</a:t>
+            </a:r>
+            <a:endParaRPr lang="en-GB" sz="3700" b="1" dirty="0">
+              <a:solidFill>
+                <a:srgbClr val="3C3C3C"/>
+              </a:solidFill>
+              <a:latin typeface="SF UI Text" charset="0"/>
+              <a:ea typeface="SF UI Text" charset="0"/>
+              <a:cs typeface="SF UI Text" charset="0"/>
+            </a:endParaRPr>
+          </a:p>
+          <a:p>
+            <a:pPr>
+              <a:lnSpc>
+                <a:spcPct val="100000"/>
+              </a:lnSpc>
+              <a:spcAft>
+                <a:spcPts val="600"/>
+              </a:spcAft>
+            </a:pPr>
+            <a:r>
+              <a:rPr lang="en-GB" sz="2500" dirty="0" smtClean="0">
+                <a:solidFill>
+                  <a:srgbClr val="3C3C3C"/>
+                </a:solidFill>
+                <a:latin typeface="SF UI Text" charset="0"/>
+                <a:ea typeface="SF UI Text" charset="0"/>
+                <a:cs typeface="SF UI Text" charset="0"/>
+              </a:rPr>
+              <a:t>Heading 2- 24px </a:t>
+            </a:r>
+            <a:r>
+              <a:rPr lang="en-GB" sz="2500" dirty="0">
+                <a:solidFill>
+                  <a:srgbClr val="3C3C3C"/>
+                </a:solidFill>
+                <a:latin typeface="SF UI Text" charset="0"/>
+                <a:ea typeface="SF UI Text" charset="0"/>
+                <a:cs typeface="SF UI Text" charset="0"/>
+              </a:rPr>
+              <a:t>Medium</a:t>
+            </a:r>
+          </a:p>
+          <a:p>
+            <a:pPr>
+              <a:lnSpc>
+                <a:spcPct val="100000"/>
+              </a:lnSpc>
+              <a:spcAft>
+                <a:spcPts val="600"/>
+              </a:spcAft>
+            </a:pPr>
+            <a:r>
+              <a:rPr lang="en-GB" sz="1800" dirty="0" smtClean="0">
+                <a:solidFill>
+                  <a:srgbClr val="3C3C3C"/>
+                </a:solidFill>
+                <a:latin typeface="SF UI Text" charset="0"/>
+                <a:ea typeface="SF UI Text" charset="0"/>
+                <a:cs typeface="SF UI Text" charset="0"/>
+              </a:rPr>
+              <a:t>Heading 3 </a:t>
+            </a:r>
+            <a:r>
+              <a:rPr lang="mr-IN" sz="1800" dirty="0" smtClean="0">
+                <a:solidFill>
+                  <a:srgbClr val="3C3C3C"/>
+                </a:solidFill>
+                <a:latin typeface="SF UI Text" charset="0"/>
+                <a:ea typeface="SF UI Text" charset="0"/>
+                <a:cs typeface="SF UI Text" charset="0"/>
+              </a:rPr>
+              <a:t>–</a:t>
+            </a:r>
+            <a:r>
+              <a:rPr lang="en-GB" sz="1800" dirty="0" smtClean="0">
+                <a:solidFill>
+                  <a:srgbClr val="3C3C3C"/>
+                </a:solidFill>
+                <a:latin typeface="SF UI Text" charset="0"/>
+                <a:ea typeface="SF UI Text" charset="0"/>
+                <a:cs typeface="SF UI Text" charset="0"/>
+              </a:rPr>
+              <a:t> 18px Medium</a:t>
+            </a:r>
+            <a:endParaRPr lang="en-US" sz="5400" dirty="0" smtClean="0">
+              <a:solidFill>
+                <a:srgbClr val="3C3C3C"/>
+              </a:solidFill>
+              <a:latin typeface="SF UI Text" charset="0"/>
+              <a:ea typeface="SF UI Text" charset="0"/>
+              <a:cs typeface="SF UI Text" charset="0"/>
+            </a:endParaRPr>
+          </a:p>
+          <a:p>
+            <a:pPr>
+              <a:lnSpc>
+                <a:spcPct val="100000"/>
+              </a:lnSpc>
+              <a:spcAft>
+                <a:spcPts val="600"/>
+              </a:spcAft>
+            </a:pPr>
+            <a:r>
+              <a:rPr lang="en-GB" sz="1400" dirty="0" smtClean="0">
+                <a:solidFill>
+                  <a:srgbClr val="3C3C3C"/>
+                </a:solidFill>
+                <a:latin typeface="SF UI Text" charset="0"/>
+                <a:ea typeface="SF UI Text" charset="0"/>
+                <a:cs typeface="SF UI Text" charset="0"/>
+              </a:rPr>
+              <a:t>Paragraph </a:t>
+            </a:r>
+            <a:r>
+              <a:rPr lang="mr-IN" sz="1400" dirty="0" smtClean="0">
+                <a:solidFill>
+                  <a:srgbClr val="3C3C3C"/>
+                </a:solidFill>
+                <a:latin typeface="SF UI Text" charset="0"/>
+                <a:ea typeface="SF UI Text" charset="0"/>
+                <a:cs typeface="SF UI Text" charset="0"/>
+              </a:rPr>
+              <a:t>–</a:t>
+            </a:r>
+            <a:r>
+              <a:rPr lang="en-GB" sz="1400" dirty="0" smtClean="0">
+                <a:solidFill>
+                  <a:srgbClr val="3C3C3C"/>
+                </a:solidFill>
+                <a:latin typeface="SF UI Text" charset="0"/>
+                <a:ea typeface="SF UI Text" charset="0"/>
+                <a:cs typeface="SF UI Text" charset="0"/>
+              </a:rPr>
+              <a:t> 14px Regular</a:t>
+            </a:r>
+            <a:endParaRPr lang="en-GB" sz="1400" dirty="0">
+              <a:solidFill>
+                <a:srgbClr val="3C3C3C"/>
+              </a:solidFill>
+              <a:latin typeface="SF UI Text" charset="0"/>
+              <a:ea typeface="SF UI Text" charset="0"/>
+              <a:cs typeface="SF UI Text" charset="0"/>
+            </a:endParaRPr>
+          </a:p>
+        </p:txBody>
+      </p:sp>
+      <p:sp>
+        <p:nvSpPr>
+          <p:cNvPr id="13" name="Rectangle 12"/>
+          <p:cNvSpPr/>
+          <p:nvPr/>
+        </p:nvSpPr>
+        <p:spPr>
+          <a:xfrm>
+            <a:off x="753980" y="4406552"/>
+            <a:ext cx="3720890" cy="707886"/>
+          </a:xfrm>
+          <a:prstGeom prst="rect">
+            <a:avLst/>
+          </a:prstGeom>
+        </p:spPr>
+        <p:txBody>
+          <a:bodyPr wrap="none">
+            <a:spAutoFit/>
+          </a:bodyPr>
           <a:lstStyle/>
           <a:p>
-            <a:endParaRPr lang="en-AU"/>
+            <a:pPr>
+              <a:lnSpc>
+                <a:spcPct val="100000"/>
+              </a:lnSpc>
+              <a:spcAft>
+                <a:spcPts val="600"/>
+              </a:spcAft>
+            </a:pPr>
+            <a:r>
+              <a:rPr lang="en-GB" sz="4000" b="1" dirty="0" smtClean="0">
+                <a:solidFill>
+                  <a:srgbClr val="3C3C3C"/>
+                </a:solidFill>
+                <a:latin typeface="SF UI Text Semibold" charset="0"/>
+                <a:ea typeface="SF UI Text Semibold" charset="0"/>
+                <a:cs typeface="SF UI Text Semibold" charset="0"/>
+              </a:rPr>
+              <a:t>San Francisco</a:t>
+            </a:r>
+            <a:endParaRPr lang="en-GB" sz="4000" b="1" dirty="0">
+              <a:solidFill>
+                <a:srgbClr val="3C3C3C"/>
+              </a:solidFill>
+              <a:latin typeface="SF UI Text Semibold" charset="0"/>
+              <a:ea typeface="SF UI Text Semibold" charset="0"/>
+              <a:cs typeface="SF UI Text Semibold" charset="0"/>
+            </a:endParaRPr>
           </a:p>
         </p:txBody>
       </p:sp>
     </p:spTree>
     <p:extLst>
       <p:ext uri="{BB962C8B-B14F-4D97-AF65-F5344CB8AC3E}">
-        <p14:creationId xmlns:p14="http://schemas.microsoft.com/office/powerpoint/2010/main" val="571665953"/>
+        <p14:creationId xmlns:p14="http://schemas.microsoft.com/office/powerpoint/2010/main" val="1096404658"/>
       </p:ext>
     </p:extLst>
   </p:cSld>
   <p:clrMapOvr>
     <a:masterClrMapping/>
   </p:clrMapOvr>
+  <p:timing>
+    <p:tnLst>
+      <p:par>
+        <p:cTn id="1" dur="indefinite" restart="never" nodeType="tmRoot"/>
+      </p:par>
+    </p:tnLst>
+  </p:timing>
 </p:sld>
 </file>
 
@@ -3914,7 +5900,7 @@
           <a:p>
             <a:r>
               <a:rPr lang="en-AU" dirty="0" smtClean="0"/>
-              <a:t>Why we think it’ll be successful / Conclusion</a:t>
+              <a:t>Usability Evaluation</a:t>
             </a:r>
             <a:endParaRPr lang="en-AU" dirty="0"/>
           </a:p>
@@ -3942,13 +5928,20 @@
     </p:spTree>
     <p:extLst>
       <p:ext uri="{BB962C8B-B14F-4D97-AF65-F5344CB8AC3E}">
-        <p14:creationId xmlns:p14="http://schemas.microsoft.com/office/powerpoint/2010/main" val="147835393"/>
+        <p14:creationId xmlns:p14="http://schemas.microsoft.com/office/powerpoint/2010/main" val="788402235"/>
       </p:ext>
     </p:extLst>
   </p:cSld>
   <p:clrMapOvr>
     <a:masterClrMapping/>
   </p:clrMapOvr>
+  <p:timing>
+    <p:tnLst>
+      <p:par>
+        <p:cTn id="1" dur="indefinite" restart="never" nodeType="tmRoot"/>
+      </p:par>
+    </p:tnLst>
+  </p:timing>
 </p:sld>
 </file>
 
@@ -3986,7 +5979,7 @@
           <a:p>
             <a:r>
               <a:rPr lang="en-AU" dirty="0" smtClean="0"/>
-              <a:t>Demonstration</a:t>
+              <a:t>Other cool features</a:t>
             </a:r>
             <a:endParaRPr lang="en-AU" dirty="0"/>
           </a:p>
@@ -3994,12 +5987,12 @@
       </p:sp>
       <p:sp>
         <p:nvSpPr>
-          <p:cNvPr id="3" name="Text Placeholder 2"/>
-          <p:cNvSpPr>
-            <a:spLocks noGrp="1"/>
-          </p:cNvSpPr>
-          <p:nvPr>
-            <p:ph type="body" idx="1"/>
+          <p:cNvPr id="3" name="Content Placeholder 2"/>
+          <p:cNvSpPr>
+            <a:spLocks noGrp="1"/>
+          </p:cNvSpPr>
+          <p:nvPr>
+            <p:ph idx="1"/>
           </p:nvPr>
         </p:nvSpPr>
         <p:spPr/>
@@ -4014,13 +6007,20 @@
     </p:spTree>
     <p:extLst>
       <p:ext uri="{BB962C8B-B14F-4D97-AF65-F5344CB8AC3E}">
-        <p14:creationId xmlns:p14="http://schemas.microsoft.com/office/powerpoint/2010/main" val="2075216980"/>
+        <p14:creationId xmlns:p14="http://schemas.microsoft.com/office/powerpoint/2010/main" val="571665953"/>
       </p:ext>
     </p:extLst>
   </p:cSld>
   <p:clrMapOvr>
     <a:masterClrMapping/>
   </p:clrMapOvr>
+  <p:timing>
+    <p:tnLst>
+      <p:par>
+        <p:cTn id="1" dur="indefinite" restart="never" nodeType="tmRoot"/>
+      </p:par>
+    </p:tnLst>
+  </p:timing>
 </p:sld>
 </file>
 
@@ -4058,7 +6058,7 @@
           <a:p>
             <a:r>
               <a:rPr lang="en-AU" dirty="0" smtClean="0"/>
-              <a:t>Test Case 1</a:t>
+              <a:t>Why we think it’ll be successful / Conclusion</a:t>
             </a:r>
             <a:endParaRPr lang="en-AU" dirty="0"/>
           </a:p>
@@ -4086,17 +6086,106 @@
     </p:spTree>
     <p:extLst>
       <p:ext uri="{BB962C8B-B14F-4D97-AF65-F5344CB8AC3E}">
-        <p14:creationId xmlns:p14="http://schemas.microsoft.com/office/powerpoint/2010/main" val="30870572"/>
+        <p14:creationId xmlns:p14="http://schemas.microsoft.com/office/powerpoint/2010/main" val="147835393"/>
       </p:ext>
     </p:extLst>
   </p:cSld>
   <p:clrMapOvr>
     <a:masterClrMapping/>
   </p:clrMapOvr>
+  <p:timing>
+    <p:tnLst>
+      <p:par>
+        <p:cTn id="1" dur="indefinite" restart="never" nodeType="tmRoot"/>
+      </p:par>
+    </p:tnLst>
+  </p:timing>
 </p:sld>
 </file>
 
 <file path=ppt/slides/slide15.xml><?xml version="1.0" encoding="utf-8"?>
+<p:sld xmlns:a="http://schemas.openxmlformats.org/drawingml/2006/main" xmlns:r="http://schemas.openxmlformats.org/officeDocument/2006/relationships" xmlns:p="http://schemas.openxmlformats.org/presentationml/2006/main">
+  <p:cSld>
+    <p:bg>
+      <p:bgPr>
+        <a:solidFill>
+          <a:srgbClr val="69B558"/>
+        </a:solidFill>
+        <a:effectLst/>
+      </p:bgPr>
+    </p:bg>
+    <p:spTree>
+      <p:nvGrpSpPr>
+        <p:cNvPr id="1" name=""/>
+        <p:cNvGrpSpPr/>
+        <p:nvPr/>
+      </p:nvGrpSpPr>
+      <p:grpSpPr>
+        <a:xfrm>
+          <a:off x="0" y="0"/>
+          <a:ext cx="0" cy="0"/>
+          <a:chOff x="0" y="0"/>
+          <a:chExt cx="0" cy="0"/>
+        </a:xfrm>
+      </p:grpSpPr>
+      <p:sp>
+        <p:nvSpPr>
+          <p:cNvPr id="2" name="Title 1"/>
+          <p:cNvSpPr>
+            <a:spLocks noGrp="1"/>
+          </p:cNvSpPr>
+          <p:nvPr>
+            <p:ph type="title"/>
+          </p:nvPr>
+        </p:nvSpPr>
+        <p:spPr/>
+        <p:txBody>
+          <a:bodyPr/>
+          <a:lstStyle/>
+          <a:p>
+            <a:r>
+              <a:rPr lang="en-AU" dirty="0" smtClean="0">
+                <a:solidFill>
+                  <a:schemeClr val="bg1"/>
+                </a:solidFill>
+                <a:latin typeface="Helvetica Neue Medium" charset="0"/>
+                <a:ea typeface="Helvetica Neue Medium" charset="0"/>
+                <a:cs typeface="Helvetica Neue Medium" charset="0"/>
+              </a:rPr>
+              <a:t>Demonstration</a:t>
+            </a:r>
+            <a:endParaRPr lang="en-AU" dirty="0">
+              <a:solidFill>
+                <a:schemeClr val="bg1"/>
+              </a:solidFill>
+              <a:latin typeface="Helvetica Neue Medium" charset="0"/>
+              <a:ea typeface="Helvetica Neue Medium" charset="0"/>
+              <a:cs typeface="Helvetica Neue Medium" charset="0"/>
+            </a:endParaRPr>
+          </a:p>
+        </p:txBody>
+      </p:sp>
+    </p:spTree>
+    <p:extLst>
+      <p:ext uri="{BB962C8B-B14F-4D97-AF65-F5344CB8AC3E}">
+        <p14:creationId xmlns:p14="http://schemas.microsoft.com/office/powerpoint/2010/main" val="2075216980"/>
+      </p:ext>
+    </p:extLst>
+  </p:cSld>
+  <p:clrMapOvr>
+    <a:masterClrMapping/>
+  </p:clrMapOvr>
+  <p:timing>
+    <p:tnLst>
+      <p:par>
+        <p:cTn id="1" dur="indefinite" restart="never" nodeType="tmRoot"/>
+      </p:par>
+    </p:tnLst>
+  </p:timing>
+</p:sld>
+</file>
+
+<file path=ppt/slides/slide16.xml><?xml version="1.0" encoding="utf-8"?>
 <p:sld xmlns:a="http://schemas.openxmlformats.org/drawingml/2006/main" xmlns:r="http://schemas.openxmlformats.org/officeDocument/2006/relationships" xmlns:p="http://schemas.openxmlformats.org/presentationml/2006/main">
   <p:cSld>
     <p:spTree>
@@ -4130,6 +6219,85 @@
           <a:p>
             <a:r>
               <a:rPr lang="en-AU" dirty="0" smtClean="0"/>
+              <a:t>Test Case 1</a:t>
+            </a:r>
+            <a:endParaRPr lang="en-AU" dirty="0"/>
+          </a:p>
+        </p:txBody>
+      </p:sp>
+      <p:sp>
+        <p:nvSpPr>
+          <p:cNvPr id="3" name="Content Placeholder 2"/>
+          <p:cNvSpPr>
+            <a:spLocks noGrp="1"/>
+          </p:cNvSpPr>
+          <p:nvPr>
+            <p:ph idx="1"/>
+          </p:nvPr>
+        </p:nvSpPr>
+        <p:spPr/>
+        <p:txBody>
+          <a:bodyPr/>
+          <a:lstStyle/>
+          <a:p>
+            <a:endParaRPr lang="en-AU"/>
+          </a:p>
+        </p:txBody>
+      </p:sp>
+    </p:spTree>
+    <p:extLst>
+      <p:ext uri="{BB962C8B-B14F-4D97-AF65-F5344CB8AC3E}">
+        <p14:creationId xmlns:p14="http://schemas.microsoft.com/office/powerpoint/2010/main" val="30870572"/>
+      </p:ext>
+    </p:extLst>
+  </p:cSld>
+  <p:clrMapOvr>
+    <a:masterClrMapping/>
+  </p:clrMapOvr>
+  <p:timing>
+    <p:tnLst>
+      <p:par>
+        <p:cTn id="1" dur="indefinite" restart="never" nodeType="tmRoot"/>
+      </p:par>
+    </p:tnLst>
+  </p:timing>
+</p:sld>
+</file>
+
+<file path=ppt/slides/slide17.xml><?xml version="1.0" encoding="utf-8"?>
+<p:sld xmlns:a="http://schemas.openxmlformats.org/drawingml/2006/main" xmlns:r="http://schemas.openxmlformats.org/officeDocument/2006/relationships" xmlns:p="http://schemas.openxmlformats.org/presentationml/2006/main">
+  <p:cSld>
+    <p:spTree>
+      <p:nvGrpSpPr>
+        <p:cNvPr id="1" name=""/>
+        <p:cNvGrpSpPr/>
+        <p:nvPr/>
+      </p:nvGrpSpPr>
+      <p:grpSpPr>
+        <a:xfrm>
+          <a:off x="0" y="0"/>
+          <a:ext cx="0" cy="0"/>
+          <a:chOff x="0" y="0"/>
+          <a:chExt cx="0" cy="0"/>
+        </a:xfrm>
+      </p:grpSpPr>
+      <p:sp>
+        <p:nvSpPr>
+          <p:cNvPr id="2" name="Title 1"/>
+          <p:cNvSpPr>
+            <a:spLocks noGrp="1"/>
+          </p:cNvSpPr>
+          <p:nvPr>
+            <p:ph type="title"/>
+          </p:nvPr>
+        </p:nvSpPr>
+        <p:spPr/>
+        <p:txBody>
+          <a:bodyPr/>
+          <a:lstStyle/>
+          <a:p>
+            <a:r>
+              <a:rPr lang="en-AU" dirty="0" smtClean="0"/>
               <a:t>Test Case 2</a:t>
             </a:r>
             <a:endParaRPr lang="en-AU" dirty="0"/>
@@ -4165,6 +6333,13 @@
   <p:clrMapOvr>
     <a:masterClrMapping/>
   </p:clrMapOvr>
+  <p:timing>
+    <p:tnLst>
+      <p:par>
+        <p:cTn id="1" dur="indefinite" restart="never" nodeType="tmRoot"/>
+      </p:par>
+    </p:tnLst>
+  </p:timing>
 </p:sld>
 </file>
 
@@ -4395,6 +6570,13 @@
       <p:transition spd="slow"/>
     </mc:Fallback>
   </mc:AlternateContent>
+  <p:timing>
+    <p:tnLst>
+      <p:par>
+        <p:cTn id="1" dur="indefinite" restart="never" nodeType="tmRoot"/>
+      </p:par>
+    </p:tnLst>
+  </p:timing>
 </p:sld>
 </file>
 
@@ -4526,12 +6708,27 @@
       <p:transition spd="slow"/>
     </mc:Fallback>
   </mc:AlternateContent>
+  <p:timing>
+    <p:tnLst>
+      <p:par>
+        <p:cTn id="1" dur="indefinite" restart="never" nodeType="tmRoot"/>
+      </p:par>
+    </p:tnLst>
+  </p:timing>
 </p:sld>
 </file>
 
 <file path=ppt/slides/slide4.xml><?xml version="1.0" encoding="utf-8"?>
 <p:sld xmlns:a="http://schemas.openxmlformats.org/drawingml/2006/main" xmlns:r="http://schemas.openxmlformats.org/officeDocument/2006/relationships" xmlns:p="http://schemas.openxmlformats.org/presentationml/2006/main">
   <p:cSld>
+    <p:bg>
+      <p:bgPr>
+        <a:solidFill>
+          <a:srgbClr val="FAFAFA"/>
+        </a:solidFill>
+        <a:effectLst/>
+      </p:bgPr>
+    </p:bg>
     <p:spTree>
       <p:nvGrpSpPr>
         <p:cNvPr id="1" name=""/>
@@ -4548,7 +6745,7 @@
       </p:grpSpPr>
       <p:sp>
         <p:nvSpPr>
-          <p:cNvPr id="2" name="Title 1"/>
+          <p:cNvPr id="4" name="Title 3"/>
           <p:cNvSpPr>
             <a:spLocks noGrp="1"/>
           </p:cNvSpPr>
@@ -4556,50 +6753,232 @@
             <p:ph type="title"/>
           </p:nvPr>
         </p:nvSpPr>
-        <p:spPr/>
-        <p:txBody>
-          <a:bodyPr/>
+        <p:spPr>
+          <a:xfrm>
+            <a:off x="838200" y="2728497"/>
+            <a:ext cx="10515600" cy="1325563"/>
+          </a:xfrm>
+        </p:spPr>
+        <p:txBody>
+          <a:bodyPr>
+            <a:normAutofit fontScale="90000"/>
+          </a:bodyPr>
           <a:lstStyle/>
           <a:p>
-            <a:r>
-              <a:rPr lang="en-AU" dirty="0" err="1" smtClean="0"/>
-              <a:t>int</a:t>
-            </a:r>
-            <a:r>
-              <a:rPr lang="en-AU" dirty="0" smtClean="0"/>
-              <a:t> </a:t>
-            </a:r>
-            <a:r>
-              <a:rPr lang="en-AU" dirty="0" err="1" smtClean="0"/>
-              <a:t>elligence</a:t>
-            </a:r>
-            <a:r>
-              <a:rPr lang="en-AU" dirty="0" smtClean="0"/>
-              <a:t>;</a:t>
-            </a:r>
-            <a:endParaRPr lang="en-AU" dirty="0"/>
-          </a:p>
-        </p:txBody>
-      </p:sp>
-      <p:sp>
-        <p:nvSpPr>
-          <p:cNvPr id="3" name="Content Placeholder 2"/>
-          <p:cNvSpPr>
-            <a:spLocks noGrp="1"/>
-          </p:cNvSpPr>
-          <p:nvPr>
-            <p:ph idx="1"/>
-          </p:nvPr>
-        </p:nvSpPr>
-        <p:spPr/>
-        <p:txBody>
-          <a:bodyPr/>
-          <a:lstStyle/>
-          <a:p>
-            <a:endParaRPr lang="en-AU" dirty="0"/>
-          </a:p>
-        </p:txBody>
-      </p:sp>
+            <a:pPr>
+              <a:lnSpc>
+                <a:spcPct val="100000"/>
+              </a:lnSpc>
+              <a:spcAft>
+                <a:spcPts val="600"/>
+              </a:spcAft>
+            </a:pPr>
+            <a:r>
+              <a:rPr lang="en-US" b="1" dirty="0">
+                <a:solidFill>
+                  <a:srgbClr val="3C3C3C"/>
+                </a:solidFill>
+                <a:latin typeface="SF UI Display Semibold" charset="0"/>
+                <a:ea typeface="SF UI Display Semibold" charset="0"/>
+                <a:cs typeface="SF UI Display Semibold" charset="0"/>
+              </a:rPr>
+              <a:t>an educational </a:t>
+            </a:r>
+            <a:r>
+              <a:rPr lang="en-US" b="1" dirty="0" smtClean="0">
+                <a:solidFill>
+                  <a:srgbClr val="3C3C3C"/>
+                </a:solidFill>
+                <a:latin typeface="SF UI Display Semibold" charset="0"/>
+                <a:ea typeface="SF UI Display Semibold" charset="0"/>
+                <a:cs typeface="SF UI Display Semibold" charset="0"/>
+              </a:rPr>
+              <a:t>start-up to teach individuals how </a:t>
+            </a:r>
+            <a:r>
+              <a:rPr lang="en-US" b="1" dirty="0">
+                <a:solidFill>
+                  <a:srgbClr val="3C3C3C"/>
+                </a:solidFill>
+                <a:latin typeface="SF UI Display Semibold" charset="0"/>
+                <a:ea typeface="SF UI Display Semibold" charset="0"/>
+                <a:cs typeface="SF UI Display Semibold" charset="0"/>
+              </a:rPr>
+              <a:t>to program in a variety of </a:t>
+            </a:r>
+            <a:r>
+              <a:rPr lang="en-US" b="1" dirty="0" smtClean="0">
+                <a:solidFill>
+                  <a:srgbClr val="3C3C3C"/>
+                </a:solidFill>
+                <a:latin typeface="SF UI Display Semibold" charset="0"/>
+                <a:ea typeface="SF UI Display Semibold" charset="0"/>
+                <a:cs typeface="SF UI Display Semibold" charset="0"/>
+              </a:rPr>
+              <a:t>languages</a:t>
+            </a:r>
+            <a:r>
+              <a:rPr lang="en-GB" b="1" dirty="0" smtClean="0">
+                <a:solidFill>
+                  <a:srgbClr val="3C3C3C"/>
+                </a:solidFill>
+                <a:latin typeface="SF UI Display Semibold" charset="0"/>
+                <a:ea typeface="SF UI Display Semibold" charset="0"/>
+                <a:cs typeface="SF UI Display Semibold" charset="0"/>
+              </a:rPr>
+              <a:t>.</a:t>
+            </a:r>
+            <a:endParaRPr lang="en-US" b="1" dirty="0">
+              <a:solidFill>
+                <a:srgbClr val="3C3C3C"/>
+              </a:solidFill>
+              <a:latin typeface="SF UI Display Semibold" charset="0"/>
+              <a:ea typeface="SF UI Display Semibold" charset="0"/>
+              <a:cs typeface="SF UI Display Semibold" charset="0"/>
+            </a:endParaRPr>
+          </a:p>
+        </p:txBody>
+      </p:sp>
+      <p:cxnSp>
+        <p:nvCxnSpPr>
+          <p:cNvPr id="6" name="Straight Connector 5"/>
+          <p:cNvCxnSpPr/>
+          <p:nvPr/>
+        </p:nvCxnSpPr>
+        <p:spPr>
+          <a:xfrm>
+            <a:off x="6829104" y="3342204"/>
+            <a:ext cx="1234241" cy="0"/>
+          </a:xfrm>
+          <a:prstGeom prst="line">
+            <a:avLst/>
+          </a:prstGeom>
+          <a:ln w="25400">
+            <a:solidFill>
+              <a:srgbClr val="69B558"/>
+            </a:solidFill>
+          </a:ln>
+        </p:spPr>
+        <p:style>
+          <a:lnRef idx="1">
+            <a:schemeClr val="accent1"/>
+          </a:lnRef>
+          <a:fillRef idx="0">
+            <a:schemeClr val="accent1"/>
+          </a:fillRef>
+          <a:effectRef idx="0">
+            <a:schemeClr val="accent1"/>
+          </a:effectRef>
+          <a:fontRef idx="minor">
+            <a:schemeClr val="tx1"/>
+          </a:fontRef>
+        </p:style>
+      </p:cxnSp>
+      <p:cxnSp>
+        <p:nvCxnSpPr>
+          <p:cNvPr id="7" name="Straight Connector 6"/>
+          <p:cNvCxnSpPr/>
+          <p:nvPr/>
+        </p:nvCxnSpPr>
+        <p:spPr>
+          <a:xfrm>
+            <a:off x="7633156" y="3950472"/>
+            <a:ext cx="616764" cy="0"/>
+          </a:xfrm>
+          <a:prstGeom prst="line">
+            <a:avLst/>
+          </a:prstGeom>
+          <a:ln w="25400">
+            <a:solidFill>
+              <a:srgbClr val="69B558"/>
+            </a:solidFill>
+          </a:ln>
+        </p:spPr>
+        <p:style>
+          <a:lnRef idx="1">
+            <a:schemeClr val="accent1"/>
+          </a:lnRef>
+          <a:fillRef idx="0">
+            <a:schemeClr val="accent1"/>
+          </a:fillRef>
+          <a:effectRef idx="0">
+            <a:schemeClr val="accent1"/>
+          </a:effectRef>
+          <a:fontRef idx="minor">
+            <a:schemeClr val="tx1"/>
+          </a:fontRef>
+        </p:style>
+      </p:cxnSp>
+      <p:cxnSp>
+        <p:nvCxnSpPr>
+          <p:cNvPr id="9" name="Straight Connector 8"/>
+          <p:cNvCxnSpPr/>
+          <p:nvPr/>
+        </p:nvCxnSpPr>
+        <p:spPr>
+          <a:xfrm>
+            <a:off x="8625449" y="3950472"/>
+            <a:ext cx="464364" cy="0"/>
+          </a:xfrm>
+          <a:prstGeom prst="line">
+            <a:avLst/>
+          </a:prstGeom>
+          <a:ln w="25400">
+            <a:solidFill>
+              <a:srgbClr val="69B558"/>
+            </a:solidFill>
+          </a:ln>
+        </p:spPr>
+        <p:style>
+          <a:lnRef idx="1">
+            <a:schemeClr val="accent1"/>
+          </a:lnRef>
+          <a:fillRef idx="0">
+            <a:schemeClr val="accent1"/>
+          </a:fillRef>
+          <a:effectRef idx="0">
+            <a:schemeClr val="accent1"/>
+          </a:effectRef>
+          <a:fontRef idx="minor">
+            <a:schemeClr val="tx1"/>
+          </a:fontRef>
+        </p:style>
+      </p:cxnSp>
+      <p:cxnSp>
+        <p:nvCxnSpPr>
+          <p:cNvPr id="11" name="Straight Connector 10"/>
+          <p:cNvCxnSpPr/>
+          <p:nvPr/>
+        </p:nvCxnSpPr>
+        <p:spPr>
+          <a:xfrm>
+            <a:off x="9497001" y="3950472"/>
+            <a:ext cx="591879" cy="0"/>
+          </a:xfrm>
+          <a:prstGeom prst="line">
+            <a:avLst/>
+          </a:prstGeom>
+          <a:ln w="25400">
+            <a:solidFill>
+              <a:srgbClr val="69B558"/>
+            </a:solidFill>
+          </a:ln>
+        </p:spPr>
+        <p:style>
+          <a:lnRef idx="1">
+            <a:schemeClr val="accent1"/>
+          </a:lnRef>
+          <a:fillRef idx="0">
+            <a:schemeClr val="accent1"/>
+          </a:fillRef>
+          <a:effectRef idx="0">
+            <a:schemeClr val="accent1"/>
+          </a:effectRef>
+          <a:fontRef idx="minor">
+            <a:schemeClr val="tx1"/>
+          </a:fontRef>
+        </p:style>
+      </p:cxnSp>
     </p:spTree>
     <p:extLst>
       <p:ext uri="{BB962C8B-B14F-4D97-AF65-F5344CB8AC3E}">
@@ -4610,12 +6989,27 @@
   <p:clrMapOvr>
     <a:masterClrMapping/>
   </p:clrMapOvr>
+  <p:timing>
+    <p:tnLst>
+      <p:par>
+        <p:cTn id="1" dur="indefinite" restart="never" nodeType="tmRoot"/>
+      </p:par>
+    </p:tnLst>
+  </p:timing>
 </p:sld>
 </file>
 
 <file path=ppt/slides/slide5.xml><?xml version="1.0" encoding="utf-8"?>
 <p:sld xmlns:a="http://schemas.openxmlformats.org/drawingml/2006/main" xmlns:r="http://schemas.openxmlformats.org/officeDocument/2006/relationships" xmlns:p="http://schemas.openxmlformats.org/presentationml/2006/main">
   <p:cSld>
+    <p:bg>
+      <p:bgPr>
+        <a:solidFill>
+          <a:srgbClr val="FAFAFA"/>
+        </a:solidFill>
+        <a:effectLst/>
+      </p:bgPr>
+    </p:bg>
     <p:spTree>
       <p:nvGrpSpPr>
         <p:cNvPr id="1" name=""/>
@@ -4630,104 +7024,299 @@
           <a:chExt cx="0" cy="0"/>
         </a:xfrm>
       </p:grpSpPr>
-      <p:sp>
-        <p:nvSpPr>
-          <p:cNvPr id="2" name="Title 1"/>
-          <p:cNvSpPr>
-            <a:spLocks noGrp="1"/>
-          </p:cNvSpPr>
-          <p:nvPr>
-            <p:ph type="title"/>
-          </p:nvPr>
-        </p:nvSpPr>
-        <p:spPr/>
-        <p:txBody>
-          <a:bodyPr/>
-          <a:lstStyle/>
-          <a:p>
-            <a:r>
-              <a:rPr lang="en-AU" dirty="0" smtClean="0"/>
-              <a:t>Objective</a:t>
-            </a:r>
-            <a:endParaRPr lang="en-AU" dirty="0"/>
-          </a:p>
-        </p:txBody>
-      </p:sp>
-      <p:sp>
-        <p:nvSpPr>
-          <p:cNvPr id="3" name="Content Placeholder 2"/>
-          <p:cNvSpPr>
-            <a:spLocks noGrp="1"/>
-          </p:cNvSpPr>
-          <p:nvPr>
-            <p:ph idx="1"/>
-          </p:nvPr>
-        </p:nvSpPr>
-        <p:spPr/>
-        <p:txBody>
-          <a:bodyPr/>
-          <a:lstStyle/>
-          <a:p>
-            <a:pPr lvl="0" fontAlgn="base"/>
-            <a:r>
-              <a:rPr lang="en-GB" dirty="0"/>
-              <a:t>Attract and retain users</a:t>
-            </a:r>
-            <a:endParaRPr lang="en-GB" sz="3200" dirty="0"/>
-          </a:p>
-          <a:p>
-            <a:pPr lvl="1" fontAlgn="base"/>
-            <a:r>
-              <a:rPr lang="en-GB" dirty="0"/>
-              <a:t>Improve product awareness by 25% in the first 6 months of launching</a:t>
-            </a:r>
-            <a:endParaRPr lang="en-GB" sz="2800" dirty="0"/>
-          </a:p>
-          <a:p>
-            <a:pPr lvl="1" fontAlgn="base"/>
-            <a:r>
-              <a:rPr lang="en-GB" dirty="0"/>
-              <a:t>Increase website sign up conversion rate by 5%</a:t>
-            </a:r>
-            <a:endParaRPr lang="en-GB" sz="2800" dirty="0"/>
-          </a:p>
-          <a:p>
-            <a:pPr lvl="1" fontAlgn="base"/>
-            <a:r>
-              <a:rPr lang="en-GB" dirty="0"/>
-              <a:t>Increase website traffic by 20%</a:t>
-            </a:r>
-            <a:endParaRPr lang="en-GB" sz="2800" dirty="0"/>
-          </a:p>
-          <a:p>
-            <a:pPr lvl="0" fontAlgn="base"/>
-            <a:r>
-              <a:rPr lang="en-GB" dirty="0"/>
-              <a:t>Provide a seamless and cohesive learning experience for users</a:t>
-            </a:r>
-            <a:endParaRPr lang="en-GB" sz="3200" dirty="0"/>
-          </a:p>
-          <a:p>
-            <a:pPr lvl="1" fontAlgn="base"/>
-            <a:r>
-              <a:rPr lang="en-GB" dirty="0"/>
-              <a:t>Have a Net Promoter Score of 75 in the first 3 months of launching</a:t>
-            </a:r>
-            <a:endParaRPr lang="en-GB" sz="2800" dirty="0"/>
-          </a:p>
-          <a:p>
-            <a:pPr lvl="1" fontAlgn="base"/>
-            <a:r>
-              <a:rPr lang="en-GB" dirty="0"/>
-              <a:t>Improve course completion rates by 20%   </a:t>
-            </a:r>
-            <a:endParaRPr lang="en-GB" sz="2800" dirty="0"/>
-          </a:p>
-          <a:p>
-            <a:endParaRPr lang="en-AU" dirty="0"/>
-          </a:p>
-        </p:txBody>
-      </p:sp>
+      <p:graphicFrame>
+        <p:nvGraphicFramePr>
+          <p:cNvPr id="4" name="Table 3"/>
+          <p:cNvGraphicFramePr>
+            <a:graphicFrameLocks noGrp="1"/>
+          </p:cNvGraphicFramePr>
+          <p:nvPr>
+            <p:extLst>
+              <p:ext uri="{D42A27DB-BD31-4B8C-83A1-F6EECF244321}">
+                <p14:modId xmlns:p14="http://schemas.microsoft.com/office/powerpoint/2010/main" val="820025787"/>
+              </p:ext>
+            </p:extLst>
+          </p:nvPr>
+        </p:nvGraphicFramePr>
+        <p:xfrm>
+          <a:off x="224587" y="1537457"/>
+          <a:ext cx="11774907" cy="4125406"/>
+        </p:xfrm>
+        <a:graphic>
+          <a:graphicData uri="http://schemas.openxmlformats.org/drawingml/2006/table">
+            <a:tbl>
+              <a:tblPr firstRow="1" bandRow="1">
+                <a:tableStyleId>{5C22544A-7EE6-4342-B048-85BDC9FD1C3A}</a:tableStyleId>
+              </a:tblPr>
+              <a:tblGrid>
+                <a:gridCol w="3924969"/>
+                <a:gridCol w="3924969"/>
+                <a:gridCol w="3924969"/>
+              </a:tblGrid>
+              <a:tr h="4125406">
+                <a:tc>
+                  <a:txBody>
+                    <a:bodyPr/>
+                    <a:lstStyle/>
+                    <a:p>
+                      <a:pPr algn="ctr"/>
+                      <a:r>
+                        <a:rPr lang="en-US" sz="6000" dirty="0" smtClean="0">
+                          <a:solidFill>
+                            <a:srgbClr val="69B558"/>
+                          </a:solidFill>
+                          <a:latin typeface="SF UI Display" charset="0"/>
+                          <a:ea typeface="SF UI Display" charset="0"/>
+                          <a:cs typeface="SF UI Display" charset="0"/>
+                        </a:rPr>
+                        <a:t>+5%</a:t>
+                      </a:r>
+                    </a:p>
+                    <a:p>
+                      <a:pPr marL="0" marR="0" lvl="0" indent="0" algn="ctr" defTabSz="914400" rtl="0" eaLnBrk="1" fontAlgn="auto" latinLnBrk="0" hangingPunct="1">
+                        <a:lnSpc>
+                          <a:spcPct val="100000"/>
+                        </a:lnSpc>
+                        <a:spcBef>
+                          <a:spcPts val="0"/>
+                        </a:spcBef>
+                        <a:spcAft>
+                          <a:spcPts val="0"/>
+                        </a:spcAft>
+                        <a:buClrTx/>
+                        <a:buSzTx/>
+                        <a:buFontTx/>
+                        <a:buNone/>
+                        <a:tabLst/>
+                        <a:defRPr/>
+                      </a:pPr>
+                      <a:r>
+                        <a:rPr kumimoji="0" lang="en-US" sz="1800" b="0" i="0" u="none" strike="noStrike" kern="1200" cap="none" spc="0" normalizeH="0" baseline="0" noProof="0" dirty="0" smtClean="0">
+                          <a:ln>
+                            <a:noFill/>
+                          </a:ln>
+                          <a:solidFill>
+                            <a:srgbClr val="3C3C3C"/>
+                          </a:solidFill>
+                          <a:effectLst/>
+                          <a:uLnTx/>
+                          <a:uFillTx/>
+                          <a:latin typeface="SF UI Display" charset="0"/>
+                          <a:ea typeface="SF UI Display" charset="0"/>
+                          <a:cs typeface="SF UI Display" charset="0"/>
+                        </a:rPr>
+                        <a:t>Conversion Rate</a:t>
+                      </a:r>
+                    </a:p>
+                  </a:txBody>
+                  <a:tcPr anchor="ctr">
+                    <a:lnL w="12700" cmpd="sng">
+                      <a:noFill/>
+                    </a:lnL>
+                    <a:lnR w="12700" cmpd="sng">
+                      <a:noFill/>
+                    </a:lnR>
+                    <a:lnT w="12700" cmpd="sng">
+                      <a:noFill/>
+                    </a:lnT>
+                    <a:lnB w="38100" cmpd="sng">
+                      <a:noFill/>
+                    </a:lnB>
+                    <a:lnTlToBr w="12700" cmpd="sng">
+                      <a:noFill/>
+                      <a:prstDash val="solid"/>
+                    </a:lnTlToBr>
+                    <a:lnBlToTr w="12700" cmpd="sng">
+                      <a:noFill/>
+                      <a:prstDash val="solid"/>
+                    </a:lnBlToTr>
+                    <a:noFill/>
+                  </a:tcPr>
+                </a:tc>
+                <a:tc>
+                  <a:txBody>
+                    <a:bodyPr/>
+                    <a:lstStyle/>
+                    <a:p>
+                      <a:pPr algn="ctr"/>
+                      <a:r>
+                        <a:rPr lang="en-US" sz="8800" dirty="0" smtClean="0">
+                          <a:solidFill>
+                            <a:srgbClr val="69B558"/>
+                          </a:solidFill>
+                          <a:latin typeface="SF UI Display" charset="0"/>
+                          <a:ea typeface="SF UI Display" charset="0"/>
+                          <a:cs typeface="SF UI Display" charset="0"/>
+                        </a:rPr>
+                        <a:t>+25%</a:t>
+                      </a:r>
+                    </a:p>
+                    <a:p>
+                      <a:pPr marL="0" marR="0" indent="0" algn="ctr" defTabSz="914400" rtl="0" eaLnBrk="1" fontAlgn="auto" latinLnBrk="0" hangingPunct="1">
+                        <a:lnSpc>
+                          <a:spcPct val="100000"/>
+                        </a:lnSpc>
+                        <a:spcBef>
+                          <a:spcPts val="0"/>
+                        </a:spcBef>
+                        <a:spcAft>
+                          <a:spcPts val="0"/>
+                        </a:spcAft>
+                        <a:buClrTx/>
+                        <a:buSzTx/>
+                        <a:buFontTx/>
+                        <a:buNone/>
+                        <a:tabLst/>
+                        <a:defRPr/>
+                      </a:pPr>
+                      <a:r>
+                        <a:rPr lang="en-US" b="0" i="0" dirty="0" smtClean="0">
+                          <a:solidFill>
+                            <a:srgbClr val="3C3C3C"/>
+                          </a:solidFill>
+                          <a:latin typeface="SF UI Display" charset="0"/>
+                          <a:ea typeface="SF UI Display" charset="0"/>
+                          <a:cs typeface="SF UI Display" charset="0"/>
+                        </a:rPr>
+                        <a:t>Product</a:t>
+                      </a:r>
+                      <a:r>
+                        <a:rPr lang="en-US" b="0" i="0" baseline="0" dirty="0" smtClean="0">
+                          <a:solidFill>
+                            <a:srgbClr val="3C3C3C"/>
+                          </a:solidFill>
+                          <a:latin typeface="SF UI Display" charset="0"/>
+                          <a:ea typeface="SF UI Display" charset="0"/>
+                          <a:cs typeface="SF UI Display" charset="0"/>
+                        </a:rPr>
+                        <a:t> Awareness</a:t>
+                      </a:r>
+                      <a:endParaRPr lang="en-US" b="0" i="0" dirty="0" smtClean="0">
+                        <a:solidFill>
+                          <a:srgbClr val="3C3C3C"/>
+                        </a:solidFill>
+                        <a:latin typeface="SF UI Display" charset="0"/>
+                        <a:ea typeface="SF UI Display" charset="0"/>
+                        <a:cs typeface="SF UI Display" charset="0"/>
+                      </a:endParaRPr>
+                    </a:p>
+                    <a:p>
+                      <a:pPr algn="ctr"/>
+                      <a:endParaRPr lang="en-US" b="0" i="0" dirty="0" smtClean="0">
+                        <a:solidFill>
+                          <a:srgbClr val="3C3C3C"/>
+                        </a:solidFill>
+                        <a:latin typeface="SF UI Display" charset="0"/>
+                        <a:ea typeface="SF UI Display" charset="0"/>
+                        <a:cs typeface="SF UI Display" charset="0"/>
+                      </a:endParaRPr>
+                    </a:p>
+                  </a:txBody>
+                  <a:tcPr anchor="ctr">
+                    <a:lnL w="12700" cmpd="sng">
+                      <a:noFill/>
+                    </a:lnL>
+                    <a:lnR w="12700" cmpd="sng">
+                      <a:noFill/>
+                    </a:lnR>
+                    <a:lnT w="12700" cmpd="sng">
+                      <a:noFill/>
+                    </a:lnT>
+                    <a:lnB w="38100" cmpd="sng">
+                      <a:noFill/>
+                    </a:lnB>
+                    <a:lnTlToBr w="12700" cmpd="sng">
+                      <a:noFill/>
+                      <a:prstDash val="solid"/>
+                    </a:lnTlToBr>
+                    <a:lnBlToTr w="12700" cmpd="sng">
+                      <a:noFill/>
+                      <a:prstDash val="solid"/>
+                    </a:lnBlToTr>
+                    <a:noFill/>
+                  </a:tcPr>
+                </a:tc>
+                <a:tc>
+                  <a:txBody>
+                    <a:bodyPr/>
+                    <a:lstStyle/>
+                    <a:p>
+                      <a:pPr algn="ctr"/>
+                      <a:r>
+                        <a:rPr lang="en-US" sz="6000" dirty="0" smtClean="0">
+                          <a:solidFill>
+                            <a:srgbClr val="69B558"/>
+                          </a:solidFill>
+                          <a:latin typeface="SF UI Display" charset="0"/>
+                          <a:ea typeface="SF UI Display" charset="0"/>
+                          <a:cs typeface="SF UI Display" charset="0"/>
+                        </a:rPr>
+                        <a:t>+20%</a:t>
+                      </a:r>
+                    </a:p>
+                    <a:p>
+                      <a:pPr algn="ctr"/>
+                      <a:r>
+                        <a:rPr lang="en-US" b="0" i="0" dirty="0" smtClean="0">
+                          <a:solidFill>
+                            <a:srgbClr val="3C3C3C"/>
+                          </a:solidFill>
+                          <a:latin typeface="SF UI Display" charset="0"/>
+                          <a:ea typeface="SF UI Display" charset="0"/>
+                          <a:cs typeface="SF UI Display" charset="0"/>
+                        </a:rPr>
+                        <a:t>Web</a:t>
+                      </a:r>
+                      <a:r>
+                        <a:rPr lang="en-US" b="0" i="0" baseline="0" dirty="0" smtClean="0">
+                          <a:solidFill>
+                            <a:srgbClr val="3C3C3C"/>
+                          </a:solidFill>
+                          <a:latin typeface="SF UI Display" charset="0"/>
+                          <a:ea typeface="SF UI Display" charset="0"/>
+                          <a:cs typeface="SF UI Display" charset="0"/>
+                        </a:rPr>
+                        <a:t> Traffic</a:t>
+                      </a:r>
+                      <a:endParaRPr lang="en-US" b="0" i="0" dirty="0">
+                        <a:solidFill>
+                          <a:srgbClr val="3C3C3C"/>
+                        </a:solidFill>
+                        <a:latin typeface="SF UI Display" charset="0"/>
+                        <a:ea typeface="SF UI Display" charset="0"/>
+                        <a:cs typeface="SF UI Display" charset="0"/>
+                      </a:endParaRPr>
+                    </a:p>
+                  </a:txBody>
+                  <a:tcPr anchor="ctr">
+                    <a:lnL w="12700" cmpd="sng">
+                      <a:noFill/>
+                    </a:lnL>
+                    <a:lnR w="12700" cmpd="sng">
+                      <a:noFill/>
+                    </a:lnR>
+                    <a:lnT w="12700" cmpd="sng">
+                      <a:noFill/>
+                    </a:lnT>
+                    <a:lnB w="38100" cmpd="sng">
+                      <a:noFill/>
+                    </a:lnB>
+                    <a:lnTlToBr w="12700" cmpd="sng">
+                      <a:noFill/>
+                      <a:prstDash val="solid"/>
+                    </a:lnTlToBr>
+                    <a:lnBlToTr w="12700" cmpd="sng">
+                      <a:noFill/>
+                      <a:prstDash val="solid"/>
+                    </a:lnBlToTr>
+                    <a:noFill/>
+                  </a:tcPr>
+                </a:tc>
+              </a:tr>
+            </a:tbl>
+          </a:graphicData>
+        </a:graphic>
+      </p:graphicFrame>
     </p:spTree>
     <p:extLst>
       <p:ext uri="{BB962C8B-B14F-4D97-AF65-F5344CB8AC3E}">
@@ -4738,6 +7327,13 @@
   <p:clrMapOvr>
     <a:masterClrMapping/>
   </p:clrMapOvr>
+  <p:timing>
+    <p:tnLst>
+      <p:par>
+        <p:cTn id="1" dur="indefinite" restart="never" nodeType="tmRoot"/>
+      </p:par>
+    </p:tnLst>
+  </p:timing>
 </p:sld>
 </file>
 
@@ -4758,49 +7354,142 @@
           <a:chExt cx="0" cy="0"/>
         </a:xfrm>
       </p:grpSpPr>
-      <p:sp>
-        <p:nvSpPr>
-          <p:cNvPr id="2" name="Title 1"/>
-          <p:cNvSpPr>
-            <a:spLocks noGrp="1"/>
-          </p:cNvSpPr>
-          <p:nvPr>
-            <p:ph type="title"/>
-          </p:nvPr>
-        </p:nvSpPr>
-        <p:spPr/>
-        <p:txBody>
-          <a:bodyPr/>
-          <a:lstStyle/>
-          <a:p>
-            <a:r>
-              <a:rPr lang="en-AU" dirty="0" smtClean="0"/>
-              <a:t>Target Users</a:t>
-            </a:r>
-            <a:endParaRPr lang="en-AU" dirty="0"/>
-          </a:p>
-        </p:txBody>
-      </p:sp>
-      <p:sp>
-        <p:nvSpPr>
-          <p:cNvPr id="3" name="Content Placeholder 2"/>
-          <p:cNvSpPr>
-            <a:spLocks noGrp="1"/>
-          </p:cNvSpPr>
-          <p:nvPr>
-            <p:ph idx="1"/>
-          </p:nvPr>
-        </p:nvSpPr>
-        <p:spPr/>
-        <p:txBody>
-          <a:bodyPr/>
-          <a:lstStyle/>
-          <a:p>
-            <a:r>
-              <a:rPr lang="en-AU" dirty="0" smtClean="0"/>
-              <a:t>Males aged 15-24 who are either students or from low socioeconomic backgrounds in varying levels of employment</a:t>
-            </a:r>
-            <a:endParaRPr lang="en-AU" dirty="0"/>
+      <p:pic>
+        <p:nvPicPr>
+          <p:cNvPr id="4" name="Picture 3"/>
+          <p:cNvPicPr>
+            <a:picLocks noChangeAspect="1"/>
+          </p:cNvPicPr>
+          <p:nvPr/>
+        </p:nvPicPr>
+        <p:blipFill>
+          <a:blip r:embed="rId3"/>
+          <a:stretch>
+            <a:fillRect/>
+          </a:stretch>
+        </p:blipFill>
+        <p:spPr>
+          <a:xfrm flipH="1">
+            <a:off x="838200" y="2606841"/>
+            <a:ext cx="1185268" cy="1676400"/>
+          </a:xfrm>
+          <a:prstGeom prst="rect">
+            <a:avLst/>
+          </a:prstGeom>
+        </p:spPr>
+      </p:pic>
+      <p:sp>
+        <p:nvSpPr>
+          <p:cNvPr id="6" name="Title 3"/>
+          <p:cNvSpPr txBox="1">
+            <a:spLocks/>
+          </p:cNvSpPr>
+          <p:nvPr/>
+        </p:nvSpPr>
+        <p:spPr>
+          <a:xfrm>
+            <a:off x="2148718" y="2782260"/>
+            <a:ext cx="9818693" cy="1325563"/>
+          </a:xfrm>
+          <a:prstGeom prst="rect">
+            <a:avLst/>
+          </a:prstGeom>
+        </p:spPr>
+        <p:txBody>
+          <a:bodyPr vert="horz" lIns="91440" tIns="45720" rIns="91440" bIns="45720" rtlCol="0" anchor="ctr">
+            <a:normAutofit fontScale="97500"/>
+          </a:bodyPr>
+          <a:lstStyle>
+            <a:lvl1pPr algn="l" defTabSz="914400" rtl="0" eaLnBrk="1" latinLnBrk="0" hangingPunct="1">
+              <a:lnSpc>
+                <a:spcPct val="90000"/>
+              </a:lnSpc>
+              <a:spcBef>
+                <a:spcPct val="0"/>
+              </a:spcBef>
+              <a:buNone/>
+              <a:defRPr sz="4400" kern="1200">
+                <a:solidFill>
+                  <a:schemeClr val="tx1"/>
+                </a:solidFill>
+                <a:latin typeface="+mj-lt"/>
+                <a:ea typeface="+mj-ea"/>
+                <a:cs typeface="+mj-cs"/>
+              </a:defRPr>
+            </a:lvl1pPr>
+          </a:lstStyle>
+          <a:p>
+            <a:pPr>
+              <a:lnSpc>
+                <a:spcPct val="100000"/>
+              </a:lnSpc>
+              <a:spcAft>
+                <a:spcPts val="600"/>
+              </a:spcAft>
+            </a:pPr>
+            <a:r>
+              <a:rPr lang="en-US" sz="3200" b="1" dirty="0" smtClean="0">
+                <a:solidFill>
+                  <a:srgbClr val="3C3C3C"/>
+                </a:solidFill>
+                <a:latin typeface="SF UI Display" charset="0"/>
+                <a:ea typeface="SF UI Display" charset="0"/>
+                <a:cs typeface="SF UI Display" charset="0"/>
+              </a:rPr>
+              <a:t>Males</a:t>
+            </a:r>
+            <a:r>
+              <a:rPr lang="en-US" sz="3200" dirty="0" smtClean="0">
+                <a:solidFill>
+                  <a:srgbClr val="3C3C3C"/>
+                </a:solidFill>
+                <a:latin typeface="SF UI Display" charset="0"/>
+                <a:ea typeface="SF UI Display" charset="0"/>
+                <a:cs typeface="SF UI Display" charset="0"/>
+              </a:rPr>
+              <a:t> </a:t>
+            </a:r>
+            <a:r>
+              <a:rPr lang="en-US" sz="3200" dirty="0">
+                <a:solidFill>
+                  <a:srgbClr val="3C3C3C"/>
+                </a:solidFill>
+                <a:latin typeface="SF UI Display" charset="0"/>
+                <a:ea typeface="SF UI Display" charset="0"/>
+                <a:cs typeface="SF UI Display" charset="0"/>
+              </a:rPr>
+              <a:t>from low socioeconomic backgrounds in varying levels of employment</a:t>
+            </a:r>
+            <a:r>
+              <a:rPr lang="en-US" sz="3200" dirty="0" smtClean="0">
+                <a:solidFill>
+                  <a:srgbClr val="3C3C3C"/>
+                </a:solidFill>
+                <a:latin typeface="SF UI Display" charset="0"/>
+                <a:ea typeface="SF UI Display" charset="0"/>
+                <a:cs typeface="SF UI Display" charset="0"/>
+              </a:rPr>
+              <a:t> </a:t>
+            </a:r>
+            <a:r>
+              <a:rPr lang="en-US" sz="3200" b="1" dirty="0" smtClean="0">
+                <a:solidFill>
+                  <a:srgbClr val="3C3C3C"/>
+                </a:solidFill>
+                <a:latin typeface="SF UI Display" charset="0"/>
+                <a:ea typeface="SF UI Display" charset="0"/>
+                <a:cs typeface="SF UI Display" charset="0"/>
+              </a:rPr>
+              <a:t>aged 15 - 24</a:t>
+            </a:r>
+            <a:endParaRPr lang="en-US" sz="3200" b="1" dirty="0">
+              <a:solidFill>
+                <a:srgbClr val="3C3C3C"/>
+              </a:solidFill>
+              <a:latin typeface="SF UI Display" charset="0"/>
+              <a:ea typeface="SF UI Display" charset="0"/>
+              <a:cs typeface="SF UI Display" charset="0"/>
+            </a:endParaRPr>
           </a:p>
         </p:txBody>
       </p:sp>
@@ -4814,6 +7503,13 @@
   <p:clrMapOvr>
     <a:masterClrMapping/>
   </p:clrMapOvr>
+  <p:timing>
+    <p:tnLst>
+      <p:par>
+        <p:cTn id="1" dur="indefinite" restart="never" nodeType="tmRoot"/>
+      </p:par>
+    </p:tnLst>
+  </p:timing>
 </p:sld>
 </file>
 
@@ -4857,25 +7553,6 @@
           </a:p>
         </p:txBody>
       </p:sp>
-      <p:sp>
-        <p:nvSpPr>
-          <p:cNvPr id="3" name="Content Placeholder 2"/>
-          <p:cNvSpPr>
-            <a:spLocks noGrp="1"/>
-          </p:cNvSpPr>
-          <p:nvPr>
-            <p:ph idx="1"/>
-          </p:nvPr>
-        </p:nvSpPr>
-        <p:spPr/>
-        <p:txBody>
-          <a:bodyPr/>
-          <a:lstStyle/>
-          <a:p>
-            <a:endParaRPr lang="en-AU"/>
-          </a:p>
-        </p:txBody>
-      </p:sp>
     </p:spTree>
     <p:extLst>
       <p:ext uri="{BB962C8B-B14F-4D97-AF65-F5344CB8AC3E}">
@@ -4886,6 +7563,13 @@
   <p:clrMapOvr>
     <a:masterClrMapping/>
   </p:clrMapOvr>
+  <p:timing>
+    <p:tnLst>
+      <p:par>
+        <p:cTn id="1" dur="indefinite" restart="never" nodeType="tmRoot"/>
+      </p:par>
+    </p:tnLst>
+  </p:timing>
 </p:sld>
 </file>
 
@@ -4906,58 +7590,768 @@
           <a:chExt cx="0" cy="0"/>
         </a:xfrm>
       </p:grpSpPr>
-      <p:sp>
-        <p:nvSpPr>
-          <p:cNvPr id="2" name="Title 1"/>
-          <p:cNvSpPr>
-            <a:spLocks noGrp="1"/>
-          </p:cNvSpPr>
-          <p:nvPr>
-            <p:ph type="title"/>
-          </p:nvPr>
-        </p:nvSpPr>
-        <p:spPr/>
-        <p:txBody>
-          <a:bodyPr/>
-          <a:lstStyle/>
-          <a:p>
-            <a:r>
-              <a:rPr lang="en-AU" dirty="0" smtClean="0"/>
-              <a:t>Organisation &amp; Structure</a:t>
-            </a:r>
-            <a:endParaRPr lang="en-AU" dirty="0"/>
-          </a:p>
-        </p:txBody>
-      </p:sp>
-      <p:sp>
-        <p:nvSpPr>
-          <p:cNvPr id="3" name="Content Placeholder 2"/>
-          <p:cNvSpPr>
-            <a:spLocks noGrp="1"/>
-          </p:cNvSpPr>
-          <p:nvPr>
-            <p:ph idx="1"/>
-          </p:nvPr>
-        </p:nvSpPr>
-        <p:spPr/>
-        <p:txBody>
-          <a:bodyPr/>
-          <a:lstStyle/>
-          <a:p>
-            <a:endParaRPr lang="en-AU"/>
+      <p:grpSp>
+        <p:nvGrpSpPr>
+          <p:cNvPr id="13" name="Group 12"/>
+          <p:cNvGrpSpPr/>
+          <p:nvPr/>
+        </p:nvGrpSpPr>
+        <p:grpSpPr>
+          <a:xfrm>
+            <a:off x="838200" y="2562656"/>
+            <a:ext cx="10619875" cy="2823875"/>
+            <a:chOff x="492458" y="2315964"/>
+            <a:chExt cx="10619875" cy="2823875"/>
+          </a:xfrm>
+        </p:grpSpPr>
+        <p:sp>
+          <p:nvSpPr>
+            <p:cNvPr id="5" name="Rounded Rectangle 4"/>
+            <p:cNvSpPr/>
+            <p:nvPr/>
+          </p:nvSpPr>
+          <p:spPr>
+            <a:xfrm>
+              <a:off x="1556083" y="2315964"/>
+              <a:ext cx="1892968" cy="802105"/>
+            </a:xfrm>
+            <a:prstGeom prst="roundRect">
+              <a:avLst/>
+            </a:prstGeom>
+            <a:solidFill>
+              <a:srgbClr val="3C3C3C"/>
+            </a:solidFill>
+            <a:ln>
+              <a:noFill/>
+            </a:ln>
+          </p:spPr>
+          <p:style>
+            <a:lnRef idx="2">
+              <a:schemeClr val="accent1">
+                <a:shade val="50000"/>
+              </a:schemeClr>
+            </a:lnRef>
+            <a:fillRef idx="1">
+              <a:schemeClr val="accent1"/>
+            </a:fillRef>
+            <a:effectRef idx="0">
+              <a:schemeClr val="accent1"/>
+            </a:effectRef>
+            <a:fontRef idx="minor">
+              <a:schemeClr val="lt1"/>
+            </a:fontRef>
+          </p:style>
+          <p:txBody>
+            <a:bodyPr rtlCol="0" anchor="ctr"/>
+            <a:lstStyle/>
+            <a:p>
+              <a:pPr algn="ctr"/>
+              <a:r>
+                <a:rPr lang="en-US" dirty="0" smtClean="0">
+                  <a:latin typeface="SF UI Display" charset="0"/>
+                  <a:ea typeface="SF UI Display" charset="0"/>
+                  <a:cs typeface="SF UI Display" charset="0"/>
+                </a:rPr>
+                <a:t>Index</a:t>
+              </a:r>
+              <a:endParaRPr lang="en-US" dirty="0">
+                <a:latin typeface="SF UI Display" charset="0"/>
+                <a:ea typeface="SF UI Display" charset="0"/>
+                <a:cs typeface="SF UI Display" charset="0"/>
+              </a:endParaRPr>
+            </a:p>
+          </p:txBody>
+        </p:sp>
+        <p:sp>
+          <p:nvSpPr>
+            <p:cNvPr id="6" name="Rounded Rectangle 5"/>
+            <p:cNvSpPr/>
+            <p:nvPr/>
+          </p:nvSpPr>
+          <p:spPr>
+            <a:xfrm>
+              <a:off x="492458" y="3501422"/>
+              <a:ext cx="1892968" cy="802105"/>
+            </a:xfrm>
+            <a:prstGeom prst="roundRect">
+              <a:avLst/>
+            </a:prstGeom>
+            <a:solidFill>
+              <a:srgbClr val="3C3C3C"/>
+            </a:solidFill>
+            <a:ln>
+              <a:noFill/>
+            </a:ln>
+          </p:spPr>
+          <p:style>
+            <a:lnRef idx="2">
+              <a:schemeClr val="accent1">
+                <a:shade val="50000"/>
+              </a:schemeClr>
+            </a:lnRef>
+            <a:fillRef idx="1">
+              <a:schemeClr val="accent1"/>
+            </a:fillRef>
+            <a:effectRef idx="0">
+              <a:schemeClr val="accent1"/>
+            </a:effectRef>
+            <a:fontRef idx="minor">
+              <a:schemeClr val="lt1"/>
+            </a:fontRef>
+          </p:style>
+          <p:txBody>
+            <a:bodyPr rtlCol="0" anchor="ctr"/>
+            <a:lstStyle/>
+            <a:p>
+              <a:pPr algn="ctr"/>
+              <a:r>
+                <a:rPr lang="en-US" dirty="0" smtClean="0">
+                  <a:latin typeface="SF UI Display" charset="0"/>
+                  <a:ea typeface="SF UI Display" charset="0"/>
+                  <a:cs typeface="SF UI Display" charset="0"/>
+                </a:rPr>
+                <a:t>Courses</a:t>
+              </a:r>
+              <a:endParaRPr lang="en-US" dirty="0">
+                <a:latin typeface="SF UI Display" charset="0"/>
+                <a:ea typeface="SF UI Display" charset="0"/>
+                <a:cs typeface="SF UI Display" charset="0"/>
+              </a:endParaRPr>
+            </a:p>
+          </p:txBody>
+        </p:sp>
+        <p:sp>
+          <p:nvSpPr>
+            <p:cNvPr id="7" name="Rounded Rectangle 6"/>
+            <p:cNvSpPr/>
+            <p:nvPr/>
+          </p:nvSpPr>
+          <p:spPr>
+            <a:xfrm>
+              <a:off x="2626058" y="3501422"/>
+              <a:ext cx="1892968" cy="802105"/>
+            </a:xfrm>
+            <a:prstGeom prst="roundRect">
+              <a:avLst/>
+            </a:prstGeom>
+            <a:solidFill>
+              <a:srgbClr val="3C3C3C"/>
+            </a:solidFill>
+            <a:ln>
+              <a:noFill/>
+            </a:ln>
+          </p:spPr>
+          <p:style>
+            <a:lnRef idx="2">
+              <a:schemeClr val="accent1">
+                <a:shade val="50000"/>
+              </a:schemeClr>
+            </a:lnRef>
+            <a:fillRef idx="1">
+              <a:schemeClr val="accent1"/>
+            </a:fillRef>
+            <a:effectRef idx="0">
+              <a:schemeClr val="accent1"/>
+            </a:effectRef>
+            <a:fontRef idx="minor">
+              <a:schemeClr val="lt1"/>
+            </a:fontRef>
+          </p:style>
+          <p:txBody>
+            <a:bodyPr rtlCol="0" anchor="ctr"/>
+            <a:lstStyle/>
+            <a:p>
+              <a:pPr algn="ctr"/>
+              <a:r>
+                <a:rPr lang="en-US" dirty="0" smtClean="0">
+                  <a:latin typeface="SF UI Display" charset="0"/>
+                  <a:ea typeface="SF UI Display" charset="0"/>
+                  <a:cs typeface="SF UI Display" charset="0"/>
+                </a:rPr>
+                <a:t>Login</a:t>
+              </a:r>
+              <a:endParaRPr lang="en-US" dirty="0">
+                <a:latin typeface="SF UI Display" charset="0"/>
+                <a:ea typeface="SF UI Display" charset="0"/>
+                <a:cs typeface="SF UI Display" charset="0"/>
+              </a:endParaRPr>
+            </a:p>
+          </p:txBody>
+        </p:sp>
+        <p:sp>
+          <p:nvSpPr>
+            <p:cNvPr id="12" name="Rounded Rectangle 11"/>
+            <p:cNvSpPr/>
+            <p:nvPr/>
+          </p:nvSpPr>
+          <p:spPr>
+            <a:xfrm>
+              <a:off x="838200" y="4630735"/>
+              <a:ext cx="1201484" cy="509104"/>
+            </a:xfrm>
+            <a:prstGeom prst="roundRect">
+              <a:avLst>
+                <a:gd name="adj" fmla="val 50000"/>
+              </a:avLst>
+            </a:prstGeom>
+            <a:solidFill>
+              <a:srgbClr val="3C3C3C"/>
+            </a:solidFill>
+            <a:ln>
+              <a:noFill/>
+            </a:ln>
+          </p:spPr>
+          <p:style>
+            <a:lnRef idx="2">
+              <a:schemeClr val="accent1">
+                <a:shade val="50000"/>
+              </a:schemeClr>
+            </a:lnRef>
+            <a:fillRef idx="1">
+              <a:schemeClr val="accent1"/>
+            </a:fillRef>
+            <a:effectRef idx="0">
+              <a:schemeClr val="accent1"/>
+            </a:effectRef>
+            <a:fontRef idx="minor">
+              <a:schemeClr val="lt1"/>
+            </a:fontRef>
+          </p:style>
+          <p:txBody>
+            <a:bodyPr rtlCol="0" anchor="ctr"/>
+            <a:lstStyle/>
+            <a:p>
+              <a:pPr algn="ctr"/>
+              <a:r>
+                <a:rPr lang="en-US" dirty="0" smtClean="0">
+                  <a:latin typeface="SF UI Display" charset="0"/>
+                  <a:ea typeface="SF UI Display" charset="0"/>
+                  <a:cs typeface="SF UI Display" charset="0"/>
+                </a:rPr>
+                <a:t>Course</a:t>
+              </a:r>
+              <a:endParaRPr lang="en-US" dirty="0">
+                <a:latin typeface="SF UI Display" charset="0"/>
+                <a:ea typeface="SF UI Display" charset="0"/>
+                <a:cs typeface="SF UI Display" charset="0"/>
+              </a:endParaRPr>
+            </a:p>
+          </p:txBody>
+        </p:sp>
+        <p:sp>
+          <p:nvSpPr>
+            <p:cNvPr id="34" name="Rounded Rectangle 33"/>
+            <p:cNvSpPr/>
+            <p:nvPr/>
+          </p:nvSpPr>
+          <p:spPr>
+            <a:xfrm>
+              <a:off x="4823827" y="3501422"/>
+              <a:ext cx="1892968" cy="802105"/>
+            </a:xfrm>
+            <a:prstGeom prst="roundRect">
+              <a:avLst/>
+            </a:prstGeom>
+            <a:solidFill>
+              <a:srgbClr val="3C3C3C"/>
+            </a:solidFill>
+            <a:ln>
+              <a:noFill/>
+            </a:ln>
+          </p:spPr>
+          <p:style>
+            <a:lnRef idx="2">
+              <a:schemeClr val="accent1">
+                <a:shade val="50000"/>
+              </a:schemeClr>
+            </a:lnRef>
+            <a:fillRef idx="1">
+              <a:schemeClr val="accent1"/>
+            </a:fillRef>
+            <a:effectRef idx="0">
+              <a:schemeClr val="accent1"/>
+            </a:effectRef>
+            <a:fontRef idx="minor">
+              <a:schemeClr val="lt1"/>
+            </a:fontRef>
+          </p:style>
+          <p:txBody>
+            <a:bodyPr rtlCol="0" anchor="ctr"/>
+            <a:lstStyle/>
+            <a:p>
+              <a:pPr algn="ctr"/>
+              <a:r>
+                <a:rPr lang="en-US" dirty="0" smtClean="0">
+                  <a:latin typeface="SF UI Display" charset="0"/>
+                  <a:ea typeface="SF UI Display" charset="0"/>
+                  <a:cs typeface="SF UI Display" charset="0"/>
+                </a:rPr>
+                <a:t>About</a:t>
+              </a:r>
+              <a:endParaRPr lang="en-US" dirty="0">
+                <a:latin typeface="SF UI Display" charset="0"/>
+                <a:ea typeface="SF UI Display" charset="0"/>
+                <a:cs typeface="SF UI Display" charset="0"/>
+              </a:endParaRPr>
+            </a:p>
+          </p:txBody>
+        </p:sp>
+        <p:sp>
+          <p:nvSpPr>
+            <p:cNvPr id="35" name="Rounded Rectangle 34"/>
+            <p:cNvSpPr/>
+            <p:nvPr/>
+          </p:nvSpPr>
+          <p:spPr>
+            <a:xfrm>
+              <a:off x="7021596" y="3501422"/>
+              <a:ext cx="1892968" cy="802105"/>
+            </a:xfrm>
+            <a:prstGeom prst="roundRect">
+              <a:avLst/>
+            </a:prstGeom>
+            <a:solidFill>
+              <a:srgbClr val="3C3C3C"/>
+            </a:solidFill>
+            <a:ln>
+              <a:noFill/>
+            </a:ln>
+          </p:spPr>
+          <p:style>
+            <a:lnRef idx="2">
+              <a:schemeClr val="accent1">
+                <a:shade val="50000"/>
+              </a:schemeClr>
+            </a:lnRef>
+            <a:fillRef idx="1">
+              <a:schemeClr val="accent1"/>
+            </a:fillRef>
+            <a:effectRef idx="0">
+              <a:schemeClr val="accent1"/>
+            </a:effectRef>
+            <a:fontRef idx="minor">
+              <a:schemeClr val="lt1"/>
+            </a:fontRef>
+          </p:style>
+          <p:txBody>
+            <a:bodyPr rtlCol="0" anchor="ctr"/>
+            <a:lstStyle/>
+            <a:p>
+              <a:pPr algn="ctr"/>
+              <a:r>
+                <a:rPr lang="en-US" dirty="0" smtClean="0">
+                  <a:latin typeface="SF UI Display" charset="0"/>
+                  <a:ea typeface="SF UI Display" charset="0"/>
+                  <a:cs typeface="SF UI Display" charset="0"/>
+                </a:rPr>
+                <a:t>Contact</a:t>
+              </a:r>
+              <a:endParaRPr lang="en-US" dirty="0">
+                <a:latin typeface="SF UI Display" charset="0"/>
+                <a:ea typeface="SF UI Display" charset="0"/>
+                <a:cs typeface="SF UI Display" charset="0"/>
+              </a:endParaRPr>
+            </a:p>
+          </p:txBody>
+        </p:sp>
+        <p:sp>
+          <p:nvSpPr>
+            <p:cNvPr id="36" name="Rounded Rectangle 35"/>
+            <p:cNvSpPr/>
+            <p:nvPr/>
+          </p:nvSpPr>
+          <p:spPr>
+            <a:xfrm>
+              <a:off x="9219365" y="3489939"/>
+              <a:ext cx="1892968" cy="802105"/>
+            </a:xfrm>
+            <a:prstGeom prst="roundRect">
+              <a:avLst/>
+            </a:prstGeom>
+            <a:solidFill>
+              <a:srgbClr val="3C3C3C"/>
+            </a:solidFill>
+            <a:ln>
+              <a:noFill/>
+            </a:ln>
+          </p:spPr>
+          <p:style>
+            <a:lnRef idx="2">
+              <a:schemeClr val="accent1">
+                <a:shade val="50000"/>
+              </a:schemeClr>
+            </a:lnRef>
+            <a:fillRef idx="1">
+              <a:schemeClr val="accent1"/>
+            </a:fillRef>
+            <a:effectRef idx="0">
+              <a:schemeClr val="accent1"/>
+            </a:effectRef>
+            <a:fontRef idx="minor">
+              <a:schemeClr val="lt1"/>
+            </a:fontRef>
+          </p:style>
+          <p:txBody>
+            <a:bodyPr rtlCol="0" anchor="ctr"/>
+            <a:lstStyle/>
+            <a:p>
+              <a:pPr algn="ctr"/>
+              <a:r>
+                <a:rPr lang="en-US" dirty="0" err="1" smtClean="0">
+                  <a:latin typeface="SF UI Display" charset="0"/>
+                  <a:ea typeface="SF UI Display" charset="0"/>
+                  <a:cs typeface="SF UI Display" charset="0"/>
+                </a:rPr>
+                <a:t>Faq</a:t>
+              </a:r>
+              <a:endParaRPr lang="en-US" dirty="0">
+                <a:latin typeface="SF UI Display" charset="0"/>
+                <a:ea typeface="SF UI Display" charset="0"/>
+                <a:cs typeface="SF UI Display" charset="0"/>
+              </a:endParaRPr>
+            </a:p>
+          </p:txBody>
+        </p:sp>
+      </p:grpSp>
+      <p:cxnSp>
+        <p:nvCxnSpPr>
+          <p:cNvPr id="24" name="Elbow Connector 23"/>
+          <p:cNvCxnSpPr>
+            <a:stCxn id="5" idx="2"/>
+            <a:endCxn id="6" idx="0"/>
+          </p:cNvCxnSpPr>
+          <p:nvPr/>
+        </p:nvCxnSpPr>
+        <p:spPr>
+          <a:xfrm rot="5400000">
+            <a:off x="2124821" y="3024625"/>
+            <a:ext cx="383353" cy="1063625"/>
+          </a:xfrm>
+          <a:prstGeom prst="bentConnector3">
+            <a:avLst>
+              <a:gd name="adj1" fmla="val 50000"/>
+            </a:avLst>
+          </a:prstGeom>
+          <a:ln w="25400">
+            <a:solidFill>
+              <a:srgbClr val="69B558"/>
+            </a:solidFill>
+            <a:tailEnd type="triangle"/>
+          </a:ln>
+        </p:spPr>
+        <p:style>
+          <a:lnRef idx="1">
+            <a:schemeClr val="accent1"/>
+          </a:lnRef>
+          <a:fillRef idx="0">
+            <a:schemeClr val="accent1"/>
+          </a:fillRef>
+          <a:effectRef idx="0">
+            <a:schemeClr val="accent1"/>
+          </a:effectRef>
+          <a:fontRef idx="minor">
+            <a:schemeClr val="tx1"/>
+          </a:fontRef>
+        </p:style>
+      </p:cxnSp>
+      <p:cxnSp>
+        <p:nvCxnSpPr>
+          <p:cNvPr id="30" name="Elbow Connector 29"/>
+          <p:cNvCxnSpPr>
+            <a:stCxn id="5" idx="2"/>
+            <a:endCxn id="7" idx="0"/>
+          </p:cNvCxnSpPr>
+          <p:nvPr/>
+        </p:nvCxnSpPr>
+        <p:spPr>
+          <a:xfrm rot="16200000" flipH="1">
+            <a:off x="3191620" y="3021449"/>
+            <a:ext cx="383353" cy="1069975"/>
+          </a:xfrm>
+          <a:prstGeom prst="bentConnector3">
+            <a:avLst/>
+          </a:prstGeom>
+          <a:ln w="25400">
+            <a:solidFill>
+              <a:srgbClr val="69B558"/>
+            </a:solidFill>
+            <a:tailEnd type="triangle"/>
+          </a:ln>
+        </p:spPr>
+        <p:style>
+          <a:lnRef idx="1">
+            <a:schemeClr val="accent1"/>
+          </a:lnRef>
+          <a:fillRef idx="0">
+            <a:schemeClr val="accent1"/>
+          </a:fillRef>
+          <a:effectRef idx="0">
+            <a:schemeClr val="accent1"/>
+          </a:effectRef>
+          <a:fontRef idx="minor">
+            <a:schemeClr val="tx1"/>
+          </a:fontRef>
+        </p:style>
+      </p:cxnSp>
+      <p:cxnSp>
+        <p:nvCxnSpPr>
+          <p:cNvPr id="32" name="Straight Arrow Connector 31"/>
+          <p:cNvCxnSpPr>
+            <a:stCxn id="6" idx="2"/>
+            <a:endCxn id="12" idx="0"/>
+          </p:cNvCxnSpPr>
+          <p:nvPr/>
+        </p:nvCxnSpPr>
+        <p:spPr>
+          <a:xfrm>
+            <a:off x="1784684" y="4550219"/>
+            <a:ext cx="0" cy="327208"/>
+          </a:xfrm>
+          <a:prstGeom prst="straightConnector1">
+            <a:avLst/>
+          </a:prstGeom>
+          <a:ln w="25400">
+            <a:solidFill>
+              <a:srgbClr val="69B558"/>
+            </a:solidFill>
+            <a:tailEnd type="triangle"/>
+          </a:ln>
+        </p:spPr>
+        <p:style>
+          <a:lnRef idx="1">
+            <a:schemeClr val="accent1"/>
+          </a:lnRef>
+          <a:fillRef idx="0">
+            <a:schemeClr val="accent1"/>
+          </a:fillRef>
+          <a:effectRef idx="0">
+            <a:schemeClr val="accent1"/>
+          </a:effectRef>
+          <a:fontRef idx="minor">
+            <a:schemeClr val="tx1"/>
+          </a:fontRef>
+        </p:style>
+      </p:cxnSp>
+      <p:cxnSp>
+        <p:nvCxnSpPr>
+          <p:cNvPr id="38" name="Elbow Connector 37"/>
+          <p:cNvCxnSpPr>
+            <a:stCxn id="5" idx="3"/>
+            <a:endCxn id="34" idx="0"/>
+          </p:cNvCxnSpPr>
+          <p:nvPr/>
+        </p:nvCxnSpPr>
+        <p:spPr>
+          <a:xfrm>
+            <a:off x="3794793" y="2963709"/>
+            <a:ext cx="2321260" cy="784405"/>
+          </a:xfrm>
+          <a:prstGeom prst="bentConnector2">
+            <a:avLst/>
+          </a:prstGeom>
+          <a:ln w="25400">
+            <a:solidFill>
+              <a:srgbClr val="69B558"/>
+            </a:solidFill>
+            <a:tailEnd type="triangle"/>
+          </a:ln>
+        </p:spPr>
+        <p:style>
+          <a:lnRef idx="1">
+            <a:schemeClr val="accent1"/>
+          </a:lnRef>
+          <a:fillRef idx="0">
+            <a:schemeClr val="accent1"/>
+          </a:fillRef>
+          <a:effectRef idx="0">
+            <a:schemeClr val="accent1"/>
+          </a:effectRef>
+          <a:fontRef idx="minor">
+            <a:schemeClr val="tx1"/>
+          </a:fontRef>
+        </p:style>
+      </p:cxnSp>
+      <p:cxnSp>
+        <p:nvCxnSpPr>
+          <p:cNvPr id="40" name="Elbow Connector 39"/>
+          <p:cNvCxnSpPr>
+            <a:stCxn id="5" idx="3"/>
+            <a:endCxn id="35" idx="0"/>
+          </p:cNvCxnSpPr>
+          <p:nvPr/>
+        </p:nvCxnSpPr>
+        <p:spPr>
+          <a:xfrm>
+            <a:off x="3794793" y="2963709"/>
+            <a:ext cx="4519029" cy="784405"/>
+          </a:xfrm>
+          <a:prstGeom prst="bentConnector2">
+            <a:avLst/>
+          </a:prstGeom>
+          <a:ln w="25400">
+            <a:solidFill>
+              <a:srgbClr val="69B558"/>
+            </a:solidFill>
+            <a:tailEnd type="triangle"/>
+          </a:ln>
+        </p:spPr>
+        <p:style>
+          <a:lnRef idx="1">
+            <a:schemeClr val="accent1"/>
+          </a:lnRef>
+          <a:fillRef idx="0">
+            <a:schemeClr val="accent1"/>
+          </a:fillRef>
+          <a:effectRef idx="0">
+            <a:schemeClr val="accent1"/>
+          </a:effectRef>
+          <a:fontRef idx="minor">
+            <a:schemeClr val="tx1"/>
+          </a:fontRef>
+        </p:style>
+      </p:cxnSp>
+      <p:cxnSp>
+        <p:nvCxnSpPr>
+          <p:cNvPr id="43" name="Elbow Connector 42"/>
+          <p:cNvCxnSpPr>
+            <a:stCxn id="5" idx="3"/>
+            <a:endCxn id="36" idx="0"/>
+          </p:cNvCxnSpPr>
+          <p:nvPr/>
+        </p:nvCxnSpPr>
+        <p:spPr>
+          <a:xfrm>
+            <a:off x="3794793" y="2963709"/>
+            <a:ext cx="6716798" cy="772922"/>
+          </a:xfrm>
+          <a:prstGeom prst="bentConnector2">
+            <a:avLst/>
+          </a:prstGeom>
+          <a:ln w="25400">
+            <a:solidFill>
+              <a:srgbClr val="69B558"/>
+            </a:solidFill>
+            <a:tailEnd type="triangle"/>
+          </a:ln>
+        </p:spPr>
+        <p:style>
+          <a:lnRef idx="1">
+            <a:schemeClr val="accent1"/>
+          </a:lnRef>
+          <a:fillRef idx="0">
+            <a:schemeClr val="accent1"/>
+          </a:fillRef>
+          <a:effectRef idx="0">
+            <a:schemeClr val="accent1"/>
+          </a:effectRef>
+          <a:fontRef idx="minor">
+            <a:schemeClr val="tx1"/>
+          </a:fontRef>
+        </p:style>
+      </p:cxnSp>
+      <p:sp>
+        <p:nvSpPr>
+          <p:cNvPr id="46" name="Title 1"/>
+          <p:cNvSpPr txBox="1">
+            <a:spLocks/>
+          </p:cNvSpPr>
+          <p:nvPr/>
+        </p:nvSpPr>
+        <p:spPr>
+          <a:xfrm>
+            <a:off x="1465736" y="318188"/>
+            <a:ext cx="9300633" cy="1092201"/>
+          </a:xfrm>
+          <a:prstGeom prst="rect">
+            <a:avLst/>
+          </a:prstGeom>
+        </p:spPr>
+        <p:txBody>
+          <a:bodyPr vert="horz" lIns="91440" tIns="45720" rIns="91440" bIns="45720" rtlCol="0" anchor="ctr">
+            <a:noAutofit/>
+          </a:bodyPr>
+          <a:lstStyle>
+            <a:lvl1pPr algn="l" defTabSz="914400" rtl="0" eaLnBrk="1" latinLnBrk="0" hangingPunct="1">
+              <a:lnSpc>
+                <a:spcPct val="90000"/>
+              </a:lnSpc>
+              <a:spcBef>
+                <a:spcPct val="0"/>
+              </a:spcBef>
+              <a:buNone/>
+              <a:defRPr sz="4400" kern="1200">
+                <a:solidFill>
+                  <a:schemeClr val="tx1"/>
+                </a:solidFill>
+                <a:latin typeface="+mj-lt"/>
+                <a:ea typeface="+mj-ea"/>
+                <a:cs typeface="+mj-cs"/>
+              </a:defRPr>
+            </a:lvl1pPr>
+          </a:lstStyle>
+          <a:p>
+            <a:pPr algn="ctr"/>
+            <a:r>
+              <a:rPr lang="en-US" sz="4000" b="1" dirty="0" smtClean="0">
+                <a:solidFill>
+                  <a:srgbClr val="3C3C3C"/>
+                </a:solidFill>
+                <a:latin typeface="SF UI Display" charset="0"/>
+                <a:ea typeface="SF UI Display" charset="0"/>
+                <a:cs typeface="SF UI Display" charset="0"/>
+              </a:rPr>
+              <a:t>Structure</a:t>
+            </a:r>
+            <a:r>
+              <a:rPr lang="en-US" sz="4000" dirty="0" smtClean="0">
+                <a:solidFill>
+                  <a:srgbClr val="3C3C3C"/>
+                </a:solidFill>
+                <a:latin typeface="SF UI Display" charset="0"/>
+                <a:ea typeface="SF UI Display" charset="0"/>
+                <a:cs typeface="SF UI Display" charset="0"/>
+              </a:rPr>
+              <a:t> and </a:t>
+            </a:r>
+            <a:r>
+              <a:rPr lang="en-US" sz="4000" b="1" dirty="0" smtClean="0">
+                <a:solidFill>
+                  <a:srgbClr val="3C3C3C"/>
+                </a:solidFill>
+                <a:latin typeface="SF UI Display" charset="0"/>
+                <a:ea typeface="SF UI Display" charset="0"/>
+                <a:cs typeface="SF UI Display" charset="0"/>
+              </a:rPr>
+              <a:t>Organization</a:t>
+            </a:r>
+            <a:endParaRPr lang="en-US" sz="4000" b="1" dirty="0">
+              <a:solidFill>
+                <a:srgbClr val="3C3C3C"/>
+              </a:solidFill>
+              <a:latin typeface="SF UI Display" charset="0"/>
+              <a:ea typeface="SF UI Display" charset="0"/>
+              <a:cs typeface="SF UI Display" charset="0"/>
+            </a:endParaRPr>
           </a:p>
         </p:txBody>
       </p:sp>
     </p:spTree>
     <p:extLst>
       <p:ext uri="{BB962C8B-B14F-4D97-AF65-F5344CB8AC3E}">
-        <p14:creationId xmlns:p14="http://schemas.microsoft.com/office/powerpoint/2010/main" val="1938638128"/>
+        <p14:creationId xmlns:p14="http://schemas.microsoft.com/office/powerpoint/2010/main" val="1190753703"/>
       </p:ext>
     </p:extLst>
   </p:cSld>
   <p:clrMapOvr>
     <a:masterClrMapping/>
   </p:clrMapOvr>
+  <p:timing>
+    <p:tnLst>
+      <p:par>
+        <p:cTn id="1" dur="indefinite" restart="never" nodeType="tmRoot"/>
+      </p:par>
+    </p:tnLst>
+  </p:timing>
 </p:sld>
 </file>
 
@@ -4978,58 +8372,742 @@
           <a:chExt cx="0" cy="0"/>
         </a:xfrm>
       </p:grpSpPr>
-      <p:sp>
-        <p:nvSpPr>
-          <p:cNvPr id="2" name="Title 1"/>
-          <p:cNvSpPr>
-            <a:spLocks noGrp="1"/>
-          </p:cNvSpPr>
-          <p:nvPr>
-            <p:ph type="title"/>
-          </p:nvPr>
-        </p:nvSpPr>
-        <p:spPr/>
-        <p:txBody>
-          <a:bodyPr/>
-          <a:lstStyle/>
-          <a:p>
-            <a:r>
-              <a:rPr lang="en-AU" dirty="0" smtClean="0"/>
-              <a:t>Colour &amp; Typography</a:t>
-            </a:r>
-            <a:endParaRPr lang="en-AU" dirty="0"/>
-          </a:p>
-        </p:txBody>
-      </p:sp>
-      <p:sp>
-        <p:nvSpPr>
-          <p:cNvPr id="3" name="Content Placeholder 2"/>
-          <p:cNvSpPr>
-            <a:spLocks noGrp="1"/>
-          </p:cNvSpPr>
-          <p:nvPr>
-            <p:ph idx="1"/>
-          </p:nvPr>
-        </p:nvSpPr>
-        <p:spPr/>
-        <p:txBody>
-          <a:bodyPr/>
-          <a:lstStyle/>
-          <a:p>
-            <a:endParaRPr lang="en-AU"/>
-          </a:p>
-        </p:txBody>
-      </p:sp>
+      <p:grpSp>
+        <p:nvGrpSpPr>
+          <p:cNvPr id="30" name="Group 29"/>
+          <p:cNvGrpSpPr/>
+          <p:nvPr/>
+        </p:nvGrpSpPr>
+        <p:grpSpPr>
+          <a:xfrm>
+            <a:off x="1467915" y="886517"/>
+            <a:ext cx="9256169" cy="5084966"/>
+            <a:chOff x="1700694" y="2556105"/>
+            <a:chExt cx="9256169" cy="5084966"/>
+          </a:xfrm>
+        </p:grpSpPr>
+        <p:pic>
+          <p:nvPicPr>
+            <p:cNvPr id="8" name="Picture 7"/>
+            <p:cNvPicPr>
+              <a:picLocks noChangeAspect="1"/>
+            </p:cNvPicPr>
+            <p:nvPr/>
+          </p:nvPicPr>
+          <p:blipFill>
+            <a:blip r:embed="rId2">
+              <a:extLst>
+                <a:ext uri="{28A0092B-C50C-407E-A947-70E740481C1C}">
+                  <a14:useLocalDpi xmlns:a14="http://schemas.microsoft.com/office/drawing/2010/main" val="0"/>
+                </a:ext>
+              </a:extLst>
+            </a:blip>
+            <a:stretch>
+              <a:fillRect/>
+            </a:stretch>
+          </p:blipFill>
+          <p:spPr>
+            <a:xfrm>
+              <a:off x="1772971" y="6206554"/>
+              <a:ext cx="1070308" cy="1070308"/>
+            </a:xfrm>
+            <a:prstGeom prst="rect">
+              <a:avLst/>
+            </a:prstGeom>
+          </p:spPr>
+        </p:pic>
+        <p:pic>
+          <p:nvPicPr>
+            <p:cNvPr id="9" name="Picture 8"/>
+            <p:cNvPicPr>
+              <a:picLocks noChangeAspect="1"/>
+            </p:cNvPicPr>
+            <p:nvPr/>
+          </p:nvPicPr>
+          <p:blipFill>
+            <a:blip r:embed="rId3">
+              <a:extLst>
+                <a:ext uri="{28A0092B-C50C-407E-A947-70E740481C1C}">
+                  <a14:useLocalDpi xmlns:a14="http://schemas.microsoft.com/office/drawing/2010/main" val="0"/>
+                </a:ext>
+              </a:extLst>
+            </a:blip>
+            <a:stretch>
+              <a:fillRect/>
+            </a:stretch>
+          </p:blipFill>
+          <p:spPr>
+            <a:xfrm>
+              <a:off x="1700694" y="2556105"/>
+              <a:ext cx="1070308" cy="1070308"/>
+            </a:xfrm>
+            <a:prstGeom prst="rect">
+              <a:avLst/>
+            </a:prstGeom>
+          </p:spPr>
+        </p:pic>
+        <p:pic>
+          <p:nvPicPr>
+            <p:cNvPr id="10" name="Picture 9"/>
+            <p:cNvPicPr>
+              <a:picLocks noChangeAspect="1"/>
+            </p:cNvPicPr>
+            <p:nvPr/>
+          </p:nvPicPr>
+          <p:blipFill>
+            <a:blip r:embed="rId3">
+              <a:extLst>
+                <a:ext uri="{28A0092B-C50C-407E-A947-70E740481C1C}">
+                  <a14:useLocalDpi xmlns:a14="http://schemas.microsoft.com/office/drawing/2010/main" val="0"/>
+                </a:ext>
+              </a:extLst>
+            </a:blip>
+            <a:stretch>
+              <a:fillRect/>
+            </a:stretch>
+          </p:blipFill>
+          <p:spPr>
+            <a:xfrm>
+              <a:off x="1700694" y="3690185"/>
+              <a:ext cx="1070308" cy="1070308"/>
+            </a:xfrm>
+            <a:prstGeom prst="rect">
+              <a:avLst/>
+            </a:prstGeom>
+          </p:spPr>
+        </p:pic>
+        <p:pic>
+          <p:nvPicPr>
+            <p:cNvPr id="11" name="Picture 10"/>
+            <p:cNvPicPr>
+              <a:picLocks noChangeAspect="1"/>
+            </p:cNvPicPr>
+            <p:nvPr/>
+          </p:nvPicPr>
+          <p:blipFill>
+            <a:blip r:embed="rId3">
+              <a:extLst>
+                <a:ext uri="{28A0092B-C50C-407E-A947-70E740481C1C}">
+                  <a14:useLocalDpi xmlns:a14="http://schemas.microsoft.com/office/drawing/2010/main" val="0"/>
+                </a:ext>
+              </a:extLst>
+            </a:blip>
+            <a:stretch>
+              <a:fillRect/>
+            </a:stretch>
+          </p:blipFill>
+          <p:spPr>
+            <a:xfrm>
+              <a:off x="1700694" y="4824265"/>
+              <a:ext cx="1070308" cy="1070308"/>
+            </a:xfrm>
+            <a:prstGeom prst="rect">
+              <a:avLst/>
+            </a:prstGeom>
+          </p:spPr>
+        </p:pic>
+        <p:pic>
+          <p:nvPicPr>
+            <p:cNvPr id="12" name="Picture 11"/>
+            <p:cNvPicPr>
+              <a:picLocks noChangeAspect="1"/>
+            </p:cNvPicPr>
+            <p:nvPr/>
+          </p:nvPicPr>
+          <p:blipFill>
+            <a:blip r:embed="rId3">
+              <a:extLst>
+                <a:ext uri="{28A0092B-C50C-407E-A947-70E740481C1C}">
+                  <a14:useLocalDpi xmlns:a14="http://schemas.microsoft.com/office/drawing/2010/main" val="0"/>
+                </a:ext>
+              </a:extLst>
+            </a:blip>
+            <a:stretch>
+              <a:fillRect/>
+            </a:stretch>
+          </p:blipFill>
+          <p:spPr>
+            <a:xfrm>
+              <a:off x="7582150" y="2556105"/>
+              <a:ext cx="1070308" cy="1070308"/>
+            </a:xfrm>
+            <a:prstGeom prst="rect">
+              <a:avLst/>
+            </a:prstGeom>
+          </p:spPr>
+        </p:pic>
+        <p:pic>
+          <p:nvPicPr>
+            <p:cNvPr id="13" name="Picture 12"/>
+            <p:cNvPicPr>
+              <a:picLocks noChangeAspect="1"/>
+            </p:cNvPicPr>
+            <p:nvPr/>
+          </p:nvPicPr>
+          <p:blipFill>
+            <a:blip r:embed="rId3">
+              <a:extLst>
+                <a:ext uri="{28A0092B-C50C-407E-A947-70E740481C1C}">
+                  <a14:useLocalDpi xmlns:a14="http://schemas.microsoft.com/office/drawing/2010/main" val="0"/>
+                </a:ext>
+              </a:extLst>
+            </a:blip>
+            <a:stretch>
+              <a:fillRect/>
+            </a:stretch>
+          </p:blipFill>
+          <p:spPr>
+            <a:xfrm>
+              <a:off x="7582150" y="3690185"/>
+              <a:ext cx="1070308" cy="1070308"/>
+            </a:xfrm>
+            <a:prstGeom prst="rect">
+              <a:avLst/>
+            </a:prstGeom>
+          </p:spPr>
+        </p:pic>
+        <p:pic>
+          <p:nvPicPr>
+            <p:cNvPr id="14" name="Picture 13"/>
+            <p:cNvPicPr>
+              <a:picLocks noChangeAspect="1"/>
+            </p:cNvPicPr>
+            <p:nvPr/>
+          </p:nvPicPr>
+          <p:blipFill>
+            <a:blip r:embed="rId3">
+              <a:extLst>
+                <a:ext uri="{28A0092B-C50C-407E-A947-70E740481C1C}">
+                  <a14:useLocalDpi xmlns:a14="http://schemas.microsoft.com/office/drawing/2010/main" val="0"/>
+                </a:ext>
+              </a:extLst>
+            </a:blip>
+            <a:stretch>
+              <a:fillRect/>
+            </a:stretch>
+          </p:blipFill>
+          <p:spPr>
+            <a:xfrm>
+              <a:off x="7582150" y="4824265"/>
+              <a:ext cx="1070308" cy="1070308"/>
+            </a:xfrm>
+            <a:prstGeom prst="rect">
+              <a:avLst/>
+            </a:prstGeom>
+          </p:spPr>
+        </p:pic>
+        <p:pic>
+          <p:nvPicPr>
+            <p:cNvPr id="15" name="Picture 14"/>
+            <p:cNvPicPr>
+              <a:picLocks noChangeAspect="1"/>
+            </p:cNvPicPr>
+            <p:nvPr/>
+          </p:nvPicPr>
+          <p:blipFill>
+            <a:blip r:embed="rId2">
+              <a:extLst>
+                <a:ext uri="{28A0092B-C50C-407E-A947-70E740481C1C}">
+                  <a14:useLocalDpi xmlns:a14="http://schemas.microsoft.com/office/drawing/2010/main" val="0"/>
+                </a:ext>
+              </a:extLst>
+            </a:blip>
+            <a:stretch>
+              <a:fillRect/>
+            </a:stretch>
+          </p:blipFill>
+          <p:spPr>
+            <a:xfrm>
+              <a:off x="7582150" y="6211215"/>
+              <a:ext cx="1070308" cy="1070308"/>
+            </a:xfrm>
+            <a:prstGeom prst="rect">
+              <a:avLst/>
+            </a:prstGeom>
+          </p:spPr>
+        </p:pic>
+        <p:sp>
+          <p:nvSpPr>
+            <p:cNvPr id="16" name="TextBox 15"/>
+            <p:cNvSpPr txBox="1"/>
+            <p:nvPr/>
+          </p:nvSpPr>
+          <p:spPr>
+            <a:xfrm>
+              <a:off x="2843277" y="6585776"/>
+              <a:ext cx="914033" cy="369332"/>
+            </a:xfrm>
+            <a:prstGeom prst="rect">
+              <a:avLst/>
+            </a:prstGeom>
+            <a:noFill/>
+          </p:spPr>
+          <p:txBody>
+            <a:bodyPr wrap="none" rtlCol="0">
+              <a:spAutoFit/>
+            </a:bodyPr>
+            <a:lstStyle/>
+            <a:p>
+              <a:r>
+                <a:rPr lang="en-US" dirty="0" smtClean="0">
+                  <a:latin typeface="SF UI Display Medium" charset="0"/>
+                  <a:ea typeface="SF UI Display Medium" charset="0"/>
+                  <a:cs typeface="SF UI Display Medium" charset="0"/>
+                </a:rPr>
+                <a:t>assets </a:t>
+              </a:r>
+              <a:endParaRPr lang="en-US" dirty="0">
+                <a:latin typeface="SF UI Display Medium" charset="0"/>
+                <a:ea typeface="SF UI Display Medium" charset="0"/>
+                <a:cs typeface="SF UI Display Medium" charset="0"/>
+              </a:endParaRPr>
+            </a:p>
+          </p:txBody>
+        </p:sp>
+        <p:sp>
+          <p:nvSpPr>
+            <p:cNvPr id="17" name="TextBox 16"/>
+            <p:cNvSpPr txBox="1"/>
+            <p:nvPr/>
+          </p:nvSpPr>
+          <p:spPr>
+            <a:xfrm>
+              <a:off x="2771001" y="2957825"/>
+              <a:ext cx="1257075" cy="369332"/>
+            </a:xfrm>
+            <a:prstGeom prst="rect">
+              <a:avLst/>
+            </a:prstGeom>
+            <a:noFill/>
+          </p:spPr>
+          <p:txBody>
+            <a:bodyPr wrap="none" rtlCol="0">
+              <a:spAutoFit/>
+            </a:bodyPr>
+            <a:lstStyle/>
+            <a:p>
+              <a:r>
+                <a:rPr lang="en-US" dirty="0" err="1">
+                  <a:latin typeface="SF UI Display Medium" charset="0"/>
+                  <a:ea typeface="SF UI Display Medium" charset="0"/>
+                  <a:cs typeface="SF UI Display Medium" charset="0"/>
+                </a:rPr>
+                <a:t>i</a:t>
+              </a:r>
+              <a:r>
+                <a:rPr lang="en-US" dirty="0" err="1" smtClean="0">
+                  <a:latin typeface="SF UI Display Medium" charset="0"/>
+                  <a:ea typeface="SF UI Display Medium" charset="0"/>
+                  <a:cs typeface="SF UI Display Medium" charset="0"/>
+                </a:rPr>
+                <a:t>ndex.html</a:t>
+              </a:r>
+              <a:endParaRPr lang="en-US" dirty="0">
+                <a:latin typeface="SF UI Display Medium" charset="0"/>
+                <a:ea typeface="SF UI Display Medium" charset="0"/>
+                <a:cs typeface="SF UI Display Medium" charset="0"/>
+              </a:endParaRPr>
+            </a:p>
+          </p:txBody>
+        </p:sp>
+        <p:sp>
+          <p:nvSpPr>
+            <p:cNvPr id="18" name="TextBox 17"/>
+            <p:cNvSpPr txBox="1"/>
+            <p:nvPr/>
+          </p:nvSpPr>
+          <p:spPr>
+            <a:xfrm>
+              <a:off x="2771001" y="4040673"/>
+              <a:ext cx="1713931" cy="369332"/>
+            </a:xfrm>
+            <a:prstGeom prst="rect">
+              <a:avLst/>
+            </a:prstGeom>
+            <a:noFill/>
+          </p:spPr>
+          <p:txBody>
+            <a:bodyPr wrap="none" rtlCol="0">
+              <a:spAutoFit/>
+            </a:bodyPr>
+            <a:lstStyle/>
+            <a:p>
+              <a:r>
+                <a:rPr lang="en-US" dirty="0" err="1" smtClean="0">
+                  <a:latin typeface="SF UI Display Medium" charset="0"/>
+                  <a:ea typeface="SF UI Display Medium" charset="0"/>
+                  <a:cs typeface="SF UI Display Medium" charset="0"/>
+                </a:rPr>
+                <a:t>courseLib.html</a:t>
+              </a:r>
+              <a:endParaRPr lang="en-US" dirty="0">
+                <a:latin typeface="SF UI Display Medium" charset="0"/>
+                <a:ea typeface="SF UI Display Medium" charset="0"/>
+                <a:cs typeface="SF UI Display Medium" charset="0"/>
+              </a:endParaRPr>
+            </a:p>
+          </p:txBody>
+        </p:sp>
+        <p:sp>
+          <p:nvSpPr>
+            <p:cNvPr id="19" name="TextBox 18"/>
+            <p:cNvSpPr txBox="1"/>
+            <p:nvPr/>
+          </p:nvSpPr>
+          <p:spPr>
+            <a:xfrm>
+              <a:off x="2771000" y="5174753"/>
+              <a:ext cx="1398140" cy="369332"/>
+            </a:xfrm>
+            <a:prstGeom prst="rect">
+              <a:avLst/>
+            </a:prstGeom>
+            <a:noFill/>
+          </p:spPr>
+          <p:txBody>
+            <a:bodyPr wrap="none" rtlCol="0">
+              <a:spAutoFit/>
+            </a:bodyPr>
+            <a:lstStyle/>
+            <a:p>
+              <a:r>
+                <a:rPr lang="en-US" dirty="0" err="1">
+                  <a:latin typeface="SF UI Display Medium" charset="0"/>
+                  <a:ea typeface="SF UI Display Medium" charset="0"/>
+                  <a:cs typeface="SF UI Display Medium" charset="0"/>
+                </a:rPr>
+                <a:t>c</a:t>
+              </a:r>
+              <a:r>
+                <a:rPr lang="en-US" dirty="0" err="1" smtClean="0">
+                  <a:latin typeface="SF UI Display Medium" charset="0"/>
+                  <a:ea typeface="SF UI Display Medium" charset="0"/>
+                  <a:cs typeface="SF UI Display Medium" charset="0"/>
+                </a:rPr>
+                <a:t>ourse.html</a:t>
+              </a:r>
+              <a:endParaRPr lang="en-US" dirty="0">
+                <a:latin typeface="SF UI Display Medium" charset="0"/>
+                <a:ea typeface="SF UI Display Medium" charset="0"/>
+                <a:cs typeface="SF UI Display Medium" charset="0"/>
+              </a:endParaRPr>
+            </a:p>
+          </p:txBody>
+        </p:sp>
+        <p:sp>
+          <p:nvSpPr>
+            <p:cNvPr id="20" name="TextBox 19"/>
+            <p:cNvSpPr txBox="1"/>
+            <p:nvPr/>
+          </p:nvSpPr>
+          <p:spPr>
+            <a:xfrm>
+              <a:off x="8652458" y="6561703"/>
+              <a:ext cx="538930" cy="369332"/>
+            </a:xfrm>
+            <a:prstGeom prst="rect">
+              <a:avLst/>
+            </a:prstGeom>
+            <a:noFill/>
+          </p:spPr>
+          <p:txBody>
+            <a:bodyPr wrap="none" rtlCol="0">
+              <a:spAutoFit/>
+            </a:bodyPr>
+            <a:lstStyle/>
+            <a:p>
+              <a:r>
+                <a:rPr lang="en-US" dirty="0" err="1" smtClean="0">
+                  <a:latin typeface="SF UI Display Medium" charset="0"/>
+                  <a:ea typeface="SF UI Display Medium" charset="0"/>
+                  <a:cs typeface="SF UI Display Medium" charset="0"/>
+                </a:rPr>
+                <a:t>css</a:t>
+              </a:r>
+              <a:endParaRPr lang="en-US" dirty="0">
+                <a:latin typeface="SF UI Display Medium" charset="0"/>
+                <a:ea typeface="SF UI Display Medium" charset="0"/>
+                <a:cs typeface="SF UI Display Medium" charset="0"/>
+              </a:endParaRPr>
+            </a:p>
+          </p:txBody>
+        </p:sp>
+        <p:sp>
+          <p:nvSpPr>
+            <p:cNvPr id="21" name="TextBox 20"/>
+            <p:cNvSpPr txBox="1"/>
+            <p:nvPr/>
+          </p:nvSpPr>
+          <p:spPr>
+            <a:xfrm>
+              <a:off x="8652459" y="2924642"/>
+              <a:ext cx="1265090" cy="369332"/>
+            </a:xfrm>
+            <a:prstGeom prst="rect">
+              <a:avLst/>
+            </a:prstGeom>
+            <a:noFill/>
+          </p:spPr>
+          <p:txBody>
+            <a:bodyPr wrap="none" rtlCol="0">
+              <a:spAutoFit/>
+            </a:bodyPr>
+            <a:lstStyle/>
+            <a:p>
+              <a:r>
+                <a:rPr lang="en-US" dirty="0" err="1" smtClean="0">
+                  <a:latin typeface="SF UI Display Medium" charset="0"/>
+                  <a:ea typeface="SF UI Display Medium" charset="0"/>
+                  <a:cs typeface="SF UI Display Medium" charset="0"/>
+                </a:rPr>
+                <a:t>about.html</a:t>
+              </a:r>
+              <a:endParaRPr lang="en-US" dirty="0">
+                <a:latin typeface="SF UI Display Medium" charset="0"/>
+                <a:ea typeface="SF UI Display Medium" charset="0"/>
+                <a:cs typeface="SF UI Display Medium" charset="0"/>
+              </a:endParaRPr>
+            </a:p>
+          </p:txBody>
+        </p:sp>
+        <p:sp>
+          <p:nvSpPr>
+            <p:cNvPr id="22" name="TextBox 21"/>
+            <p:cNvSpPr txBox="1"/>
+            <p:nvPr/>
+          </p:nvSpPr>
+          <p:spPr>
+            <a:xfrm>
+              <a:off x="8652459" y="4007490"/>
+              <a:ext cx="1473480" cy="369332"/>
+            </a:xfrm>
+            <a:prstGeom prst="rect">
+              <a:avLst/>
+            </a:prstGeom>
+            <a:noFill/>
+          </p:spPr>
+          <p:txBody>
+            <a:bodyPr wrap="none" rtlCol="0">
+              <a:spAutoFit/>
+            </a:bodyPr>
+            <a:lstStyle/>
+            <a:p>
+              <a:r>
+                <a:rPr lang="en-US" dirty="0" err="1" smtClean="0">
+                  <a:latin typeface="SF UI Display Medium" charset="0"/>
+                  <a:ea typeface="SF UI Display Medium" charset="0"/>
+                  <a:cs typeface="SF UI Display Medium" charset="0"/>
+                </a:rPr>
+                <a:t>contact.html</a:t>
+              </a:r>
+              <a:endParaRPr lang="en-US" dirty="0">
+                <a:latin typeface="SF UI Display Medium" charset="0"/>
+                <a:ea typeface="SF UI Display Medium" charset="0"/>
+                <a:cs typeface="SF UI Display Medium" charset="0"/>
+              </a:endParaRPr>
+            </a:p>
+          </p:txBody>
+        </p:sp>
+        <p:sp>
+          <p:nvSpPr>
+            <p:cNvPr id="23" name="TextBox 22"/>
+            <p:cNvSpPr txBox="1"/>
+            <p:nvPr/>
+          </p:nvSpPr>
+          <p:spPr>
+            <a:xfrm>
+              <a:off x="8652458" y="5141570"/>
+              <a:ext cx="1026243" cy="369332"/>
+            </a:xfrm>
+            <a:prstGeom prst="rect">
+              <a:avLst/>
+            </a:prstGeom>
+            <a:noFill/>
+          </p:spPr>
+          <p:txBody>
+            <a:bodyPr wrap="none" rtlCol="0">
+              <a:spAutoFit/>
+            </a:bodyPr>
+            <a:lstStyle/>
+            <a:p>
+              <a:r>
+                <a:rPr lang="en-US" smtClean="0">
+                  <a:latin typeface="SF UI Display Medium" charset="0"/>
+                  <a:ea typeface="SF UI Display Medium" charset="0"/>
+                  <a:cs typeface="SF UI Display Medium" charset="0"/>
+                </a:rPr>
+                <a:t>faq.html</a:t>
+              </a:r>
+              <a:endParaRPr lang="en-US" dirty="0">
+                <a:latin typeface="SF UI Display Medium" charset="0"/>
+                <a:ea typeface="SF UI Display Medium" charset="0"/>
+                <a:cs typeface="SF UI Display Medium" charset="0"/>
+              </a:endParaRPr>
+            </a:p>
+          </p:txBody>
+        </p:sp>
+        <p:pic>
+          <p:nvPicPr>
+            <p:cNvPr id="24" name="Picture 23"/>
+            <p:cNvPicPr>
+              <a:picLocks noChangeAspect="1"/>
+            </p:cNvPicPr>
+            <p:nvPr/>
+          </p:nvPicPr>
+          <p:blipFill>
+            <a:blip r:embed="rId3">
+              <a:extLst>
+                <a:ext uri="{28A0092B-C50C-407E-A947-70E740481C1C}">
+                  <a14:useLocalDpi xmlns:a14="http://schemas.microsoft.com/office/drawing/2010/main" val="0"/>
+                </a:ext>
+              </a:extLst>
+            </a:blip>
+            <a:stretch>
+              <a:fillRect/>
+            </a:stretch>
+          </p:blipFill>
+          <p:spPr>
+            <a:xfrm>
+              <a:off x="8987593" y="7160751"/>
+              <a:ext cx="435698" cy="435698"/>
+            </a:xfrm>
+            <a:prstGeom prst="rect">
+              <a:avLst/>
+            </a:prstGeom>
+          </p:spPr>
+        </p:pic>
+        <p:sp>
+          <p:nvSpPr>
+            <p:cNvPr id="25" name="TextBox 24"/>
+            <p:cNvSpPr txBox="1"/>
+            <p:nvPr/>
+          </p:nvSpPr>
+          <p:spPr>
+            <a:xfrm>
+              <a:off x="9543510" y="7193934"/>
+              <a:ext cx="1413353" cy="369332"/>
+            </a:xfrm>
+            <a:prstGeom prst="rect">
+              <a:avLst/>
+            </a:prstGeom>
+            <a:noFill/>
+          </p:spPr>
+          <p:txBody>
+            <a:bodyPr wrap="square" rtlCol="0">
+              <a:spAutoFit/>
+            </a:bodyPr>
+            <a:lstStyle/>
+            <a:p>
+              <a:r>
+                <a:rPr lang="en-US" dirty="0" err="1" smtClean="0">
+                  <a:latin typeface="SF UI Display Light" charset="0"/>
+                  <a:ea typeface="SF UI Display Light" charset="0"/>
+                  <a:cs typeface="SF UI Display Light" charset="0"/>
+                </a:rPr>
+                <a:t>style.css</a:t>
+              </a:r>
+              <a:endParaRPr lang="en-US" dirty="0">
+                <a:latin typeface="SF UI Display Light" charset="0"/>
+                <a:ea typeface="SF UI Display Light" charset="0"/>
+                <a:cs typeface="SF UI Display Light" charset="0"/>
+              </a:endParaRPr>
+            </a:p>
+          </p:txBody>
+        </p:sp>
+        <p:pic>
+          <p:nvPicPr>
+            <p:cNvPr id="27" name="Picture 26"/>
+            <p:cNvPicPr>
+              <a:picLocks noChangeAspect="1"/>
+            </p:cNvPicPr>
+            <p:nvPr/>
+          </p:nvPicPr>
+          <p:blipFill>
+            <a:blip r:embed="rId4">
+              <a:extLst>
+                <a:ext uri="{28A0092B-C50C-407E-A947-70E740481C1C}">
+                  <a14:useLocalDpi xmlns:a14="http://schemas.microsoft.com/office/drawing/2010/main" val="0"/>
+                </a:ext>
+              </a:extLst>
+            </a:blip>
+            <a:stretch>
+              <a:fillRect/>
+            </a:stretch>
+          </p:blipFill>
+          <p:spPr>
+            <a:xfrm>
+              <a:off x="3247198" y="7201871"/>
+              <a:ext cx="439200" cy="439200"/>
+            </a:xfrm>
+            <a:prstGeom prst="rect">
+              <a:avLst/>
+            </a:prstGeom>
+          </p:spPr>
+        </p:pic>
+        <p:sp>
+          <p:nvSpPr>
+            <p:cNvPr id="28" name="TextBox 27"/>
+            <p:cNvSpPr txBox="1"/>
+            <p:nvPr/>
+          </p:nvSpPr>
+          <p:spPr>
+            <a:xfrm>
+              <a:off x="3757310" y="7223791"/>
+              <a:ext cx="1648208" cy="369332"/>
+            </a:xfrm>
+            <a:prstGeom prst="rect">
+              <a:avLst/>
+            </a:prstGeom>
+            <a:noFill/>
+          </p:spPr>
+          <p:txBody>
+            <a:bodyPr wrap="none" rtlCol="0">
+              <a:spAutoFit/>
+            </a:bodyPr>
+            <a:lstStyle/>
+            <a:p>
+              <a:r>
+                <a:rPr lang="en-US" dirty="0">
+                  <a:latin typeface="SF UI Display Light" charset="0"/>
+                  <a:ea typeface="SF UI Display Light" charset="0"/>
+                  <a:cs typeface="SF UI Display Light" charset="0"/>
+                </a:rPr>
+                <a:t>i</a:t>
+              </a:r>
+              <a:r>
+                <a:rPr lang="en-US" dirty="0" smtClean="0">
+                  <a:latin typeface="SF UI Display Light" charset="0"/>
+                  <a:ea typeface="SF UI Display Light" charset="0"/>
+                  <a:cs typeface="SF UI Display Light" charset="0"/>
+                </a:rPr>
+                <a:t>mages &amp; icons</a:t>
+              </a:r>
+              <a:endParaRPr lang="en-US" dirty="0">
+                <a:latin typeface="SF UI Display Light" charset="0"/>
+                <a:ea typeface="SF UI Display Light" charset="0"/>
+                <a:cs typeface="SF UI Display Light" charset="0"/>
+              </a:endParaRPr>
+            </a:p>
+          </p:txBody>
+        </p:sp>
+      </p:grpSp>
     </p:spTree>
     <p:extLst>
       <p:ext uri="{BB962C8B-B14F-4D97-AF65-F5344CB8AC3E}">
-        <p14:creationId xmlns:p14="http://schemas.microsoft.com/office/powerpoint/2010/main" val="1069125012"/>
+        <p14:creationId xmlns:p14="http://schemas.microsoft.com/office/powerpoint/2010/main" val="1938638128"/>
       </p:ext>
     </p:extLst>
   </p:cSld>
   <p:clrMapOvr>
     <a:masterClrMapping/>
   </p:clrMapOvr>
+  <p:timing>
+    <p:tnLst>
+      <p:par>
+        <p:cTn id="1" dur="indefinite" restart="never" nodeType="tmRoot"/>
+      </p:par>
+    </p:tnLst>
+  </p:timing>
 </p:sld>
 </file>
 
